--- a/College Submissions/22223045-Presentation.pptx
+++ b/College Submissions/22223045-Presentation.pptx
@@ -6,9 +6,27 @@
   </p:sldMasterIdLst>
   <p:sldIdLst>
     <p:sldId id="256" r:id="rId2"/>
-    <p:sldId id="257" r:id="rId3"/>
-    <p:sldId id="260" r:id="rId4"/>
-    <p:sldId id="258" r:id="rId5"/>
+    <p:sldId id="264" r:id="rId3"/>
+    <p:sldId id="273" r:id="rId4"/>
+    <p:sldId id="274" r:id="rId5"/>
+    <p:sldId id="263" r:id="rId6"/>
+    <p:sldId id="271" r:id="rId7"/>
+    <p:sldId id="265" r:id="rId8"/>
+    <p:sldId id="275" r:id="rId9"/>
+    <p:sldId id="277" r:id="rId10"/>
+    <p:sldId id="276" r:id="rId11"/>
+    <p:sldId id="279" r:id="rId12"/>
+    <p:sldId id="278" r:id="rId13"/>
+    <p:sldId id="280" r:id="rId14"/>
+    <p:sldId id="272" r:id="rId15"/>
+    <p:sldId id="266" r:id="rId16"/>
+    <p:sldId id="268" r:id="rId17"/>
+    <p:sldId id="286" r:id="rId18"/>
+    <p:sldId id="282" r:id="rId19"/>
+    <p:sldId id="284" r:id="rId20"/>
+    <p:sldId id="283" r:id="rId21"/>
+    <p:sldId id="285" r:id="rId22"/>
+    <p:sldId id="258" r:id="rId23"/>
   </p:sldIdLst>
   <p:sldSz cx="12192000" cy="6858000"/>
   <p:notesSz cx="6858000" cy="9144000"/>
@@ -264,7 +282,7 @@
           <a:p>
             <a:fld id="{24EB9E9B-1AAA-4305-9E96-A6C4A2CC285C}" type="datetimeFigureOut">
               <a:rPr lang="en-IN" smtClean="0"/>
-              <a:t>05-03-2024</a:t>
+              <a:t>12-11-2024</a:t>
             </a:fld>
             <a:endParaRPr lang="en-IN"/>
           </a:p>
@@ -464,7 +482,7 @@
           <a:p>
             <a:fld id="{24EB9E9B-1AAA-4305-9E96-A6C4A2CC285C}" type="datetimeFigureOut">
               <a:rPr lang="en-IN" smtClean="0"/>
-              <a:t>05-03-2024</a:t>
+              <a:t>12-11-2024</a:t>
             </a:fld>
             <a:endParaRPr lang="en-IN"/>
           </a:p>
@@ -674,7 +692,7 @@
           <a:p>
             <a:fld id="{24EB9E9B-1AAA-4305-9E96-A6C4A2CC285C}" type="datetimeFigureOut">
               <a:rPr lang="en-IN" smtClean="0"/>
-              <a:t>05-03-2024</a:t>
+              <a:t>12-11-2024</a:t>
             </a:fld>
             <a:endParaRPr lang="en-IN"/>
           </a:p>
@@ -874,7 +892,7 @@
           <a:p>
             <a:fld id="{24EB9E9B-1AAA-4305-9E96-A6C4A2CC285C}" type="datetimeFigureOut">
               <a:rPr lang="en-IN" smtClean="0"/>
-              <a:t>05-03-2024</a:t>
+              <a:t>12-11-2024</a:t>
             </a:fld>
             <a:endParaRPr lang="en-IN"/>
           </a:p>
@@ -1150,7 +1168,7 @@
           <a:p>
             <a:fld id="{24EB9E9B-1AAA-4305-9E96-A6C4A2CC285C}" type="datetimeFigureOut">
               <a:rPr lang="en-IN" smtClean="0"/>
-              <a:t>05-03-2024</a:t>
+              <a:t>12-11-2024</a:t>
             </a:fld>
             <a:endParaRPr lang="en-IN"/>
           </a:p>
@@ -1418,7 +1436,7 @@
           <a:p>
             <a:fld id="{24EB9E9B-1AAA-4305-9E96-A6C4A2CC285C}" type="datetimeFigureOut">
               <a:rPr lang="en-IN" smtClean="0"/>
-              <a:t>05-03-2024</a:t>
+              <a:t>12-11-2024</a:t>
             </a:fld>
             <a:endParaRPr lang="en-IN"/>
           </a:p>
@@ -1833,7 +1851,7 @@
           <a:p>
             <a:fld id="{24EB9E9B-1AAA-4305-9E96-A6C4A2CC285C}" type="datetimeFigureOut">
               <a:rPr lang="en-IN" smtClean="0"/>
-              <a:t>05-03-2024</a:t>
+              <a:t>12-11-2024</a:t>
             </a:fld>
             <a:endParaRPr lang="en-IN"/>
           </a:p>
@@ -1975,7 +1993,7 @@
           <a:p>
             <a:fld id="{24EB9E9B-1AAA-4305-9E96-A6C4A2CC285C}" type="datetimeFigureOut">
               <a:rPr lang="en-IN" smtClean="0"/>
-              <a:t>05-03-2024</a:t>
+              <a:t>12-11-2024</a:t>
             </a:fld>
             <a:endParaRPr lang="en-IN"/>
           </a:p>
@@ -2088,7 +2106,7 @@
           <a:p>
             <a:fld id="{24EB9E9B-1AAA-4305-9E96-A6C4A2CC285C}" type="datetimeFigureOut">
               <a:rPr lang="en-IN" smtClean="0"/>
-              <a:t>05-03-2024</a:t>
+              <a:t>12-11-2024</a:t>
             </a:fld>
             <a:endParaRPr lang="en-IN"/>
           </a:p>
@@ -2401,7 +2419,7 @@
           <a:p>
             <a:fld id="{24EB9E9B-1AAA-4305-9E96-A6C4A2CC285C}" type="datetimeFigureOut">
               <a:rPr lang="en-IN" smtClean="0"/>
-              <a:t>05-03-2024</a:t>
+              <a:t>12-11-2024</a:t>
             </a:fld>
             <a:endParaRPr lang="en-IN"/>
           </a:p>
@@ -2690,7 +2708,7 @@
           <a:p>
             <a:fld id="{24EB9E9B-1AAA-4305-9E96-A6C4A2CC285C}" type="datetimeFigureOut">
               <a:rPr lang="en-IN" smtClean="0"/>
-              <a:t>05-03-2024</a:t>
+              <a:t>12-11-2024</a:t>
             </a:fld>
             <a:endParaRPr lang="en-IN"/>
           </a:p>
@@ -2767,9 +2785,18 @@
 <p:sldMaster xmlns:a="http://schemas.openxmlformats.org/drawingml/2006/main" xmlns:r="http://schemas.openxmlformats.org/officeDocument/2006/relationships" xmlns:p="http://schemas.openxmlformats.org/presentationml/2006/main">
   <p:cSld>
     <p:bg>
-      <p:bgRef idx="1001">
-        <a:schemeClr val="bg1"/>
-      </p:bgRef>
+      <p:bgPr>
+        <a:blipFill dpi="0" rotWithShape="1">
+          <a:blip r:embed="rId13">
+            <a:lum/>
+          </a:blip>
+          <a:srcRect/>
+          <a:stretch>
+            <a:fillRect/>
+          </a:stretch>
+        </a:blipFill>
+        <a:effectLst/>
+      </p:bgPr>
     </p:bg>
     <p:spTree>
       <p:nvGrpSpPr>
@@ -2933,7 +2960,7 @@
           <a:p>
             <a:fld id="{24EB9E9B-1AAA-4305-9E96-A6C4A2CC285C}" type="datetimeFigureOut">
               <a:rPr lang="en-IN" smtClean="0"/>
-              <a:t>05-03-2024</a:t>
+              <a:t>12-11-2024</a:t>
             </a:fld>
             <a:endParaRPr lang="en-IN"/>
           </a:p>
@@ -3344,228 +3371,6 @@
           </a:blip>
           <a:srcRect/>
           <a:stretch>
-            <a:fillRect l="-1000" t="-2000" r="-6000"/>
-          </a:stretch>
-        </a:blipFill>
-        <a:effectLst/>
-      </p:bgPr>
-    </p:bg>
-    <p:spTree>
-      <p:nvGrpSpPr>
-        <p:cNvPr id="1" name=""/>
-        <p:cNvGrpSpPr/>
-        <p:nvPr/>
-      </p:nvGrpSpPr>
-      <p:grpSpPr>
-        <a:xfrm>
-          <a:off x="0" y="0"/>
-          <a:ext cx="0" cy="0"/>
-          <a:chOff x="0" y="0"/>
-          <a:chExt cx="0" cy="0"/>
-        </a:xfrm>
-      </p:grpSpPr>
-      <p:sp>
-        <p:nvSpPr>
-          <p:cNvPr id="2" name="Title 1">
-            <a:extLst>
-              <a:ext uri="{FF2B5EF4-FFF2-40B4-BE49-F238E27FC236}">
-                <a16:creationId xmlns:a16="http://schemas.microsoft.com/office/drawing/2014/main" id="{44E1BC12-7668-322E-DFAF-2EEBDE5A1346}"/>
-              </a:ext>
-            </a:extLst>
-          </p:cNvPr>
-          <p:cNvSpPr>
-            <a:spLocks noGrp="1"/>
-          </p:cNvSpPr>
-          <p:nvPr>
-            <p:ph type="ctrTitle"/>
-          </p:nvPr>
-        </p:nvSpPr>
-        <p:spPr>
-          <a:xfrm>
-            <a:off x="1355188" y="439282"/>
-            <a:ext cx="9144000" cy="1171431"/>
-          </a:xfrm>
-        </p:spPr>
-        <p:txBody>
-          <a:bodyPr>
-            <a:normAutofit/>
-          </a:bodyPr>
-          <a:lstStyle/>
-          <a:p>
-            <a:r>
-              <a:rPr lang="en-IN" sz="4900" b="1" dirty="0">
-                <a:solidFill>
-                  <a:schemeClr val="accent1">
-                    <a:lumMod val="50000"/>
-                  </a:schemeClr>
-                </a:solidFill>
-              </a:rPr>
-              <a:t>Title of the Project</a:t>
-            </a:r>
-            <a:endParaRPr lang="en-IN" sz="4800" b="1" dirty="0">
-              <a:solidFill>
-                <a:schemeClr val="accent2">
-                  <a:lumMod val="50000"/>
-                </a:schemeClr>
-              </a:solidFill>
-            </a:endParaRPr>
-          </a:p>
-        </p:txBody>
-      </p:sp>
-      <p:sp>
-        <p:nvSpPr>
-          <p:cNvPr id="3" name="Subtitle 2">
-            <a:extLst>
-              <a:ext uri="{FF2B5EF4-FFF2-40B4-BE49-F238E27FC236}">
-                <a16:creationId xmlns:a16="http://schemas.microsoft.com/office/drawing/2014/main" id="{C54D43E9-895C-7A53-B418-AE7F7C5B7EF2}"/>
-              </a:ext>
-            </a:extLst>
-          </p:cNvPr>
-          <p:cNvSpPr>
-            <a:spLocks noGrp="1"/>
-          </p:cNvSpPr>
-          <p:nvPr>
-            <p:ph type="subTitle" idx="1"/>
-          </p:nvPr>
-        </p:nvSpPr>
-        <p:spPr>
-          <a:xfrm>
-            <a:off x="0" y="2150953"/>
-            <a:ext cx="12192000" cy="1663401"/>
-          </a:xfrm>
-        </p:spPr>
-        <p:txBody>
-          <a:bodyPr>
-            <a:normAutofit/>
-          </a:bodyPr>
-          <a:lstStyle/>
-          <a:p>
-            <a:r>
-              <a:rPr lang="en-IN" sz="2000" b="1" dirty="0"/>
-              <a:t>Presented by</a:t>
-            </a:r>
-          </a:p>
-          <a:p>
-            <a:r>
-              <a:rPr lang="en-IN" sz="2800" dirty="0">
-                <a:solidFill>
-                  <a:schemeClr val="accent1">
-                    <a:lumMod val="75000"/>
-                  </a:schemeClr>
-                </a:solidFill>
-              </a:rPr>
-              <a:t>Student Name</a:t>
-            </a:r>
-          </a:p>
-          <a:p>
-            <a:r>
-              <a:rPr lang="en-IN" sz="2000" dirty="0"/>
-              <a:t>Roll No: ___________</a:t>
-            </a:r>
-          </a:p>
-          <a:p>
-            <a:pPr algn="ctr"/>
-            <a:r>
-              <a:rPr lang="en-IN" sz="1800" dirty="0"/>
-              <a:t>MCA-V Semester</a:t>
-            </a:r>
-          </a:p>
-        </p:txBody>
-      </p:sp>
-      <p:sp>
-        <p:nvSpPr>
-          <p:cNvPr id="6" name="TextBox 5">
-            <a:extLst>
-              <a:ext uri="{FF2B5EF4-FFF2-40B4-BE49-F238E27FC236}">
-                <a16:creationId xmlns:a16="http://schemas.microsoft.com/office/drawing/2014/main" id="{F4AAFBED-CA4A-1083-82EC-CA05130FE93B}"/>
-              </a:ext>
-            </a:extLst>
-          </p:cNvPr>
-          <p:cNvSpPr txBox="1"/>
-          <p:nvPr/>
-        </p:nvSpPr>
-        <p:spPr>
-          <a:xfrm>
-            <a:off x="4464148" y="4354594"/>
-            <a:ext cx="3263704" cy="646331"/>
-          </a:xfrm>
-          <a:prstGeom prst="rect">
-            <a:avLst/>
-          </a:prstGeom>
-          <a:noFill/>
-        </p:spPr>
-        <p:txBody>
-          <a:bodyPr wrap="square" rtlCol="0">
-            <a:spAutoFit/>
-          </a:bodyPr>
-          <a:lstStyle/>
-          <a:p>
-            <a:pPr algn="ctr"/>
-            <a:r>
-              <a:rPr lang="en-IN" sz="1800" b="1" kern="1200" dirty="0">
-                <a:solidFill>
-                  <a:srgbClr val="000000"/>
-                </a:solidFill>
-                <a:effectLst/>
-                <a:latin typeface="Calibri" panose="020F0502020204030204" pitchFamily="34" charset="0"/>
-                <a:ea typeface="Times New Roman" panose="02020603050405020304" pitchFamily="18" charset="0"/>
-                <a:cs typeface="Times New Roman" panose="02020603050405020304" pitchFamily="18" charset="0"/>
-              </a:rPr>
-              <a:t>Faculty Name</a:t>
-            </a:r>
-            <a:endParaRPr lang="en-IN" sz="1800" dirty="0">
-              <a:effectLst/>
-              <a:latin typeface="Times New Roman" panose="02020603050405020304" pitchFamily="18" charset="0"/>
-              <a:ea typeface="Times New Roman" panose="02020603050405020304" pitchFamily="18" charset="0"/>
-            </a:endParaRPr>
-          </a:p>
-          <a:p>
-            <a:pPr algn="ctr"/>
-            <a:r>
-              <a:rPr lang="en-IN" sz="1800" b="1" kern="1200" dirty="0">
-                <a:solidFill>
-                  <a:srgbClr val="365F91"/>
-                </a:solidFill>
-                <a:effectLst/>
-                <a:latin typeface="Calibri" panose="020F0502020204030204" pitchFamily="34" charset="0"/>
-                <a:ea typeface="Times New Roman" panose="02020603050405020304" pitchFamily="18" charset="0"/>
-                <a:cs typeface="Times New Roman" panose="02020603050405020304" pitchFamily="18" charset="0"/>
-              </a:rPr>
-              <a:t>Supervisor</a:t>
-            </a:r>
-            <a:endParaRPr lang="en-IN" sz="1800" dirty="0">
-              <a:effectLst/>
-              <a:latin typeface="Times New Roman" panose="02020603050405020304" pitchFamily="18" charset="0"/>
-              <a:ea typeface="Times New Roman" panose="02020603050405020304" pitchFamily="18" charset="0"/>
-            </a:endParaRPr>
-          </a:p>
-        </p:txBody>
-      </p:sp>
-    </p:spTree>
-    <p:extLst>
-      <p:ext uri="{BB962C8B-B14F-4D97-AF65-F5344CB8AC3E}">
-        <p14:creationId xmlns:p14="http://schemas.microsoft.com/office/powerpoint/2010/main" val="4141566434"/>
-      </p:ext>
-    </p:extLst>
-  </p:cSld>
-  <p:clrMapOvr>
-    <a:masterClrMapping/>
-  </p:clrMapOvr>
-</p:sld>
-</file>
-
-<file path=ppt/slides/slide2.xml><?xml version="1.0" encoding="utf-8"?>
-<p:sld xmlns:a="http://schemas.openxmlformats.org/drawingml/2006/main" xmlns:r="http://schemas.openxmlformats.org/officeDocument/2006/relationships" xmlns:p="http://schemas.openxmlformats.org/presentationml/2006/main">
-  <p:cSld>
-    <p:bg>
-      <p:bgPr>
-        <a:blipFill dpi="0" rotWithShape="1">
-          <a:blip r:embed="rId2">
-            <a:alphaModFix amt="54000"/>
-            <a:lum/>
-          </a:blip>
-          <a:srcRect/>
-          <a:stretch>
             <a:fillRect/>
           </a:stretch>
         </a:blipFill>
@@ -3591,18 +3396,23 @@
           <p:cNvPr id="2" name="Title 1">
             <a:extLst>
               <a:ext uri="{FF2B5EF4-FFF2-40B4-BE49-F238E27FC236}">
-                <a16:creationId xmlns:a16="http://schemas.microsoft.com/office/drawing/2014/main" id="{A590A318-7262-1601-7CB8-7DF85E6D77DC}"/>
-              </a:ext>
-            </a:extLst>
-          </p:cNvPr>
-          <p:cNvSpPr>
-            <a:spLocks noGrp="1"/>
-          </p:cNvSpPr>
-          <p:nvPr>
-            <p:ph type="title"/>
-          </p:nvPr>
-        </p:nvSpPr>
-        <p:spPr/>
+                <a16:creationId xmlns:a16="http://schemas.microsoft.com/office/drawing/2014/main" id="{44E1BC12-7668-322E-DFAF-2EEBDE5A1346}"/>
+              </a:ext>
+            </a:extLst>
+          </p:cNvPr>
+          <p:cNvSpPr>
+            <a:spLocks noGrp="1"/>
+          </p:cNvSpPr>
+          <p:nvPr>
+            <p:ph type="ctrTitle"/>
+          </p:nvPr>
+        </p:nvSpPr>
+        <p:spPr>
+          <a:xfrm>
+            <a:off x="1523999" y="230864"/>
+            <a:ext cx="9144000" cy="1171431"/>
+          </a:xfrm>
+        </p:spPr>
         <p:txBody>
           <a:bodyPr>
             <a:normAutofit/>
@@ -3610,95 +3420,189 @@
           <a:lstStyle/>
           <a:p>
             <a:r>
-              <a:rPr lang="en-IN" sz="4000" b="1" dirty="0"/>
-              <a:t>Title &lt; 40pt, font type: Calibri light </a:t>
-            </a:r>
-          </a:p>
-        </p:txBody>
-      </p:sp>
-      <p:sp>
-        <p:nvSpPr>
-          <p:cNvPr id="3" name="Content Placeholder 2">
-            <a:extLst>
-              <a:ext uri="{FF2B5EF4-FFF2-40B4-BE49-F238E27FC236}">
-                <a16:creationId xmlns:a16="http://schemas.microsoft.com/office/drawing/2014/main" id="{90AA5080-CE76-D1DF-858C-E3EB05B9A34E}"/>
-              </a:ext>
-            </a:extLst>
-          </p:cNvPr>
-          <p:cNvSpPr>
-            <a:spLocks noGrp="1"/>
-          </p:cNvSpPr>
-          <p:nvPr>
-            <p:ph sz="half" idx="1"/>
-          </p:nvPr>
-        </p:nvSpPr>
-        <p:spPr/>
+              <a:rPr lang="en-US" sz="4900" b="1" dirty="0" err="1">
+                <a:solidFill>
+                  <a:schemeClr val="accent1">
+                    <a:lumMod val="50000"/>
+                  </a:schemeClr>
+                </a:solidFill>
+              </a:rPr>
+              <a:t>FitHub</a:t>
+            </a:r>
+            <a:endParaRPr lang="en-IN" sz="4800" b="1" dirty="0">
+              <a:solidFill>
+                <a:schemeClr val="accent2">
+                  <a:lumMod val="50000"/>
+                </a:schemeClr>
+              </a:solidFill>
+            </a:endParaRPr>
+          </a:p>
+        </p:txBody>
+      </p:sp>
+      <p:sp>
+        <p:nvSpPr>
+          <p:cNvPr id="3" name="Subtitle 2">
+            <a:extLst>
+              <a:ext uri="{FF2B5EF4-FFF2-40B4-BE49-F238E27FC236}">
+                <a16:creationId xmlns:a16="http://schemas.microsoft.com/office/drawing/2014/main" id="{C54D43E9-895C-7A53-B418-AE7F7C5B7EF2}"/>
+              </a:ext>
+            </a:extLst>
+          </p:cNvPr>
+          <p:cNvSpPr>
+            <a:spLocks noGrp="1"/>
+          </p:cNvSpPr>
+          <p:nvPr>
+            <p:ph type="subTitle" idx="1"/>
+          </p:nvPr>
+        </p:nvSpPr>
+        <p:spPr>
+          <a:xfrm>
+            <a:off x="0" y="1921731"/>
+            <a:ext cx="12192000" cy="1663401"/>
+          </a:xfrm>
+        </p:spPr>
         <p:txBody>
           <a:bodyPr>
-            <a:normAutofit/>
+            <a:normAutofit lnSpcReduction="10000"/>
           </a:bodyPr>
           <a:lstStyle/>
           <a:p>
             <a:r>
-              <a:rPr lang="en-IN" sz="2400" b="0" i="0" dirty="0">
+              <a:rPr lang="en-IN" sz="2000" b="1" dirty="0"/>
+              <a:t>Presented by</a:t>
+            </a:r>
+          </a:p>
+          <a:p>
+            <a:r>
+              <a:rPr lang="en-IN" sz="2800" dirty="0">
                 <a:solidFill>
-                  <a:srgbClr val="333333"/>
+                  <a:schemeClr val="accent1">
+                    <a:lumMod val="75000"/>
+                  </a:schemeClr>
+                </a:solidFill>
+              </a:rPr>
+              <a:t>Pankaj Kumar (</a:t>
+            </a:r>
+            <a:r>
+              <a:rPr lang="en-IN" sz="2800">
+                <a:solidFill>
+                  <a:schemeClr val="accent1">
+                    <a:lumMod val="75000"/>
+                  </a:schemeClr>
+                </a:solidFill>
+              </a:rPr>
+              <a:t>22223055)</a:t>
+            </a:r>
+          </a:p>
+          <a:p>
+            <a:r>
+              <a:rPr lang="en-IN" sz="2800">
+                <a:solidFill>
+                  <a:schemeClr val="accent1">
+                    <a:lumMod val="75000"/>
+                  </a:schemeClr>
+                </a:solidFill>
+              </a:rPr>
+              <a:t>Manav Jain (22223045)</a:t>
+            </a:r>
+            <a:endParaRPr lang="en-IN" sz="2000" dirty="0"/>
+          </a:p>
+          <a:p>
+            <a:pPr algn="ctr"/>
+            <a:r>
+              <a:rPr lang="en-IN" sz="1800" dirty="0"/>
+              <a:t>MCA-V Semester</a:t>
+            </a:r>
+          </a:p>
+        </p:txBody>
+      </p:sp>
+      <p:sp>
+        <p:nvSpPr>
+          <p:cNvPr id="6" name="TextBox 5">
+            <a:extLst>
+              <a:ext uri="{FF2B5EF4-FFF2-40B4-BE49-F238E27FC236}">
+                <a16:creationId xmlns:a16="http://schemas.microsoft.com/office/drawing/2014/main" id="{F4AAFBED-CA4A-1083-82EC-CA05130FE93B}"/>
+              </a:ext>
+            </a:extLst>
+          </p:cNvPr>
+          <p:cNvSpPr txBox="1"/>
+          <p:nvPr/>
+        </p:nvSpPr>
+        <p:spPr>
+          <a:xfrm>
+            <a:off x="3579725" y="4104568"/>
+            <a:ext cx="5032549" cy="923330"/>
+          </a:xfrm>
+          <a:prstGeom prst="rect">
+            <a:avLst/>
+          </a:prstGeom>
+          <a:noFill/>
+        </p:spPr>
+        <p:txBody>
+          <a:bodyPr wrap="square" rtlCol="0">
+            <a:spAutoFit/>
+          </a:bodyPr>
+          <a:lstStyle/>
+          <a:p>
+            <a:pPr algn="ctr"/>
+            <a:r>
+              <a:rPr lang="en-IN" b="1" dirty="0" err="1"/>
+              <a:t>Dr.</a:t>
+            </a:r>
+            <a:r>
+              <a:rPr lang="en-IN" b="1" dirty="0"/>
+              <a:t> </a:t>
+            </a:r>
+            <a:r>
+              <a:rPr lang="en-IN" b="1" dirty="0" err="1"/>
+              <a:t>Dibakar</a:t>
+            </a:r>
+            <a:r>
+              <a:rPr lang="en-IN" b="1" dirty="0"/>
+              <a:t> </a:t>
+            </a:r>
+            <a:r>
+              <a:rPr lang="en-IN" b="1" dirty="0" err="1"/>
+              <a:t>Saha</a:t>
+            </a:r>
+            <a:endParaRPr lang="en-IN" b="1" dirty="0"/>
+          </a:p>
+          <a:p>
+            <a:pPr algn="ctr"/>
+            <a:r>
+              <a:rPr lang="en-IN" sz="1800" b="1" kern="1200" dirty="0">
+                <a:solidFill>
+                  <a:srgbClr val="365F91"/>
                 </a:solidFill>
                 <a:effectLst/>
+                <a:latin typeface="Calibri" panose="020F0502020204030204" pitchFamily="34" charset="0"/>
+                <a:ea typeface="Times New Roman" panose="02020603050405020304" pitchFamily="18" charset="0"/>
+                <a:cs typeface="Times New Roman" panose="02020603050405020304" pitchFamily="18" charset="0"/>
               </a:rPr>
-              <a:t>Content &lt;26 </a:t>
-            </a:r>
-            <a:r>
-              <a:rPr lang="en-IN" sz="2400" b="0" i="0" dirty="0" err="1">
-                <a:solidFill>
-                  <a:srgbClr val="333333"/>
-                </a:solidFill>
-                <a:effectLst/>
-              </a:rPr>
-              <a:t>pt</a:t>
-            </a:r>
-            <a:r>
-              <a:rPr lang="en-IN" sz="2400" b="0" i="0" dirty="0">
-                <a:solidFill>
-                  <a:srgbClr val="333333"/>
-                </a:solidFill>
-                <a:effectLst/>
-              </a:rPr>
-              <a:t>, font type: Calibri (Body)&gt;</a:t>
-            </a:r>
-            <a:endParaRPr lang="en-IN" sz="2400" dirty="0"/>
-          </a:p>
-        </p:txBody>
-      </p:sp>
-      <p:sp>
-        <p:nvSpPr>
-          <p:cNvPr id="6" name="Content Placeholder 5">
-            <a:extLst>
-              <a:ext uri="{FF2B5EF4-FFF2-40B4-BE49-F238E27FC236}">
-                <a16:creationId xmlns:a16="http://schemas.microsoft.com/office/drawing/2014/main" id="{99E40FB2-017A-5EF7-948F-22F7BE7F0967}"/>
-              </a:ext>
-            </a:extLst>
-          </p:cNvPr>
-          <p:cNvSpPr>
-            <a:spLocks noGrp="1"/>
-          </p:cNvSpPr>
-          <p:nvPr>
-            <p:ph sz="half" idx="2"/>
-          </p:nvPr>
-        </p:nvSpPr>
-        <p:spPr/>
-        <p:txBody>
-          <a:bodyPr/>
-          <a:lstStyle/>
-          <a:p>
-            <a:endParaRPr lang="en-IN"/>
+              <a:t>Supervisor</a:t>
+            </a:r>
+            <a:endParaRPr lang="en-IN" sz="1800" dirty="0">
+              <a:effectLst/>
+              <a:latin typeface="Times New Roman" panose="02020603050405020304" pitchFamily="18" charset="0"/>
+              <a:ea typeface="Times New Roman" panose="02020603050405020304" pitchFamily="18" charset="0"/>
+            </a:endParaRPr>
+          </a:p>
+          <a:p>
+            <a:pPr algn="ctr"/>
+            <a:endParaRPr lang="en-IN" b="1" dirty="0">
+              <a:solidFill>
+                <a:schemeClr val="accent1">
+                  <a:lumMod val="75000"/>
+                </a:schemeClr>
+              </a:solidFill>
+            </a:endParaRPr>
           </a:p>
         </p:txBody>
       </p:sp>
     </p:spTree>
     <p:extLst>
       <p:ext uri="{BB962C8B-B14F-4D97-AF65-F5344CB8AC3E}">
-        <p14:creationId xmlns:p14="http://schemas.microsoft.com/office/powerpoint/2010/main" val="2306956554"/>
+        <p14:creationId xmlns:p14="http://schemas.microsoft.com/office/powerpoint/2010/main" val="4141566434"/>
       </p:ext>
     </p:extLst>
   </p:cSld>
@@ -3708,24 +3612,9 @@
 </p:sld>
 </file>
 
-<file path=ppt/slides/slide3.xml><?xml version="1.0" encoding="utf-8"?>
+<file path=ppt/slides/slide10.xml><?xml version="1.0" encoding="utf-8"?>
 <p:sld xmlns:a="http://schemas.openxmlformats.org/drawingml/2006/main" xmlns:r="http://schemas.openxmlformats.org/officeDocument/2006/relationships" xmlns:p="http://schemas.openxmlformats.org/presentationml/2006/main">
   <p:cSld>
-    <p:bg>
-      <p:bgPr>
-        <a:blipFill dpi="0" rotWithShape="1">
-          <a:blip r:embed="rId2">
-            <a:alphaModFix amt="54000"/>
-            <a:lum/>
-          </a:blip>
-          <a:srcRect/>
-          <a:stretch>
-            <a:fillRect/>
-          </a:stretch>
-        </a:blipFill>
-        <a:effectLst/>
-      </p:bgPr>
-    </p:bg>
     <p:spTree>
       <p:nvGrpSpPr>
         <p:cNvPr id="1" name=""/>
@@ -3764,16 +3653,44 @@
           <a:lstStyle/>
           <a:p>
             <a:r>
-              <a:rPr lang="en-IN" sz="4000" b="1" dirty="0">
+              <a:rPr lang="en-US" sz="4000" b="1" dirty="0">
                 <a:solidFill>
-                  <a:prstClr val="black"/>
+                  <a:schemeClr val="accent1">
+                    <a:lumMod val="60000"/>
+                    <a:lumOff val="40000"/>
+                  </a:schemeClr>
                 </a:solidFill>
+                <a:effectLst>
+                  <a:outerShdw blurRad="38100" dist="38100" dir="2700000" algn="tl">
+                    <a:srgbClr val="000000">
+                      <a:alpha val="43137"/>
+                    </a:srgbClr>
+                  </a:outerShdw>
+                </a:effectLst>
+                <a:latin typeface="Arial Black" panose="020B0A04020102020204" pitchFamily="34" charset="0"/>
                 <a:ea typeface="+mn-ea"/>
                 <a:cs typeface="+mn-cs"/>
               </a:rPr>
-              <a:t>Sequence of slides to be followed</a:t>
-            </a:r>
-            <a:endParaRPr lang="en-IN" sz="4000" b="1" dirty="0"/>
+              <a:t>Algorithm</a:t>
+            </a:r>
+            <a:endParaRPr lang="en-IN" sz="4000" b="1" dirty="0">
+              <a:solidFill>
+                <a:schemeClr val="accent1">
+                  <a:lumMod val="60000"/>
+                  <a:lumOff val="40000"/>
+                </a:schemeClr>
+              </a:solidFill>
+              <a:effectLst>
+                <a:outerShdw blurRad="38100" dist="38100" dir="2700000" algn="tl">
+                  <a:srgbClr val="000000">
+                    <a:alpha val="43137"/>
+                  </a:srgbClr>
+                </a:outerShdw>
+              </a:effectLst>
+              <a:latin typeface="Arial Black" panose="020B0A04020102020204" pitchFamily="34" charset="0"/>
+              <a:ea typeface="+mn-ea"/>
+              <a:cs typeface="+mn-cs"/>
+            </a:endParaRPr>
           </a:p>
         </p:txBody>
       </p:sp>
@@ -3796,7 +3713,7 @@
         <p:spPr>
           <a:xfrm>
             <a:off x="681446" y="1838688"/>
-            <a:ext cx="11353800" cy="4351338"/>
+            <a:ext cx="6774431" cy="4351338"/>
           </a:xfrm>
         </p:spPr>
         <p:txBody>
@@ -3805,171 +3722,94 @@
           </a:bodyPr>
           <a:lstStyle/>
           <a:p>
-            <a:pPr marL="457200" indent="-457200">
-              <a:buFont typeface="+mj-lt"/>
-              <a:buAutoNum type="arabicPeriod"/>
-            </a:pPr>
-            <a:r>
-              <a:rPr lang="en-IN" sz="2400" dirty="0"/>
-              <a:t>Problem Statement or Problem Definition </a:t>
-            </a:r>
-            <a:r>
-              <a:rPr lang="en-IN" sz="2400" dirty="0">
-                <a:solidFill>
-                  <a:srgbClr val="C00000"/>
-                </a:solidFill>
-              </a:rPr>
-              <a:t>(One slide)</a:t>
-            </a:r>
-          </a:p>
-          <a:p>
-            <a:pPr marL="457200" indent="-457200">
-              <a:buFont typeface="+mj-lt"/>
-              <a:buAutoNum type="arabicPeriod"/>
-            </a:pPr>
-            <a:r>
-              <a:rPr lang="en-IN" sz="2400" dirty="0"/>
-              <a:t>Existing Model/ Literature survey </a:t>
-            </a:r>
-            <a:r>
-              <a:rPr lang="en-IN" sz="2400" dirty="0">
-                <a:solidFill>
-                  <a:srgbClr val="C00000"/>
-                </a:solidFill>
-              </a:rPr>
-              <a:t>(Maximum two slides)</a:t>
-            </a:r>
-          </a:p>
-          <a:p>
-            <a:pPr marL="457200" indent="-457200">
-              <a:buFont typeface="+mj-lt"/>
-              <a:buAutoNum type="arabicPeriod"/>
-            </a:pPr>
-            <a:r>
-              <a:rPr lang="en-IN" sz="2400" dirty="0"/>
-              <a:t>Motivation/ Application of the Problem </a:t>
-            </a:r>
-            <a:r>
-              <a:rPr lang="en-IN" sz="2400" dirty="0">
-                <a:solidFill>
-                  <a:srgbClr val="C00000"/>
-                </a:solidFill>
-              </a:rPr>
-              <a:t>(One slide)</a:t>
-            </a:r>
-          </a:p>
-          <a:p>
-            <a:pPr marL="457200" indent="-457200">
-              <a:buFont typeface="+mj-lt"/>
-              <a:buAutoNum type="arabicPeriod"/>
-            </a:pPr>
-            <a:r>
-              <a:rPr lang="en-IN" sz="2400" dirty="0"/>
-              <a:t>Contribution </a:t>
-            </a:r>
-            <a:r>
-              <a:rPr lang="en-IN" sz="2400" dirty="0">
-                <a:solidFill>
-                  <a:srgbClr val="C00000"/>
-                </a:solidFill>
-              </a:rPr>
-              <a:t>(One slide)</a:t>
-            </a:r>
-          </a:p>
-          <a:p>
-            <a:pPr marL="457200" indent="-457200">
-              <a:buFont typeface="+mj-lt"/>
-              <a:buAutoNum type="arabicPeriod"/>
-            </a:pPr>
-            <a:r>
-              <a:rPr lang="en-IN" sz="2400" dirty="0"/>
-              <a:t>Methodology/ Algorithm/ Design/ Architecture/ Workflow </a:t>
-            </a:r>
-            <a:r>
-              <a:rPr lang="en-IN" sz="2400" dirty="0">
-                <a:solidFill>
-                  <a:srgbClr val="C00000"/>
-                </a:solidFill>
-              </a:rPr>
-              <a:t>(Maximum ten slides)</a:t>
-            </a:r>
-          </a:p>
-          <a:p>
-            <a:pPr marL="457200" indent="-457200">
-              <a:buFont typeface="+mj-lt"/>
-              <a:buAutoNum type="arabicPeriod"/>
-            </a:pPr>
-            <a:r>
-              <a:rPr lang="en-IN" sz="2400" dirty="0"/>
-              <a:t>Results or Outcome/ Discussion </a:t>
-            </a:r>
-            <a:r>
-              <a:rPr lang="en-IN" sz="2400" dirty="0">
-                <a:solidFill>
-                  <a:srgbClr val="C00000"/>
-                </a:solidFill>
-              </a:rPr>
-              <a:t>(Five slides)</a:t>
-            </a:r>
-          </a:p>
-          <a:p>
-            <a:pPr marL="457200" indent="-457200">
-              <a:buFont typeface="+mj-lt"/>
-              <a:buAutoNum type="arabicPeriod"/>
-            </a:pPr>
-            <a:r>
-              <a:rPr lang="en-IN" sz="2400" dirty="0"/>
-              <a:t>Conclusion and Future Scope </a:t>
-            </a:r>
-            <a:r>
-              <a:rPr lang="en-IN" sz="2400" dirty="0">
-                <a:solidFill>
-                  <a:srgbClr val="C00000"/>
-                </a:solidFill>
-              </a:rPr>
-              <a:t>(One slide)</a:t>
-            </a:r>
-          </a:p>
-          <a:p>
-            <a:pPr marL="457200" indent="-457200">
-              <a:buFont typeface="+mj-lt"/>
-              <a:buAutoNum type="arabicPeriod"/>
-            </a:pPr>
-            <a:endParaRPr lang="en-IN" sz="2400" dirty="0">
+            <a:r>
+              <a:rPr lang="en-US" dirty="0"/>
+              <a:t> </a:t>
+            </a:r>
+            <a:r>
+              <a:rPr lang="en-US" sz="3300" dirty="0"/>
+              <a:t>Customer Data Operations:</a:t>
+            </a:r>
+          </a:p>
+          <a:p>
+            <a:pPr lvl="1"/>
+            <a:r>
+              <a:rPr lang="en-US" dirty="0"/>
+              <a:t>Used CRUD functions for adding, viewing, updating, and deleting customer profiles.</a:t>
+            </a:r>
+          </a:p>
+          <a:p>
+            <a:r>
+              <a:rPr lang="en-US" sz="3300" dirty="0"/>
+              <a:t>Subscription Tracking</a:t>
+            </a:r>
+          </a:p>
+          <a:p>
+            <a:r>
+              <a:rPr lang="en-US" sz="3300" dirty="0"/>
+              <a:t>Data Validation:</a:t>
+            </a:r>
+          </a:p>
+          <a:p>
+            <a:pPr lvl="1"/>
+            <a:r>
+              <a:rPr lang="en-US" dirty="0"/>
+              <a:t>Validates customer details (e.g., email format) to ensure accurate information is stored.</a:t>
+            </a:r>
+            <a:endParaRPr lang="en-IN" sz="1800" dirty="0">
               <a:solidFill>
                 <a:srgbClr val="C00000"/>
               </a:solidFill>
             </a:endParaRPr>
           </a:p>
-          <a:p>
-            <a:pPr marL="0" indent="0">
-              <a:buNone/>
-            </a:pPr>
-            <a:r>
-              <a:rPr lang="en-IN" sz="2400" dirty="0">
-                <a:solidFill>
-                  <a:srgbClr val="C00000"/>
-                </a:solidFill>
-              </a:rPr>
-              <a:t>** The number of presentation slides should be at least 20.</a:t>
-            </a:r>
-          </a:p>
-          <a:p>
-            <a:pPr marL="0" indent="0">
-              <a:buNone/>
-            </a:pPr>
-            <a:endParaRPr lang="en-IN" sz="2400" dirty="0">
-              <a:solidFill>
-                <a:srgbClr val="C00000"/>
-              </a:solidFill>
-            </a:endParaRPr>
-          </a:p>
-        </p:txBody>
-      </p:sp>
+        </p:txBody>
+      </p:sp>
+      <p:pic>
+        <p:nvPicPr>
+          <p:cNvPr id="5" name="Picture 4">
+            <a:extLst>
+              <a:ext uri="{FF2B5EF4-FFF2-40B4-BE49-F238E27FC236}">
+                <a16:creationId xmlns:a16="http://schemas.microsoft.com/office/drawing/2014/main" id="{5F241B18-8EC4-4F3E-8D03-93B5C889465B}"/>
+              </a:ext>
+            </a:extLst>
+          </p:cNvPr>
+          <p:cNvPicPr>
+            <a:picLocks noChangeAspect="1"/>
+          </p:cNvPicPr>
+          <p:nvPr/>
+        </p:nvPicPr>
+        <p:blipFill>
+          <a:blip r:embed="rId2">
+            <a:extLst>
+              <a:ext uri="{28A0092B-C50C-407E-A947-70E740481C1C}">
+                <a14:useLocalDpi xmlns:a14="http://schemas.microsoft.com/office/drawing/2010/main" val="0"/>
+              </a:ext>
+            </a:extLst>
+          </a:blip>
+          <a:stretch>
+            <a:fillRect/>
+          </a:stretch>
+        </p:blipFill>
+        <p:spPr>
+          <a:xfrm>
+            <a:off x="6607511" y="1690688"/>
+            <a:ext cx="5584489" cy="3141275"/>
+          </a:xfrm>
+          <a:prstGeom prst="rect">
+            <a:avLst/>
+          </a:prstGeom>
+          <a:ln>
+            <a:noFill/>
+          </a:ln>
+          <a:effectLst>
+            <a:softEdge rad="112500"/>
+          </a:effectLst>
+        </p:spPr>
+      </p:pic>
     </p:spTree>
     <p:extLst>
       <p:ext uri="{BB962C8B-B14F-4D97-AF65-F5344CB8AC3E}">
-        <p14:creationId xmlns:p14="http://schemas.microsoft.com/office/powerpoint/2010/main" val="1022179612"/>
+        <p14:creationId xmlns:p14="http://schemas.microsoft.com/office/powerpoint/2010/main" val="4227893298"/>
       </p:ext>
     </p:extLst>
   </p:cSld>
@@ -3979,24 +3819,9 @@
 </p:sld>
 </file>
 
-<file path=ppt/slides/slide4.xml><?xml version="1.0" encoding="utf-8"?>
+<file path=ppt/slides/slide11.xml><?xml version="1.0" encoding="utf-8"?>
 <p:sld xmlns:a="http://schemas.openxmlformats.org/drawingml/2006/main" xmlns:r="http://schemas.openxmlformats.org/officeDocument/2006/relationships" xmlns:p="http://schemas.openxmlformats.org/presentationml/2006/main">
   <p:cSld>
-    <p:bg>
-      <p:bgPr>
-        <a:blipFill dpi="0" rotWithShape="1">
-          <a:blip r:embed="rId2">
-            <a:alphaModFix amt="54000"/>
-            <a:lum/>
-          </a:blip>
-          <a:srcRect/>
-          <a:stretch>
-            <a:fillRect/>
-          </a:stretch>
-        </a:blipFill>
-        <a:effectLst/>
-      </p:bgPr>
-    </p:bg>
     <p:spTree>
       <p:nvGrpSpPr>
         <p:cNvPr id="1" name=""/>
@@ -4011,6 +3836,3893 @@
           <a:chExt cx="0" cy="0"/>
         </a:xfrm>
       </p:grpSpPr>
+      <p:pic>
+        <p:nvPicPr>
+          <p:cNvPr id="9" name="Picture 8">
+            <a:extLst>
+              <a:ext uri="{FF2B5EF4-FFF2-40B4-BE49-F238E27FC236}">
+                <a16:creationId xmlns:a16="http://schemas.microsoft.com/office/drawing/2014/main" id="{EB7C9606-5F83-4924-925B-3800F0C1E7EA}"/>
+              </a:ext>
+            </a:extLst>
+          </p:cNvPr>
+          <p:cNvPicPr>
+            <a:picLocks noChangeAspect="1"/>
+          </p:cNvPicPr>
+          <p:nvPr/>
+        </p:nvPicPr>
+        <p:blipFill>
+          <a:blip r:embed="rId2">
+            <a:extLst>
+              <a:ext uri="{BEBA8EAE-BF5A-486C-A8C5-ECC9F3942E4B}">
+                <a14:imgProps xmlns:a14="http://schemas.microsoft.com/office/drawing/2010/main">
+                  <a14:imgLayer r:embed="rId3">
+                    <a14:imgEffect>
+                      <a14:colorTemperature colorTemp="2750"/>
+                    </a14:imgEffect>
+                    <a14:imgEffect>
+                      <a14:saturation sat="142000"/>
+                    </a14:imgEffect>
+                  </a14:imgLayer>
+                </a14:imgProps>
+              </a:ext>
+              <a:ext uri="{28A0092B-C50C-407E-A947-70E740481C1C}">
+                <a14:useLocalDpi xmlns:a14="http://schemas.microsoft.com/office/drawing/2010/main" val="0"/>
+              </a:ext>
+            </a:extLst>
+          </a:blip>
+          <a:stretch>
+            <a:fillRect/>
+          </a:stretch>
+        </p:blipFill>
+        <p:spPr>
+          <a:xfrm>
+            <a:off x="7230794" y="2022078"/>
+            <a:ext cx="4961206" cy="2732802"/>
+          </a:xfrm>
+          <a:prstGeom prst="rect">
+            <a:avLst/>
+          </a:prstGeom>
+          <a:effectLst>
+            <a:glow>
+              <a:schemeClr val="tx2">
+                <a:lumMod val="60000"/>
+                <a:lumOff val="40000"/>
+              </a:schemeClr>
+            </a:glow>
+          </a:effectLst>
+        </p:spPr>
+      </p:pic>
+      <p:sp>
+        <p:nvSpPr>
+          <p:cNvPr id="2" name="Title 1">
+            <a:extLst>
+              <a:ext uri="{FF2B5EF4-FFF2-40B4-BE49-F238E27FC236}">
+                <a16:creationId xmlns:a16="http://schemas.microsoft.com/office/drawing/2014/main" id="{A590A318-7262-1601-7CB8-7DF85E6D77DC}"/>
+              </a:ext>
+            </a:extLst>
+          </p:cNvPr>
+          <p:cNvSpPr>
+            <a:spLocks noGrp="1"/>
+          </p:cNvSpPr>
+          <p:nvPr>
+            <p:ph type="title"/>
+          </p:nvPr>
+        </p:nvSpPr>
+        <p:spPr/>
+        <p:txBody>
+          <a:bodyPr>
+            <a:normAutofit/>
+          </a:bodyPr>
+          <a:lstStyle/>
+          <a:p>
+            <a:r>
+              <a:rPr lang="en-US" sz="4000" b="1" dirty="0">
+                <a:solidFill>
+                  <a:schemeClr val="accent1">
+                    <a:lumMod val="60000"/>
+                    <a:lumOff val="40000"/>
+                  </a:schemeClr>
+                </a:solidFill>
+                <a:effectLst>
+                  <a:outerShdw blurRad="38100" dist="38100" dir="2700000" algn="tl">
+                    <a:srgbClr val="000000">
+                      <a:alpha val="43137"/>
+                    </a:srgbClr>
+                  </a:outerShdw>
+                </a:effectLst>
+                <a:latin typeface="Arial Black" panose="020B0A04020102020204" pitchFamily="34" charset="0"/>
+                <a:ea typeface="+mn-ea"/>
+                <a:cs typeface="+mn-cs"/>
+              </a:rPr>
+              <a:t>Algorithm</a:t>
+            </a:r>
+            <a:endParaRPr lang="en-IN" sz="4000" b="1" dirty="0">
+              <a:solidFill>
+                <a:schemeClr val="accent1">
+                  <a:lumMod val="60000"/>
+                  <a:lumOff val="40000"/>
+                </a:schemeClr>
+              </a:solidFill>
+              <a:effectLst>
+                <a:outerShdw blurRad="38100" dist="38100" dir="2700000" algn="tl">
+                  <a:srgbClr val="000000">
+                    <a:alpha val="43137"/>
+                  </a:srgbClr>
+                </a:outerShdw>
+              </a:effectLst>
+              <a:latin typeface="Arial Black" panose="020B0A04020102020204" pitchFamily="34" charset="0"/>
+              <a:ea typeface="+mn-ea"/>
+              <a:cs typeface="+mn-cs"/>
+            </a:endParaRPr>
+          </a:p>
+        </p:txBody>
+      </p:sp>
+      <p:sp>
+        <p:nvSpPr>
+          <p:cNvPr id="3" name="Content Placeholder 2">
+            <a:extLst>
+              <a:ext uri="{FF2B5EF4-FFF2-40B4-BE49-F238E27FC236}">
+                <a16:creationId xmlns:a16="http://schemas.microsoft.com/office/drawing/2014/main" id="{90AA5080-CE76-D1DF-858C-E3EB05B9A34E}"/>
+              </a:ext>
+            </a:extLst>
+          </p:cNvPr>
+          <p:cNvSpPr>
+            <a:spLocks noGrp="1"/>
+          </p:cNvSpPr>
+          <p:nvPr>
+            <p:ph idx="1"/>
+          </p:nvPr>
+        </p:nvSpPr>
+        <p:spPr>
+          <a:xfrm>
+            <a:off x="386026" y="1690688"/>
+            <a:ext cx="7899846" cy="4499338"/>
+          </a:xfrm>
+        </p:spPr>
+        <p:txBody>
+          <a:bodyPr>
+            <a:noAutofit/>
+          </a:bodyPr>
+          <a:lstStyle/>
+          <a:p>
+            <a:r>
+              <a:rPr lang="en-US" sz="2400" dirty="0"/>
+              <a:t> </a:t>
+            </a:r>
+            <a:r>
+              <a:rPr lang="en-US" sz="3200" dirty="0"/>
+              <a:t>Real-Time Message Queue:</a:t>
+            </a:r>
+          </a:p>
+          <a:p>
+            <a:pPr lvl="1"/>
+            <a:r>
+              <a:rPr lang="en-US" dirty="0"/>
+              <a:t>Stores and organizes each message for timely delivery and reliable record-keeping</a:t>
+            </a:r>
+            <a:r>
+              <a:rPr lang="en-US" sz="2800" dirty="0"/>
+              <a:t>.</a:t>
+            </a:r>
+          </a:p>
+          <a:p>
+            <a:r>
+              <a:rPr lang="en-US" sz="3200" dirty="0"/>
+              <a:t>Socket Communication:</a:t>
+            </a:r>
+          </a:p>
+          <a:p>
+            <a:pPr lvl="1"/>
+            <a:r>
+              <a:rPr lang="en-US" dirty="0"/>
+              <a:t>Socket.io establishes a live connection for instant messaging between admins and customers.</a:t>
+            </a:r>
+          </a:p>
+        </p:txBody>
+      </p:sp>
+    </p:spTree>
+    <p:extLst>
+      <p:ext uri="{BB962C8B-B14F-4D97-AF65-F5344CB8AC3E}">
+        <p14:creationId xmlns:p14="http://schemas.microsoft.com/office/powerpoint/2010/main" val="1863436618"/>
+      </p:ext>
+    </p:extLst>
+  </p:cSld>
+  <p:clrMapOvr>
+    <a:masterClrMapping/>
+  </p:clrMapOvr>
+</p:sld>
+</file>
+
+<file path=ppt/slides/slide12.xml><?xml version="1.0" encoding="utf-8"?>
+<p:sld xmlns:a="http://schemas.openxmlformats.org/drawingml/2006/main" xmlns:r="http://schemas.openxmlformats.org/officeDocument/2006/relationships" xmlns:p="http://schemas.openxmlformats.org/presentationml/2006/main">
+  <p:cSld>
+    <p:spTree>
+      <p:nvGrpSpPr>
+        <p:cNvPr id="1" name=""/>
+        <p:cNvGrpSpPr/>
+        <p:nvPr/>
+      </p:nvGrpSpPr>
+      <p:grpSpPr>
+        <a:xfrm>
+          <a:off x="0" y="0"/>
+          <a:ext cx="0" cy="0"/>
+          <a:chOff x="0" y="0"/>
+          <a:chExt cx="0" cy="0"/>
+        </a:xfrm>
+      </p:grpSpPr>
+      <p:sp>
+        <p:nvSpPr>
+          <p:cNvPr id="2" name="Title 1">
+            <a:extLst>
+              <a:ext uri="{FF2B5EF4-FFF2-40B4-BE49-F238E27FC236}">
+                <a16:creationId xmlns:a16="http://schemas.microsoft.com/office/drawing/2014/main" id="{A590A318-7262-1601-7CB8-7DF85E6D77DC}"/>
+              </a:ext>
+            </a:extLst>
+          </p:cNvPr>
+          <p:cNvSpPr>
+            <a:spLocks noGrp="1"/>
+          </p:cNvSpPr>
+          <p:nvPr>
+            <p:ph type="title"/>
+          </p:nvPr>
+        </p:nvSpPr>
+        <p:spPr>
+          <a:xfrm>
+            <a:off x="838200" y="351678"/>
+            <a:ext cx="10515600" cy="1325563"/>
+          </a:xfrm>
+        </p:spPr>
+        <p:txBody>
+          <a:bodyPr>
+            <a:normAutofit/>
+          </a:bodyPr>
+          <a:lstStyle/>
+          <a:p>
+            <a:r>
+              <a:rPr lang="en-US" sz="4000" b="1" dirty="0">
+                <a:solidFill>
+                  <a:schemeClr val="accent1">
+                    <a:lumMod val="60000"/>
+                    <a:lumOff val="40000"/>
+                  </a:schemeClr>
+                </a:solidFill>
+                <a:effectLst>
+                  <a:outerShdw blurRad="38100" dist="38100" dir="2700000" algn="tl">
+                    <a:srgbClr val="000000">
+                      <a:alpha val="43137"/>
+                    </a:srgbClr>
+                  </a:outerShdw>
+                </a:effectLst>
+                <a:latin typeface="Arial Black" panose="020B0A04020102020204" pitchFamily="34" charset="0"/>
+                <a:ea typeface="+mn-ea"/>
+                <a:cs typeface="+mn-cs"/>
+              </a:rPr>
+              <a:t>Design</a:t>
+            </a:r>
+            <a:endParaRPr lang="en-IN" sz="4000" b="1" dirty="0">
+              <a:solidFill>
+                <a:schemeClr val="accent1">
+                  <a:lumMod val="60000"/>
+                  <a:lumOff val="40000"/>
+                </a:schemeClr>
+              </a:solidFill>
+              <a:effectLst>
+                <a:outerShdw blurRad="38100" dist="38100" dir="2700000" algn="tl">
+                  <a:srgbClr val="000000">
+                    <a:alpha val="43137"/>
+                  </a:srgbClr>
+                </a:outerShdw>
+              </a:effectLst>
+              <a:latin typeface="Arial Black" panose="020B0A04020102020204" pitchFamily="34" charset="0"/>
+              <a:ea typeface="+mn-ea"/>
+              <a:cs typeface="+mn-cs"/>
+            </a:endParaRPr>
+          </a:p>
+        </p:txBody>
+      </p:sp>
+      <p:sp>
+        <p:nvSpPr>
+          <p:cNvPr id="3" name="Content Placeholder 2">
+            <a:extLst>
+              <a:ext uri="{FF2B5EF4-FFF2-40B4-BE49-F238E27FC236}">
+                <a16:creationId xmlns:a16="http://schemas.microsoft.com/office/drawing/2014/main" id="{90AA5080-CE76-D1DF-858C-E3EB05B9A34E}"/>
+              </a:ext>
+            </a:extLst>
+          </p:cNvPr>
+          <p:cNvSpPr>
+            <a:spLocks noGrp="1"/>
+          </p:cNvSpPr>
+          <p:nvPr>
+            <p:ph idx="1"/>
+          </p:nvPr>
+        </p:nvSpPr>
+        <p:spPr>
+          <a:xfrm>
+            <a:off x="681446" y="1838688"/>
+            <a:ext cx="6687542" cy="4351338"/>
+          </a:xfrm>
+        </p:spPr>
+        <p:txBody>
+          <a:bodyPr>
+            <a:noAutofit/>
+          </a:bodyPr>
+          <a:lstStyle/>
+          <a:p>
+            <a:r>
+              <a:rPr lang="en-US" dirty="0"/>
+              <a:t>Used React to provide a responsive and modern interface.</a:t>
+            </a:r>
+          </a:p>
+          <a:p>
+            <a:r>
+              <a:rPr lang="en-US" dirty="0"/>
+              <a:t>Simple navigation for quick access to customer data and services.</a:t>
+            </a:r>
+          </a:p>
+          <a:p>
+            <a:r>
+              <a:rPr lang="en-US" dirty="0"/>
+              <a:t>Used Tailwind CSS for a clean, professional look, colors, and animations.</a:t>
+            </a:r>
+          </a:p>
+        </p:txBody>
+      </p:sp>
+    </p:spTree>
+    <p:extLst>
+      <p:ext uri="{BB962C8B-B14F-4D97-AF65-F5344CB8AC3E}">
+        <p14:creationId xmlns:p14="http://schemas.microsoft.com/office/powerpoint/2010/main" val="7105858"/>
+      </p:ext>
+    </p:extLst>
+  </p:cSld>
+  <p:clrMapOvr>
+    <a:masterClrMapping/>
+  </p:clrMapOvr>
+</p:sld>
+</file>
+
+<file path=ppt/slides/slide13.xml><?xml version="1.0" encoding="utf-8"?>
+<p:sld xmlns:a="http://schemas.openxmlformats.org/drawingml/2006/main" xmlns:r="http://schemas.openxmlformats.org/officeDocument/2006/relationships" xmlns:p="http://schemas.openxmlformats.org/presentationml/2006/main">
+  <p:cSld>
+    <p:spTree>
+      <p:nvGrpSpPr>
+        <p:cNvPr id="1" name=""/>
+        <p:cNvGrpSpPr/>
+        <p:nvPr/>
+      </p:nvGrpSpPr>
+      <p:grpSpPr>
+        <a:xfrm>
+          <a:off x="0" y="0"/>
+          <a:ext cx="0" cy="0"/>
+          <a:chOff x="0" y="0"/>
+          <a:chExt cx="0" cy="0"/>
+        </a:xfrm>
+      </p:grpSpPr>
+      <p:sp>
+        <p:nvSpPr>
+          <p:cNvPr id="2" name="Title 1">
+            <a:extLst>
+              <a:ext uri="{FF2B5EF4-FFF2-40B4-BE49-F238E27FC236}">
+                <a16:creationId xmlns:a16="http://schemas.microsoft.com/office/drawing/2014/main" id="{A590A318-7262-1601-7CB8-7DF85E6D77DC}"/>
+              </a:ext>
+            </a:extLst>
+          </p:cNvPr>
+          <p:cNvSpPr>
+            <a:spLocks noGrp="1"/>
+          </p:cNvSpPr>
+          <p:nvPr>
+            <p:ph type="title"/>
+          </p:nvPr>
+        </p:nvSpPr>
+        <p:spPr/>
+        <p:txBody>
+          <a:bodyPr>
+            <a:normAutofit/>
+          </a:bodyPr>
+          <a:lstStyle/>
+          <a:p>
+            <a:r>
+              <a:rPr lang="en-US" sz="4000" b="1" dirty="0">
+                <a:solidFill>
+                  <a:schemeClr val="accent1">
+                    <a:lumMod val="60000"/>
+                    <a:lumOff val="40000"/>
+                  </a:schemeClr>
+                </a:solidFill>
+                <a:latin typeface="Arial Black" panose="020B0A04020102020204" pitchFamily="34" charset="0"/>
+                <a:ea typeface="+mn-ea"/>
+                <a:cs typeface="+mn-cs"/>
+              </a:rPr>
+              <a:t>P</a:t>
+            </a:r>
+            <a:r>
+              <a:rPr lang="en-IN" sz="4000" b="1">
+                <a:solidFill>
+                  <a:schemeClr val="accent1">
+                    <a:lumMod val="60000"/>
+                    <a:lumOff val="40000"/>
+                  </a:schemeClr>
+                </a:solidFill>
+                <a:effectLst>
+                  <a:outerShdw blurRad="38100" dist="38100" dir="2700000" algn="tl">
+                    <a:srgbClr val="000000">
+                      <a:alpha val="43137"/>
+                    </a:srgbClr>
+                  </a:outerShdw>
+                </a:effectLst>
+                <a:latin typeface="Arial Black" panose="020B0A04020102020204" pitchFamily="34" charset="0"/>
+                <a:ea typeface="+mn-ea"/>
+                <a:cs typeface="+mn-cs"/>
+              </a:rPr>
+              <a:t>roposed</a:t>
+            </a:r>
+            <a:r>
+              <a:rPr lang="en-IN" sz="4000" b="1">
+                <a:solidFill>
+                  <a:prstClr val="black"/>
+                </a:solidFill>
+                <a:ea typeface="+mn-ea"/>
+                <a:cs typeface="+mn-cs"/>
+              </a:rPr>
+              <a:t> </a:t>
+            </a:r>
+            <a:r>
+              <a:rPr lang="en-IN" sz="4000" b="1">
+                <a:solidFill>
+                  <a:schemeClr val="accent1">
+                    <a:lumMod val="60000"/>
+                    <a:lumOff val="40000"/>
+                  </a:schemeClr>
+                </a:solidFill>
+                <a:effectLst>
+                  <a:outerShdw blurRad="38100" dist="38100" dir="2700000" algn="tl">
+                    <a:srgbClr val="000000">
+                      <a:alpha val="43137"/>
+                    </a:srgbClr>
+                  </a:outerShdw>
+                </a:effectLst>
+                <a:latin typeface="Arial Black" panose="020B0A04020102020204" pitchFamily="34" charset="0"/>
+                <a:ea typeface="+mn-ea"/>
+                <a:cs typeface="+mn-cs"/>
+              </a:rPr>
+              <a:t>Model</a:t>
+            </a:r>
+            <a:endParaRPr lang="en-IN" sz="4000" b="1" dirty="0">
+              <a:solidFill>
+                <a:schemeClr val="accent1">
+                  <a:lumMod val="60000"/>
+                  <a:lumOff val="40000"/>
+                </a:schemeClr>
+              </a:solidFill>
+              <a:effectLst>
+                <a:outerShdw blurRad="38100" dist="38100" dir="2700000" algn="tl">
+                  <a:srgbClr val="000000">
+                    <a:alpha val="43137"/>
+                  </a:srgbClr>
+                </a:outerShdw>
+              </a:effectLst>
+              <a:latin typeface="Arial Black" panose="020B0A04020102020204" pitchFamily="34" charset="0"/>
+              <a:ea typeface="+mn-ea"/>
+              <a:cs typeface="+mn-cs"/>
+            </a:endParaRPr>
+          </a:p>
+        </p:txBody>
+      </p:sp>
+      <p:sp>
+        <p:nvSpPr>
+          <p:cNvPr id="3" name="Content Placeholder 2">
+            <a:extLst>
+              <a:ext uri="{FF2B5EF4-FFF2-40B4-BE49-F238E27FC236}">
+                <a16:creationId xmlns:a16="http://schemas.microsoft.com/office/drawing/2014/main" id="{90AA5080-CE76-D1DF-858C-E3EB05B9A34E}"/>
+              </a:ext>
+            </a:extLst>
+          </p:cNvPr>
+          <p:cNvSpPr>
+            <a:spLocks noGrp="1"/>
+          </p:cNvSpPr>
+          <p:nvPr>
+            <p:ph idx="1"/>
+          </p:nvPr>
+        </p:nvSpPr>
+        <p:spPr>
+          <a:xfrm>
+            <a:off x="681446" y="1838688"/>
+            <a:ext cx="6795119" cy="4351338"/>
+          </a:xfrm>
+        </p:spPr>
+        <p:txBody>
+          <a:bodyPr>
+            <a:normAutofit fontScale="85000" lnSpcReduction="20000"/>
+          </a:bodyPr>
+          <a:lstStyle/>
+          <a:p>
+            <a:r>
+              <a:rPr lang="en-US" dirty="0"/>
+              <a:t> </a:t>
+            </a:r>
+            <a:r>
+              <a:rPr lang="en-US" sz="3300" dirty="0"/>
+              <a:t>Admin Panel</a:t>
+            </a:r>
+          </a:p>
+          <a:p>
+            <a:pPr lvl="1"/>
+            <a:r>
+              <a:rPr lang="en-IN" sz="2800" dirty="0"/>
+              <a:t>Dashboard (customer data, subscription and analytics).</a:t>
+            </a:r>
+          </a:p>
+          <a:p>
+            <a:pPr lvl="1"/>
+            <a:r>
+              <a:rPr lang="en-US" sz="2800" dirty="0"/>
+              <a:t>Tools for product management, customer support, and communication.</a:t>
+            </a:r>
+          </a:p>
+          <a:p>
+            <a:pPr lvl="1"/>
+            <a:r>
+              <a:rPr lang="en-IN" sz="2800" dirty="0"/>
+              <a:t>Broadcast and Individual chats.</a:t>
+            </a:r>
+          </a:p>
+          <a:p>
+            <a:r>
+              <a:rPr lang="en-US" sz="3300" dirty="0"/>
+              <a:t>User Panel</a:t>
+            </a:r>
+          </a:p>
+          <a:p>
+            <a:pPr lvl="1"/>
+            <a:r>
+              <a:rPr lang="en-US" sz="2800" dirty="0"/>
+              <a:t>Interface for customers to manage subscriptions and interact with admin via inbuilt chat.</a:t>
+            </a:r>
+          </a:p>
+          <a:p>
+            <a:r>
+              <a:rPr lang="en-US" sz="3200" dirty="0"/>
+              <a:t>Messaging Interface: </a:t>
+            </a:r>
+          </a:p>
+          <a:p>
+            <a:pPr lvl="1"/>
+            <a:r>
+              <a:rPr lang="en-US" sz="2800" dirty="0"/>
+              <a:t>Real-time chat window integrated into the dashboard for easy communication.</a:t>
+            </a:r>
+            <a:endParaRPr lang="en-IN" sz="2800" dirty="0"/>
+          </a:p>
+          <a:p>
+            <a:pPr marL="0" indent="0">
+              <a:buNone/>
+            </a:pPr>
+            <a:endParaRPr lang="en-IN" dirty="0">
+              <a:solidFill>
+                <a:srgbClr val="C00000"/>
+              </a:solidFill>
+            </a:endParaRPr>
+          </a:p>
+        </p:txBody>
+      </p:sp>
+      <p:grpSp>
+        <p:nvGrpSpPr>
+          <p:cNvPr id="4" name="Group 3">
+            <a:extLst>
+              <a:ext uri="{FF2B5EF4-FFF2-40B4-BE49-F238E27FC236}">
+                <a16:creationId xmlns:a16="http://schemas.microsoft.com/office/drawing/2014/main" id="{69BF444A-9772-4412-8081-5B13A32C590D}"/>
+              </a:ext>
+            </a:extLst>
+          </p:cNvPr>
+          <p:cNvGrpSpPr/>
+          <p:nvPr/>
+        </p:nvGrpSpPr>
+        <p:grpSpPr>
+          <a:xfrm>
+            <a:off x="8539089" y="3938954"/>
+            <a:ext cx="3267681" cy="2134095"/>
+            <a:chOff x="9056527" y="3263442"/>
+            <a:chExt cx="2904693" cy="1881829"/>
+          </a:xfrm>
+        </p:grpSpPr>
+        <p:pic>
+          <p:nvPicPr>
+            <p:cNvPr id="5" name="Picture 4">
+              <a:extLst>
+                <a:ext uri="{FF2B5EF4-FFF2-40B4-BE49-F238E27FC236}">
+                  <a16:creationId xmlns:a16="http://schemas.microsoft.com/office/drawing/2014/main" id="{68DDA452-0C41-4BAA-914A-54ACCFF0352A}"/>
+                </a:ext>
+              </a:extLst>
+            </p:cNvPr>
+            <p:cNvPicPr>
+              <a:picLocks noChangeAspect="1"/>
+            </p:cNvPicPr>
+            <p:nvPr/>
+          </p:nvPicPr>
+          <p:blipFill>
+            <a:blip r:embed="rId2">
+              <a:extLst>
+                <a:ext uri="{28A0092B-C50C-407E-A947-70E740481C1C}">
+                  <a14:useLocalDpi xmlns:a14="http://schemas.microsoft.com/office/drawing/2010/main" val="0"/>
+                </a:ext>
+              </a:extLst>
+            </a:blip>
+            <a:stretch>
+              <a:fillRect/>
+            </a:stretch>
+          </p:blipFill>
+          <p:spPr>
+            <a:xfrm>
+              <a:off x="9056527" y="3263442"/>
+              <a:ext cx="2904693" cy="1527194"/>
+            </a:xfrm>
+            <a:prstGeom prst="rect">
+              <a:avLst/>
+            </a:prstGeom>
+            <a:ln>
+              <a:noFill/>
+            </a:ln>
+            <a:effectLst>
+              <a:outerShdw blurRad="190500" algn="tl" rotWithShape="0">
+                <a:srgbClr val="000000">
+                  <a:alpha val="70000"/>
+                </a:srgbClr>
+              </a:outerShdw>
+            </a:effectLst>
+          </p:spPr>
+        </p:pic>
+        <p:sp>
+          <p:nvSpPr>
+            <p:cNvPr id="6" name="TextBox 5">
+              <a:extLst>
+                <a:ext uri="{FF2B5EF4-FFF2-40B4-BE49-F238E27FC236}">
+                  <a16:creationId xmlns:a16="http://schemas.microsoft.com/office/drawing/2014/main" id="{0EB434AF-48A4-43DF-92DE-AA14E68BA4CA}"/>
+                </a:ext>
+              </a:extLst>
+            </p:cNvPr>
+            <p:cNvSpPr txBox="1"/>
+            <p:nvPr/>
+          </p:nvSpPr>
+          <p:spPr>
+            <a:xfrm>
+              <a:off x="9204573" y="4775939"/>
+              <a:ext cx="2756647" cy="369332"/>
+            </a:xfrm>
+            <a:prstGeom prst="rect">
+              <a:avLst/>
+            </a:prstGeom>
+            <a:noFill/>
+          </p:spPr>
+          <p:txBody>
+            <a:bodyPr wrap="square" rtlCol="0">
+              <a:spAutoFit/>
+            </a:bodyPr>
+            <a:lstStyle/>
+            <a:p>
+              <a:pPr algn="ctr"/>
+              <a:r>
+                <a:rPr lang="en-US" dirty="0">
+                  <a:effectLst>
+                    <a:outerShdw blurRad="38100" dist="38100" dir="2700000" algn="tl">
+                      <a:srgbClr val="000000">
+                        <a:alpha val="43137"/>
+                      </a:srgbClr>
+                    </a:outerShdw>
+                  </a:effectLst>
+                </a:rPr>
+                <a:t>Massaging Service</a:t>
+              </a:r>
+              <a:endParaRPr lang="en-IN" dirty="0">
+                <a:effectLst>
+                  <a:outerShdw blurRad="38100" dist="38100" dir="2700000" algn="tl">
+                    <a:srgbClr val="000000">
+                      <a:alpha val="43137"/>
+                    </a:srgbClr>
+                  </a:outerShdw>
+                </a:effectLst>
+              </a:endParaRPr>
+            </a:p>
+          </p:txBody>
+        </p:sp>
+      </p:grpSp>
+      <p:grpSp>
+        <p:nvGrpSpPr>
+          <p:cNvPr id="7" name="Group 6">
+            <a:extLst>
+              <a:ext uri="{FF2B5EF4-FFF2-40B4-BE49-F238E27FC236}">
+                <a16:creationId xmlns:a16="http://schemas.microsoft.com/office/drawing/2014/main" id="{F0CC2B92-02EF-4D6E-A0C0-277F867C9980}"/>
+              </a:ext>
+            </a:extLst>
+          </p:cNvPr>
+          <p:cNvGrpSpPr/>
+          <p:nvPr/>
+        </p:nvGrpSpPr>
+        <p:grpSpPr>
+          <a:xfrm>
+            <a:off x="8539089" y="1187126"/>
+            <a:ext cx="3193657" cy="2263725"/>
+            <a:chOff x="9056529" y="1076389"/>
+            <a:chExt cx="2904693" cy="1976025"/>
+          </a:xfrm>
+        </p:grpSpPr>
+        <p:pic>
+          <p:nvPicPr>
+            <p:cNvPr id="8" name="Content Placeholder 6">
+              <a:extLst>
+                <a:ext uri="{FF2B5EF4-FFF2-40B4-BE49-F238E27FC236}">
+                  <a16:creationId xmlns:a16="http://schemas.microsoft.com/office/drawing/2014/main" id="{6B4B7609-F28F-4A8E-93D5-9F116D8015CE}"/>
+                </a:ext>
+              </a:extLst>
+            </p:cNvPr>
+            <p:cNvPicPr>
+              <a:picLocks noChangeAspect="1"/>
+            </p:cNvPicPr>
+            <p:nvPr/>
+          </p:nvPicPr>
+          <p:blipFill>
+            <a:blip r:embed="rId3">
+              <a:extLst>
+                <a:ext uri="{28A0092B-C50C-407E-A947-70E740481C1C}">
+                  <a14:useLocalDpi xmlns:a14="http://schemas.microsoft.com/office/drawing/2010/main" val="0"/>
+                </a:ext>
+              </a:extLst>
+            </a:blip>
+            <a:stretch>
+              <a:fillRect/>
+            </a:stretch>
+          </p:blipFill>
+          <p:spPr>
+            <a:xfrm>
+              <a:off x="9056529" y="1076389"/>
+              <a:ext cx="2904693" cy="1606693"/>
+            </a:xfrm>
+            <a:prstGeom prst="rect">
+              <a:avLst/>
+            </a:prstGeom>
+            <a:ln>
+              <a:noFill/>
+            </a:ln>
+            <a:effectLst>
+              <a:outerShdw blurRad="190500" algn="tl" rotWithShape="0">
+                <a:srgbClr val="000000">
+                  <a:alpha val="70000"/>
+                </a:srgbClr>
+              </a:outerShdw>
+            </a:effectLst>
+          </p:spPr>
+        </p:pic>
+        <p:sp>
+          <p:nvSpPr>
+            <p:cNvPr id="9" name="TextBox 8">
+              <a:extLst>
+                <a:ext uri="{FF2B5EF4-FFF2-40B4-BE49-F238E27FC236}">
+                  <a16:creationId xmlns:a16="http://schemas.microsoft.com/office/drawing/2014/main" id="{6A290805-8AB8-423F-A725-1F18A0C0D105}"/>
+                </a:ext>
+              </a:extLst>
+            </p:cNvPr>
+            <p:cNvSpPr txBox="1"/>
+            <p:nvPr/>
+          </p:nvSpPr>
+          <p:spPr>
+            <a:xfrm>
+              <a:off x="9271812" y="2683082"/>
+              <a:ext cx="2622176" cy="369332"/>
+            </a:xfrm>
+            <a:prstGeom prst="rect">
+              <a:avLst/>
+            </a:prstGeom>
+            <a:noFill/>
+          </p:spPr>
+          <p:txBody>
+            <a:bodyPr wrap="square" rtlCol="0">
+              <a:spAutoFit/>
+            </a:bodyPr>
+            <a:lstStyle/>
+            <a:p>
+              <a:pPr algn="ctr"/>
+              <a:r>
+                <a:rPr lang="en-US" dirty="0">
+                  <a:effectLst>
+                    <a:outerShdw blurRad="38100" dist="38100" dir="2700000" algn="tl">
+                      <a:srgbClr val="000000">
+                        <a:alpha val="43137"/>
+                      </a:srgbClr>
+                    </a:outerShdw>
+                  </a:effectLst>
+                </a:rPr>
+                <a:t>Admin Panel</a:t>
+              </a:r>
+              <a:endParaRPr lang="en-IN" dirty="0">
+                <a:effectLst>
+                  <a:outerShdw blurRad="38100" dist="38100" dir="2700000" algn="tl">
+                    <a:srgbClr val="000000">
+                      <a:alpha val="43137"/>
+                    </a:srgbClr>
+                  </a:outerShdw>
+                </a:effectLst>
+              </a:endParaRPr>
+            </a:p>
+          </p:txBody>
+        </p:sp>
+      </p:grpSp>
+    </p:spTree>
+    <p:extLst>
+      <p:ext uri="{BB962C8B-B14F-4D97-AF65-F5344CB8AC3E}">
+        <p14:creationId xmlns:p14="http://schemas.microsoft.com/office/powerpoint/2010/main" val="1538621450"/>
+      </p:ext>
+    </p:extLst>
+  </p:cSld>
+  <p:clrMapOvr>
+    <a:masterClrMapping/>
+  </p:clrMapOvr>
+</p:sld>
+</file>
+
+<file path=ppt/slides/slide14.xml><?xml version="1.0" encoding="utf-8"?>
+<p:sld xmlns:a="http://schemas.openxmlformats.org/drawingml/2006/main" xmlns:r="http://schemas.openxmlformats.org/officeDocument/2006/relationships" xmlns:p="http://schemas.openxmlformats.org/presentationml/2006/main">
+  <p:cSld>
+    <p:spTree>
+      <p:nvGrpSpPr>
+        <p:cNvPr id="1" name=""/>
+        <p:cNvGrpSpPr/>
+        <p:nvPr/>
+      </p:nvGrpSpPr>
+      <p:grpSpPr>
+        <a:xfrm>
+          <a:off x="0" y="0"/>
+          <a:ext cx="0" cy="0"/>
+          <a:chOff x="0" y="0"/>
+          <a:chExt cx="0" cy="0"/>
+        </a:xfrm>
+      </p:grpSpPr>
+      <p:sp>
+        <p:nvSpPr>
+          <p:cNvPr id="2" name="Title 1">
+            <a:extLst>
+              <a:ext uri="{FF2B5EF4-FFF2-40B4-BE49-F238E27FC236}">
+                <a16:creationId xmlns:a16="http://schemas.microsoft.com/office/drawing/2014/main" id="{A590A318-7262-1601-7CB8-7DF85E6D77DC}"/>
+              </a:ext>
+            </a:extLst>
+          </p:cNvPr>
+          <p:cNvSpPr>
+            <a:spLocks noGrp="1"/>
+          </p:cNvSpPr>
+          <p:nvPr>
+            <p:ph type="title"/>
+          </p:nvPr>
+        </p:nvSpPr>
+        <p:spPr/>
+        <p:txBody>
+          <a:bodyPr>
+            <a:normAutofit/>
+          </a:bodyPr>
+          <a:lstStyle/>
+          <a:p>
+            <a:r>
+              <a:rPr lang="en-US" sz="4000" b="1">
+                <a:solidFill>
+                  <a:schemeClr val="accent1">
+                    <a:lumMod val="60000"/>
+                    <a:lumOff val="40000"/>
+                  </a:schemeClr>
+                </a:solidFill>
+                <a:effectLst>
+                  <a:outerShdw blurRad="38100" dist="38100" dir="2700000" algn="tl">
+                    <a:srgbClr val="000000">
+                      <a:alpha val="43137"/>
+                    </a:srgbClr>
+                  </a:outerShdw>
+                </a:effectLst>
+                <a:latin typeface="Arial Black" panose="020B0A04020102020204" pitchFamily="34" charset="0"/>
+                <a:ea typeface="+mn-ea"/>
+                <a:cs typeface="+mn-cs"/>
+              </a:rPr>
+              <a:t>Technology</a:t>
+            </a:r>
+            <a:r>
+              <a:rPr lang="en-US" b="1">
+                <a:solidFill>
+                  <a:schemeClr val="accent5">
+                    <a:lumMod val="75000"/>
+                  </a:schemeClr>
+                </a:solidFill>
+                <a:effectLst>
+                  <a:outerShdw blurRad="38100" dist="38100" dir="2700000" algn="tl">
+                    <a:srgbClr val="000000">
+                      <a:alpha val="43137"/>
+                    </a:srgbClr>
+                  </a:outerShdw>
+                </a:effectLst>
+                <a:ea typeface="+mn-ea"/>
+                <a:cs typeface="+mn-cs"/>
+              </a:rPr>
+              <a:t> </a:t>
+            </a:r>
+            <a:r>
+              <a:rPr lang="en-US" sz="4000" b="1">
+                <a:solidFill>
+                  <a:schemeClr val="accent1">
+                    <a:lumMod val="60000"/>
+                    <a:lumOff val="40000"/>
+                  </a:schemeClr>
+                </a:solidFill>
+                <a:effectLst>
+                  <a:outerShdw blurRad="38100" dist="38100" dir="2700000" algn="tl">
+                    <a:srgbClr val="000000">
+                      <a:alpha val="43137"/>
+                    </a:srgbClr>
+                  </a:outerShdw>
+                </a:effectLst>
+                <a:latin typeface="Arial Black" panose="020B0A04020102020204" pitchFamily="34" charset="0"/>
+                <a:ea typeface="+mn-ea"/>
+                <a:cs typeface="+mn-cs"/>
+              </a:rPr>
+              <a:t>Stack</a:t>
+            </a:r>
+            <a:r>
+              <a:rPr lang="en-US" b="1">
+                <a:solidFill>
+                  <a:schemeClr val="accent5">
+                    <a:lumMod val="75000"/>
+                  </a:schemeClr>
+                </a:solidFill>
+                <a:effectLst>
+                  <a:outerShdw blurRad="38100" dist="38100" dir="2700000" algn="tl">
+                    <a:srgbClr val="000000">
+                      <a:alpha val="43137"/>
+                    </a:srgbClr>
+                  </a:outerShdw>
+                </a:effectLst>
+                <a:latin typeface="Arial Black" panose="020B0A04020102020204" pitchFamily="34" charset="0"/>
+                <a:ea typeface="+mn-ea"/>
+                <a:cs typeface="+mn-cs"/>
+              </a:rPr>
+              <a:t> </a:t>
+            </a:r>
+            <a:r>
+              <a:rPr lang="en-US" sz="4000" b="1" dirty="0">
+                <a:solidFill>
+                  <a:schemeClr val="accent1">
+                    <a:lumMod val="60000"/>
+                    <a:lumOff val="40000"/>
+                  </a:schemeClr>
+                </a:solidFill>
+                <a:effectLst>
+                  <a:outerShdw blurRad="38100" dist="38100" dir="2700000" algn="tl">
+                    <a:srgbClr val="000000">
+                      <a:alpha val="43137"/>
+                    </a:srgbClr>
+                  </a:outerShdw>
+                </a:effectLst>
+                <a:latin typeface="Arial Black" panose="020B0A04020102020204" pitchFamily="34" charset="0"/>
+                <a:ea typeface="+mn-ea"/>
+                <a:cs typeface="+mn-cs"/>
+              </a:rPr>
+              <a:t>–</a:t>
+            </a:r>
+          </a:p>
+        </p:txBody>
+      </p:sp>
+      <p:sp>
+        <p:nvSpPr>
+          <p:cNvPr id="3" name="Content Placeholder 2">
+            <a:extLst>
+              <a:ext uri="{FF2B5EF4-FFF2-40B4-BE49-F238E27FC236}">
+                <a16:creationId xmlns:a16="http://schemas.microsoft.com/office/drawing/2014/main" id="{90AA5080-CE76-D1DF-858C-E3EB05B9A34E}"/>
+              </a:ext>
+            </a:extLst>
+          </p:cNvPr>
+          <p:cNvSpPr>
+            <a:spLocks noGrp="1"/>
+          </p:cNvSpPr>
+          <p:nvPr>
+            <p:ph sz="half" idx="1"/>
+          </p:nvPr>
+        </p:nvSpPr>
+        <p:spPr>
+          <a:effectLst>
+            <a:glow rad="127000">
+              <a:schemeClr val="accent1">
+                <a:alpha val="67000"/>
+              </a:schemeClr>
+            </a:glow>
+          </a:effectLst>
+        </p:spPr>
+        <p:txBody>
+          <a:bodyPr>
+            <a:normAutofit/>
+          </a:bodyPr>
+          <a:lstStyle/>
+          <a:p>
+            <a:r>
+              <a:rPr lang="en-IN" sz="3200" dirty="0"/>
+              <a:t>Frontend: React.js, Tailwind CSS</a:t>
+            </a:r>
+          </a:p>
+          <a:p>
+            <a:r>
+              <a:rPr lang="en-IN" sz="3200" dirty="0"/>
+              <a:t>Backend: Node.js, Express</a:t>
+            </a:r>
+          </a:p>
+          <a:p>
+            <a:r>
+              <a:rPr lang="en-IN" sz="3200" dirty="0"/>
+              <a:t>Database: MongoDB</a:t>
+            </a:r>
+          </a:p>
+          <a:p>
+            <a:r>
+              <a:rPr lang="en-IN" sz="3200" dirty="0"/>
+              <a:t>Realtime Communication: Socket.io</a:t>
+            </a:r>
+            <a:endParaRPr lang="en-IN" sz="3500" dirty="0"/>
+          </a:p>
+          <a:p>
+            <a:pPr marL="914400" lvl="1" indent="-457200">
+              <a:buFont typeface="+mj-lt"/>
+              <a:buAutoNum type="arabicPeriod"/>
+            </a:pPr>
+            <a:endParaRPr lang="en-IN" sz="1800" dirty="0">
+              <a:solidFill>
+                <a:srgbClr val="C00000"/>
+              </a:solidFill>
+            </a:endParaRPr>
+          </a:p>
+          <a:p>
+            <a:pPr marL="0" indent="0">
+              <a:buNone/>
+            </a:pPr>
+            <a:endParaRPr lang="en-IN" dirty="0">
+              <a:solidFill>
+                <a:srgbClr val="C00000"/>
+              </a:solidFill>
+            </a:endParaRPr>
+          </a:p>
+        </p:txBody>
+      </p:sp>
+      <p:pic>
+        <p:nvPicPr>
+          <p:cNvPr id="8" name="Picture 4" descr="Why mern stack a popular and powerful stack?">
+            <a:extLst>
+              <a:ext uri="{FF2B5EF4-FFF2-40B4-BE49-F238E27FC236}">
+                <a16:creationId xmlns:a16="http://schemas.microsoft.com/office/drawing/2014/main" id="{24F85853-4BC9-49A1-BBF4-421EA40D5077}"/>
+              </a:ext>
+            </a:extLst>
+          </p:cNvPr>
+          <p:cNvPicPr>
+            <a:picLocks noGrp="1" noChangeAspect="1" noChangeArrowheads="1"/>
+          </p:cNvPicPr>
+          <p:nvPr>
+            <p:ph sz="half" idx="2"/>
+          </p:nvPr>
+        </p:nvPicPr>
+        <p:blipFill>
+          <a:blip r:embed="rId3">
+            <a:extLst>
+              <a:ext uri="{BEBA8EAE-BF5A-486C-A8C5-ECC9F3942E4B}">
+                <a14:imgProps xmlns:a14="http://schemas.microsoft.com/office/drawing/2010/main">
+                  <a14:imgLayer r:embed="rId4">
+                    <a14:imgEffect>
+                      <a14:saturation sat="110000"/>
+                    </a14:imgEffect>
+                  </a14:imgLayer>
+                </a14:imgProps>
+              </a:ext>
+              <a:ext uri="{28A0092B-C50C-407E-A947-70E740481C1C}">
+                <a14:useLocalDpi xmlns:a14="http://schemas.microsoft.com/office/drawing/2010/main" val="0"/>
+              </a:ext>
+            </a:extLst>
+          </a:blip>
+          <a:srcRect/>
+          <a:stretch>
+            <a:fillRect/>
+          </a:stretch>
+        </p:blipFill>
+        <p:spPr bwMode="auto">
+          <a:xfrm>
+            <a:off x="6330461" y="1690688"/>
+            <a:ext cx="5514536" cy="3076697"/>
+          </a:xfrm>
+          <a:prstGeom prst="rect">
+            <a:avLst/>
+          </a:prstGeom>
+          <a:noFill/>
+          <a:effectLst>
+            <a:glow rad="63500">
+              <a:schemeClr val="accent3">
+                <a:satMod val="175000"/>
+                <a:alpha val="40000"/>
+              </a:schemeClr>
+            </a:glow>
+          </a:effectLst>
+          <a:extLst>
+            <a:ext uri="{909E8E84-426E-40DD-AFC4-6F175D3DCCD1}">
+              <a14:hiddenFill xmlns:a14="http://schemas.microsoft.com/office/drawing/2010/main">
+                <a:solidFill>
+                  <a:srgbClr val="FFFFFF"/>
+                </a:solidFill>
+              </a14:hiddenFill>
+            </a:ext>
+          </a:extLst>
+        </p:spPr>
+      </p:pic>
+    </p:spTree>
+    <p:extLst>
+      <p:ext uri="{BB962C8B-B14F-4D97-AF65-F5344CB8AC3E}">
+        <p14:creationId xmlns:p14="http://schemas.microsoft.com/office/powerpoint/2010/main" val="430169350"/>
+      </p:ext>
+    </p:extLst>
+  </p:cSld>
+  <p:clrMapOvr>
+    <a:masterClrMapping/>
+  </p:clrMapOvr>
+</p:sld>
+</file>
+
+<file path=ppt/slides/slide15.xml><?xml version="1.0" encoding="utf-8"?>
+<p:sld xmlns:a="http://schemas.openxmlformats.org/drawingml/2006/main" xmlns:r="http://schemas.openxmlformats.org/officeDocument/2006/relationships" xmlns:p="http://schemas.openxmlformats.org/presentationml/2006/main">
+  <p:cSld>
+    <p:spTree>
+      <p:nvGrpSpPr>
+        <p:cNvPr id="1" name=""/>
+        <p:cNvGrpSpPr/>
+        <p:nvPr/>
+      </p:nvGrpSpPr>
+      <p:grpSpPr>
+        <a:xfrm>
+          <a:off x="0" y="0"/>
+          <a:ext cx="0" cy="0"/>
+          <a:chOff x="0" y="0"/>
+          <a:chExt cx="0" cy="0"/>
+        </a:xfrm>
+      </p:grpSpPr>
+      <p:sp>
+        <p:nvSpPr>
+          <p:cNvPr id="2" name="Title 1">
+            <a:extLst>
+              <a:ext uri="{FF2B5EF4-FFF2-40B4-BE49-F238E27FC236}">
+                <a16:creationId xmlns:a16="http://schemas.microsoft.com/office/drawing/2014/main" id="{A590A318-7262-1601-7CB8-7DF85E6D77DC}"/>
+              </a:ext>
+            </a:extLst>
+          </p:cNvPr>
+          <p:cNvSpPr>
+            <a:spLocks noGrp="1"/>
+          </p:cNvSpPr>
+          <p:nvPr>
+            <p:ph type="title"/>
+          </p:nvPr>
+        </p:nvSpPr>
+        <p:spPr>
+          <a:xfrm>
+            <a:off x="838200" y="246153"/>
+            <a:ext cx="10515600" cy="792117"/>
+          </a:xfrm>
+        </p:spPr>
+        <p:txBody>
+          <a:bodyPr>
+            <a:normAutofit/>
+          </a:bodyPr>
+          <a:lstStyle/>
+          <a:p>
+            <a:r>
+              <a:rPr lang="en-US" sz="4000" b="1" dirty="0">
+                <a:solidFill>
+                  <a:schemeClr val="accent1">
+                    <a:lumMod val="60000"/>
+                    <a:lumOff val="40000"/>
+                  </a:schemeClr>
+                </a:solidFill>
+                <a:effectLst>
+                  <a:outerShdw blurRad="38100" dist="38100" dir="2700000" algn="tl">
+                    <a:srgbClr val="000000">
+                      <a:alpha val="43137"/>
+                    </a:srgbClr>
+                  </a:outerShdw>
+                </a:effectLst>
+                <a:latin typeface="Arial Black" panose="020B0A04020102020204" pitchFamily="34" charset="0"/>
+                <a:ea typeface="+mn-ea"/>
+                <a:cs typeface="+mn-cs"/>
+              </a:rPr>
+              <a:t>Architecture</a:t>
+            </a:r>
+            <a:endParaRPr lang="en-IN" sz="4000" b="1" dirty="0">
+              <a:solidFill>
+                <a:schemeClr val="accent1">
+                  <a:lumMod val="60000"/>
+                  <a:lumOff val="40000"/>
+                </a:schemeClr>
+              </a:solidFill>
+              <a:effectLst>
+                <a:outerShdw blurRad="38100" dist="38100" dir="2700000" algn="tl">
+                  <a:srgbClr val="000000">
+                    <a:alpha val="43137"/>
+                  </a:srgbClr>
+                </a:outerShdw>
+              </a:effectLst>
+              <a:latin typeface="Arial Black" panose="020B0A04020102020204" pitchFamily="34" charset="0"/>
+              <a:ea typeface="+mn-ea"/>
+              <a:cs typeface="+mn-cs"/>
+            </a:endParaRPr>
+          </a:p>
+        </p:txBody>
+      </p:sp>
+      <p:sp>
+        <p:nvSpPr>
+          <p:cNvPr id="3" name="Content Placeholder 2">
+            <a:extLst>
+              <a:ext uri="{FF2B5EF4-FFF2-40B4-BE49-F238E27FC236}">
+                <a16:creationId xmlns:a16="http://schemas.microsoft.com/office/drawing/2014/main" id="{90AA5080-CE76-D1DF-858C-E3EB05B9A34E}"/>
+              </a:ext>
+            </a:extLst>
+          </p:cNvPr>
+          <p:cNvSpPr>
+            <a:spLocks noGrp="1"/>
+          </p:cNvSpPr>
+          <p:nvPr>
+            <p:ph idx="1"/>
+          </p:nvPr>
+        </p:nvSpPr>
+        <p:spPr>
+          <a:xfrm>
+            <a:off x="681446" y="1358153"/>
+            <a:ext cx="11353800" cy="4831873"/>
+          </a:xfrm>
+        </p:spPr>
+        <p:txBody>
+          <a:bodyPr>
+            <a:normAutofit/>
+          </a:bodyPr>
+          <a:lstStyle/>
+          <a:p>
+            <a:endParaRPr lang="en-IN" sz="1800" dirty="0">
+              <a:solidFill>
+                <a:srgbClr val="C00000"/>
+              </a:solidFill>
+            </a:endParaRPr>
+          </a:p>
+          <a:p>
+            <a:pPr marL="0" indent="0">
+              <a:buNone/>
+            </a:pPr>
+            <a:endParaRPr lang="en-IN" dirty="0">
+              <a:solidFill>
+                <a:srgbClr val="C00000"/>
+              </a:solidFill>
+            </a:endParaRPr>
+          </a:p>
+        </p:txBody>
+      </p:sp>
+      <p:sp>
+        <p:nvSpPr>
+          <p:cNvPr id="54" name="Flowchart: Terminator 53">
+            <a:extLst>
+              <a:ext uri="{FF2B5EF4-FFF2-40B4-BE49-F238E27FC236}">
+                <a16:creationId xmlns:a16="http://schemas.microsoft.com/office/drawing/2014/main" id="{C1D90A94-687B-4FC4-81A9-34C22A1337ED}"/>
+              </a:ext>
+            </a:extLst>
+          </p:cNvPr>
+          <p:cNvSpPr/>
+          <p:nvPr/>
+        </p:nvSpPr>
+        <p:spPr>
+          <a:xfrm>
+            <a:off x="8340969" y="477141"/>
+            <a:ext cx="1924385" cy="465992"/>
+          </a:xfrm>
+          <a:prstGeom prst="flowChartTerminator">
+            <a:avLst/>
+          </a:prstGeom>
+        </p:spPr>
+        <p:style>
+          <a:lnRef idx="2">
+            <a:schemeClr val="accent1">
+              <a:shade val="15000"/>
+            </a:schemeClr>
+          </a:lnRef>
+          <a:fillRef idx="1">
+            <a:schemeClr val="accent1"/>
+          </a:fillRef>
+          <a:effectRef idx="0">
+            <a:schemeClr val="accent1"/>
+          </a:effectRef>
+          <a:fontRef idx="minor">
+            <a:schemeClr val="lt1"/>
+          </a:fontRef>
+        </p:style>
+        <p:txBody>
+          <a:bodyPr rtlCol="0" anchor="ctr"/>
+          <a:lstStyle/>
+          <a:p>
+            <a:pPr algn="ctr"/>
+            <a:r>
+              <a:rPr lang="en-IN" dirty="0" err="1"/>
+              <a:t>Fithub</a:t>
+            </a:r>
+            <a:endParaRPr lang="en-IN" dirty="0"/>
+          </a:p>
+        </p:txBody>
+      </p:sp>
+      <p:cxnSp>
+        <p:nvCxnSpPr>
+          <p:cNvPr id="55" name="Straight Connector 54">
+            <a:extLst>
+              <a:ext uri="{FF2B5EF4-FFF2-40B4-BE49-F238E27FC236}">
+                <a16:creationId xmlns:a16="http://schemas.microsoft.com/office/drawing/2014/main" id="{6870583E-F842-4BBA-82FD-6EBE5F6FF911}"/>
+              </a:ext>
+            </a:extLst>
+          </p:cNvPr>
+          <p:cNvCxnSpPr>
+            <a:cxnSpLocks/>
+          </p:cNvCxnSpPr>
+          <p:nvPr/>
+        </p:nvCxnSpPr>
+        <p:spPr>
+          <a:xfrm>
+            <a:off x="9324810" y="983635"/>
+            <a:ext cx="1" cy="428839"/>
+          </a:xfrm>
+          <a:prstGeom prst="line">
+            <a:avLst/>
+          </a:prstGeom>
+        </p:spPr>
+        <p:style>
+          <a:lnRef idx="1">
+            <a:schemeClr val="accent1"/>
+          </a:lnRef>
+          <a:fillRef idx="0">
+            <a:schemeClr val="accent1"/>
+          </a:fillRef>
+          <a:effectRef idx="0">
+            <a:schemeClr val="accent1"/>
+          </a:effectRef>
+          <a:fontRef idx="minor">
+            <a:schemeClr val="tx1"/>
+          </a:fontRef>
+        </p:style>
+      </p:cxnSp>
+      <p:cxnSp>
+        <p:nvCxnSpPr>
+          <p:cNvPr id="56" name="Straight Connector 55">
+            <a:extLst>
+              <a:ext uri="{FF2B5EF4-FFF2-40B4-BE49-F238E27FC236}">
+                <a16:creationId xmlns:a16="http://schemas.microsoft.com/office/drawing/2014/main" id="{7750E23A-802C-4B19-B7EF-99EDC74DF92E}"/>
+              </a:ext>
+            </a:extLst>
+          </p:cNvPr>
+          <p:cNvCxnSpPr>
+            <a:cxnSpLocks/>
+          </p:cNvCxnSpPr>
+          <p:nvPr/>
+        </p:nvCxnSpPr>
+        <p:spPr>
+          <a:xfrm>
+            <a:off x="7063387" y="1425976"/>
+            <a:ext cx="0" cy="537583"/>
+          </a:xfrm>
+          <a:prstGeom prst="line">
+            <a:avLst/>
+          </a:prstGeom>
+        </p:spPr>
+        <p:style>
+          <a:lnRef idx="1">
+            <a:schemeClr val="accent1"/>
+          </a:lnRef>
+          <a:fillRef idx="0">
+            <a:schemeClr val="accent1"/>
+          </a:fillRef>
+          <a:effectRef idx="0">
+            <a:schemeClr val="accent1"/>
+          </a:effectRef>
+          <a:fontRef idx="minor">
+            <a:schemeClr val="tx1"/>
+          </a:fontRef>
+        </p:style>
+      </p:cxnSp>
+      <p:cxnSp>
+        <p:nvCxnSpPr>
+          <p:cNvPr id="57" name="Straight Connector 56">
+            <a:extLst>
+              <a:ext uri="{FF2B5EF4-FFF2-40B4-BE49-F238E27FC236}">
+                <a16:creationId xmlns:a16="http://schemas.microsoft.com/office/drawing/2014/main" id="{DB8BDF53-5320-4759-A84B-C3EF84C035CA}"/>
+              </a:ext>
+            </a:extLst>
+          </p:cNvPr>
+          <p:cNvCxnSpPr>
+            <a:cxnSpLocks/>
+          </p:cNvCxnSpPr>
+          <p:nvPr/>
+        </p:nvCxnSpPr>
+        <p:spPr>
+          <a:xfrm>
+            <a:off x="9324810" y="1425976"/>
+            <a:ext cx="0" cy="539987"/>
+          </a:xfrm>
+          <a:prstGeom prst="line">
+            <a:avLst/>
+          </a:prstGeom>
+        </p:spPr>
+        <p:style>
+          <a:lnRef idx="1">
+            <a:schemeClr val="accent1"/>
+          </a:lnRef>
+          <a:fillRef idx="0">
+            <a:schemeClr val="accent1"/>
+          </a:fillRef>
+          <a:effectRef idx="0">
+            <a:schemeClr val="accent1"/>
+          </a:effectRef>
+          <a:fontRef idx="minor">
+            <a:schemeClr val="tx1"/>
+          </a:fontRef>
+        </p:style>
+      </p:cxnSp>
+      <p:cxnSp>
+        <p:nvCxnSpPr>
+          <p:cNvPr id="58" name="Straight Connector 57">
+            <a:extLst>
+              <a:ext uri="{FF2B5EF4-FFF2-40B4-BE49-F238E27FC236}">
+                <a16:creationId xmlns:a16="http://schemas.microsoft.com/office/drawing/2014/main" id="{6CDA39F0-730A-4FA4-BEB3-6E7F7F33E85E}"/>
+              </a:ext>
+            </a:extLst>
+          </p:cNvPr>
+          <p:cNvCxnSpPr>
+            <a:cxnSpLocks/>
+          </p:cNvCxnSpPr>
+          <p:nvPr/>
+        </p:nvCxnSpPr>
+        <p:spPr>
+          <a:xfrm>
+            <a:off x="11344107" y="1427445"/>
+            <a:ext cx="0" cy="511939"/>
+          </a:xfrm>
+          <a:prstGeom prst="line">
+            <a:avLst/>
+          </a:prstGeom>
+        </p:spPr>
+        <p:style>
+          <a:lnRef idx="1">
+            <a:schemeClr val="accent1"/>
+          </a:lnRef>
+          <a:fillRef idx="0">
+            <a:schemeClr val="accent1"/>
+          </a:fillRef>
+          <a:effectRef idx="0">
+            <a:schemeClr val="accent1"/>
+          </a:effectRef>
+          <a:fontRef idx="minor">
+            <a:schemeClr val="tx1"/>
+          </a:fontRef>
+        </p:style>
+      </p:cxnSp>
+      <p:sp>
+        <p:nvSpPr>
+          <p:cNvPr id="59" name="Rectangle 58">
+            <a:extLst>
+              <a:ext uri="{FF2B5EF4-FFF2-40B4-BE49-F238E27FC236}">
+                <a16:creationId xmlns:a16="http://schemas.microsoft.com/office/drawing/2014/main" id="{97395B35-E5A0-411A-812A-C7428468A591}"/>
+              </a:ext>
+            </a:extLst>
+          </p:cNvPr>
+          <p:cNvSpPr/>
+          <p:nvPr/>
+        </p:nvSpPr>
+        <p:spPr>
+          <a:xfrm>
+            <a:off x="5925350" y="1963559"/>
+            <a:ext cx="1969476" cy="580273"/>
+          </a:xfrm>
+          <a:prstGeom prst="rect">
+            <a:avLst/>
+          </a:prstGeom>
+        </p:spPr>
+        <p:style>
+          <a:lnRef idx="2">
+            <a:schemeClr val="accent1">
+              <a:shade val="15000"/>
+            </a:schemeClr>
+          </a:lnRef>
+          <a:fillRef idx="1">
+            <a:schemeClr val="accent1"/>
+          </a:fillRef>
+          <a:effectRef idx="0">
+            <a:schemeClr val="accent1"/>
+          </a:effectRef>
+          <a:fontRef idx="minor">
+            <a:schemeClr val="lt1"/>
+          </a:fontRef>
+        </p:style>
+        <p:txBody>
+          <a:bodyPr rtlCol="0" anchor="ctr"/>
+          <a:lstStyle/>
+          <a:p>
+            <a:pPr algn="ctr"/>
+            <a:r>
+              <a:rPr lang="en-IN" dirty="0"/>
+              <a:t>User Management</a:t>
+            </a:r>
+          </a:p>
+        </p:txBody>
+      </p:sp>
+      <p:sp>
+        <p:nvSpPr>
+          <p:cNvPr id="60" name="Rectangle 59">
+            <a:extLst>
+              <a:ext uri="{FF2B5EF4-FFF2-40B4-BE49-F238E27FC236}">
+                <a16:creationId xmlns:a16="http://schemas.microsoft.com/office/drawing/2014/main" id="{48BF9567-7300-4C12-93B2-7F679907C3BC}"/>
+              </a:ext>
+            </a:extLst>
+          </p:cNvPr>
+          <p:cNvSpPr/>
+          <p:nvPr/>
+        </p:nvSpPr>
+        <p:spPr>
+          <a:xfrm>
+            <a:off x="8136385" y="1965961"/>
+            <a:ext cx="1943098" cy="575467"/>
+          </a:xfrm>
+          <a:prstGeom prst="rect">
+            <a:avLst/>
+          </a:prstGeom>
+        </p:spPr>
+        <p:style>
+          <a:lnRef idx="2">
+            <a:schemeClr val="accent1">
+              <a:shade val="15000"/>
+            </a:schemeClr>
+          </a:lnRef>
+          <a:fillRef idx="1">
+            <a:schemeClr val="accent1"/>
+          </a:fillRef>
+          <a:effectRef idx="0">
+            <a:schemeClr val="accent1"/>
+          </a:effectRef>
+          <a:fontRef idx="minor">
+            <a:schemeClr val="lt1"/>
+          </a:fontRef>
+        </p:style>
+        <p:txBody>
+          <a:bodyPr rtlCol="0" anchor="ctr"/>
+          <a:lstStyle/>
+          <a:p>
+            <a:pPr algn="ctr"/>
+            <a:r>
+              <a:rPr lang="en-IN" dirty="0"/>
+              <a:t>Product Management</a:t>
+            </a:r>
+          </a:p>
+        </p:txBody>
+      </p:sp>
+      <p:sp>
+        <p:nvSpPr>
+          <p:cNvPr id="61" name="Rectangle 60">
+            <a:extLst>
+              <a:ext uri="{FF2B5EF4-FFF2-40B4-BE49-F238E27FC236}">
+                <a16:creationId xmlns:a16="http://schemas.microsoft.com/office/drawing/2014/main" id="{FA66932D-D53A-40E1-A354-16F4DF37E3D8}"/>
+              </a:ext>
+            </a:extLst>
+          </p:cNvPr>
+          <p:cNvSpPr/>
+          <p:nvPr/>
+        </p:nvSpPr>
+        <p:spPr>
+          <a:xfrm>
+            <a:off x="10321042" y="1950163"/>
+            <a:ext cx="1870958" cy="575459"/>
+          </a:xfrm>
+          <a:prstGeom prst="rect">
+            <a:avLst/>
+          </a:prstGeom>
+        </p:spPr>
+        <p:style>
+          <a:lnRef idx="2">
+            <a:schemeClr val="accent1">
+              <a:shade val="15000"/>
+            </a:schemeClr>
+          </a:lnRef>
+          <a:fillRef idx="1">
+            <a:schemeClr val="accent1"/>
+          </a:fillRef>
+          <a:effectRef idx="0">
+            <a:schemeClr val="accent1"/>
+          </a:effectRef>
+          <a:fontRef idx="minor">
+            <a:schemeClr val="lt1"/>
+          </a:fontRef>
+        </p:style>
+        <p:txBody>
+          <a:bodyPr rtlCol="0" anchor="ctr"/>
+          <a:lstStyle/>
+          <a:p>
+            <a:pPr algn="ctr"/>
+            <a:r>
+              <a:rPr lang="en-IN" dirty="0"/>
+              <a:t>Message management</a:t>
+            </a:r>
+          </a:p>
+        </p:txBody>
+      </p:sp>
+      <p:cxnSp>
+        <p:nvCxnSpPr>
+          <p:cNvPr id="62" name="Straight Connector 61">
+            <a:extLst>
+              <a:ext uri="{FF2B5EF4-FFF2-40B4-BE49-F238E27FC236}">
+                <a16:creationId xmlns:a16="http://schemas.microsoft.com/office/drawing/2014/main" id="{229C22B5-2592-43B1-9EEA-01C7B6CEDEB7}"/>
+              </a:ext>
+            </a:extLst>
+          </p:cNvPr>
+          <p:cNvCxnSpPr>
+            <a:cxnSpLocks/>
+          </p:cNvCxnSpPr>
+          <p:nvPr/>
+        </p:nvCxnSpPr>
+        <p:spPr>
+          <a:xfrm>
+            <a:off x="7085035" y="2525243"/>
+            <a:ext cx="0" cy="575459"/>
+          </a:xfrm>
+          <a:prstGeom prst="line">
+            <a:avLst/>
+          </a:prstGeom>
+        </p:spPr>
+        <p:style>
+          <a:lnRef idx="1">
+            <a:schemeClr val="accent1"/>
+          </a:lnRef>
+          <a:fillRef idx="0">
+            <a:schemeClr val="accent1"/>
+          </a:fillRef>
+          <a:effectRef idx="0">
+            <a:schemeClr val="accent1"/>
+          </a:effectRef>
+          <a:fontRef idx="minor">
+            <a:schemeClr val="tx1"/>
+          </a:fontRef>
+        </p:style>
+      </p:cxnSp>
+      <p:cxnSp>
+        <p:nvCxnSpPr>
+          <p:cNvPr id="63" name="Straight Connector 62">
+            <a:extLst>
+              <a:ext uri="{FF2B5EF4-FFF2-40B4-BE49-F238E27FC236}">
+                <a16:creationId xmlns:a16="http://schemas.microsoft.com/office/drawing/2014/main" id="{D650CEF4-E79B-454C-864F-F8160018E2A9}"/>
+              </a:ext>
+            </a:extLst>
+          </p:cNvPr>
+          <p:cNvCxnSpPr>
+            <a:cxnSpLocks/>
+          </p:cNvCxnSpPr>
+          <p:nvPr/>
+        </p:nvCxnSpPr>
+        <p:spPr>
+          <a:xfrm flipH="1">
+            <a:off x="9326609" y="2545274"/>
+            <a:ext cx="1" cy="575458"/>
+          </a:xfrm>
+          <a:prstGeom prst="line">
+            <a:avLst/>
+          </a:prstGeom>
+        </p:spPr>
+        <p:style>
+          <a:lnRef idx="1">
+            <a:schemeClr val="accent1"/>
+          </a:lnRef>
+          <a:fillRef idx="0">
+            <a:schemeClr val="accent1"/>
+          </a:fillRef>
+          <a:effectRef idx="0">
+            <a:schemeClr val="accent1"/>
+          </a:effectRef>
+          <a:fontRef idx="minor">
+            <a:schemeClr val="tx1"/>
+          </a:fontRef>
+        </p:style>
+      </p:cxnSp>
+      <p:cxnSp>
+        <p:nvCxnSpPr>
+          <p:cNvPr id="64" name="Straight Connector 63">
+            <a:extLst>
+              <a:ext uri="{FF2B5EF4-FFF2-40B4-BE49-F238E27FC236}">
+                <a16:creationId xmlns:a16="http://schemas.microsoft.com/office/drawing/2014/main" id="{7E5BE4F2-F3CD-41DB-A942-8FD33FEECB4E}"/>
+              </a:ext>
+            </a:extLst>
+          </p:cNvPr>
+          <p:cNvCxnSpPr>
+            <a:cxnSpLocks/>
+          </p:cNvCxnSpPr>
+          <p:nvPr/>
+        </p:nvCxnSpPr>
+        <p:spPr>
+          <a:xfrm flipH="1">
+            <a:off x="7069249" y="3087255"/>
+            <a:ext cx="4274859" cy="0"/>
+          </a:xfrm>
+          <a:prstGeom prst="line">
+            <a:avLst/>
+          </a:prstGeom>
+        </p:spPr>
+        <p:style>
+          <a:lnRef idx="1">
+            <a:schemeClr val="accent1"/>
+          </a:lnRef>
+          <a:fillRef idx="0">
+            <a:schemeClr val="accent1"/>
+          </a:fillRef>
+          <a:effectRef idx="0">
+            <a:schemeClr val="accent1"/>
+          </a:effectRef>
+          <a:fontRef idx="minor">
+            <a:schemeClr val="tx1"/>
+          </a:fontRef>
+        </p:style>
+      </p:cxnSp>
+      <p:cxnSp>
+        <p:nvCxnSpPr>
+          <p:cNvPr id="65" name="Straight Connector 64">
+            <a:extLst>
+              <a:ext uri="{FF2B5EF4-FFF2-40B4-BE49-F238E27FC236}">
+                <a16:creationId xmlns:a16="http://schemas.microsoft.com/office/drawing/2014/main" id="{48364B30-D05A-4D80-86D6-9657242C3408}"/>
+              </a:ext>
+            </a:extLst>
+          </p:cNvPr>
+          <p:cNvCxnSpPr>
+            <a:cxnSpLocks/>
+          </p:cNvCxnSpPr>
+          <p:nvPr/>
+        </p:nvCxnSpPr>
+        <p:spPr>
+          <a:xfrm flipH="1">
+            <a:off x="11344107" y="2522531"/>
+            <a:ext cx="1" cy="575458"/>
+          </a:xfrm>
+          <a:prstGeom prst="line">
+            <a:avLst/>
+          </a:prstGeom>
+        </p:spPr>
+        <p:style>
+          <a:lnRef idx="1">
+            <a:schemeClr val="accent1"/>
+          </a:lnRef>
+          <a:fillRef idx="0">
+            <a:schemeClr val="accent1"/>
+          </a:fillRef>
+          <a:effectRef idx="0">
+            <a:schemeClr val="accent1"/>
+          </a:effectRef>
+          <a:fontRef idx="minor">
+            <a:schemeClr val="tx1"/>
+          </a:fontRef>
+        </p:style>
+      </p:cxnSp>
+      <p:cxnSp>
+        <p:nvCxnSpPr>
+          <p:cNvPr id="66" name="Straight Connector 65">
+            <a:extLst>
+              <a:ext uri="{FF2B5EF4-FFF2-40B4-BE49-F238E27FC236}">
+                <a16:creationId xmlns:a16="http://schemas.microsoft.com/office/drawing/2014/main" id="{E7A49D0A-B788-43A4-BA02-31B7004EA04D}"/>
+              </a:ext>
+            </a:extLst>
+          </p:cNvPr>
+          <p:cNvCxnSpPr>
+            <a:cxnSpLocks/>
+          </p:cNvCxnSpPr>
+          <p:nvPr/>
+        </p:nvCxnSpPr>
+        <p:spPr>
+          <a:xfrm flipH="1">
+            <a:off x="9326610" y="3094944"/>
+            <a:ext cx="1" cy="484452"/>
+          </a:xfrm>
+          <a:prstGeom prst="line">
+            <a:avLst/>
+          </a:prstGeom>
+        </p:spPr>
+        <p:style>
+          <a:lnRef idx="1">
+            <a:schemeClr val="accent1"/>
+          </a:lnRef>
+          <a:fillRef idx="0">
+            <a:schemeClr val="accent1"/>
+          </a:fillRef>
+          <a:effectRef idx="0">
+            <a:schemeClr val="accent1"/>
+          </a:effectRef>
+          <a:fontRef idx="minor">
+            <a:schemeClr val="tx1"/>
+          </a:fontRef>
+        </p:style>
+      </p:cxnSp>
+      <p:sp>
+        <p:nvSpPr>
+          <p:cNvPr id="67" name="Flowchart: Decision 66">
+            <a:extLst>
+              <a:ext uri="{FF2B5EF4-FFF2-40B4-BE49-F238E27FC236}">
+                <a16:creationId xmlns:a16="http://schemas.microsoft.com/office/drawing/2014/main" id="{EE74ECF9-A542-4B49-8281-EF00446EAD0F}"/>
+              </a:ext>
+            </a:extLst>
+          </p:cNvPr>
+          <p:cNvSpPr/>
+          <p:nvPr/>
+        </p:nvSpPr>
+        <p:spPr>
+          <a:xfrm>
+            <a:off x="7581877" y="3576575"/>
+            <a:ext cx="3485866" cy="914371"/>
+          </a:xfrm>
+          <a:prstGeom prst="flowChartDecision">
+            <a:avLst/>
+          </a:prstGeom>
+        </p:spPr>
+        <p:style>
+          <a:lnRef idx="2">
+            <a:schemeClr val="accent1">
+              <a:shade val="15000"/>
+            </a:schemeClr>
+          </a:lnRef>
+          <a:fillRef idx="1">
+            <a:schemeClr val="accent1"/>
+          </a:fillRef>
+          <a:effectRef idx="0">
+            <a:schemeClr val="accent1"/>
+          </a:effectRef>
+          <a:fontRef idx="minor">
+            <a:schemeClr val="lt1"/>
+          </a:fontRef>
+        </p:style>
+        <p:txBody>
+          <a:bodyPr rtlCol="0" anchor="ctr"/>
+          <a:lstStyle/>
+          <a:p>
+            <a:pPr algn="ctr"/>
+            <a:r>
+              <a:rPr lang="en-IN" dirty="0"/>
+              <a:t>Authentication &amp; Authorisation</a:t>
+            </a:r>
+          </a:p>
+        </p:txBody>
+      </p:sp>
+      <p:cxnSp>
+        <p:nvCxnSpPr>
+          <p:cNvPr id="68" name="Straight Connector 67">
+            <a:extLst>
+              <a:ext uri="{FF2B5EF4-FFF2-40B4-BE49-F238E27FC236}">
+                <a16:creationId xmlns:a16="http://schemas.microsoft.com/office/drawing/2014/main" id="{80FDAF16-D7B5-4C2D-ADF1-6B8389A17553}"/>
+              </a:ext>
+            </a:extLst>
+          </p:cNvPr>
+          <p:cNvCxnSpPr>
+            <a:cxnSpLocks/>
+          </p:cNvCxnSpPr>
+          <p:nvPr/>
+        </p:nvCxnSpPr>
+        <p:spPr>
+          <a:xfrm>
+            <a:off x="9330673" y="4480768"/>
+            <a:ext cx="0" cy="466021"/>
+          </a:xfrm>
+          <a:prstGeom prst="line">
+            <a:avLst/>
+          </a:prstGeom>
+        </p:spPr>
+        <p:style>
+          <a:lnRef idx="1">
+            <a:schemeClr val="accent1"/>
+          </a:lnRef>
+          <a:fillRef idx="0">
+            <a:schemeClr val="accent1"/>
+          </a:fillRef>
+          <a:effectRef idx="0">
+            <a:schemeClr val="accent1"/>
+          </a:effectRef>
+          <a:fontRef idx="minor">
+            <a:schemeClr val="tx1"/>
+          </a:fontRef>
+        </p:style>
+      </p:cxnSp>
+      <p:sp>
+        <p:nvSpPr>
+          <p:cNvPr id="69" name="Rectangle 68">
+            <a:extLst>
+              <a:ext uri="{FF2B5EF4-FFF2-40B4-BE49-F238E27FC236}">
+                <a16:creationId xmlns:a16="http://schemas.microsoft.com/office/drawing/2014/main" id="{969A8D48-1007-49B5-9260-3ED52609BDB5}"/>
+              </a:ext>
+            </a:extLst>
+          </p:cNvPr>
+          <p:cNvSpPr/>
+          <p:nvPr/>
+        </p:nvSpPr>
+        <p:spPr>
+          <a:xfrm>
+            <a:off x="8256262" y="4946789"/>
+            <a:ext cx="2137096" cy="580284"/>
+          </a:xfrm>
+          <a:prstGeom prst="rect">
+            <a:avLst/>
+          </a:prstGeom>
+        </p:spPr>
+        <p:style>
+          <a:lnRef idx="2">
+            <a:schemeClr val="accent1">
+              <a:shade val="15000"/>
+            </a:schemeClr>
+          </a:lnRef>
+          <a:fillRef idx="1">
+            <a:schemeClr val="accent1"/>
+          </a:fillRef>
+          <a:effectRef idx="0">
+            <a:schemeClr val="accent1"/>
+          </a:effectRef>
+          <a:fontRef idx="minor">
+            <a:schemeClr val="lt1"/>
+          </a:fontRef>
+        </p:style>
+        <p:txBody>
+          <a:bodyPr rtlCol="0" anchor="ctr"/>
+          <a:lstStyle/>
+          <a:p>
+            <a:pPr algn="ctr"/>
+            <a:r>
+              <a:rPr lang="en-IN"/>
+              <a:t>User Database</a:t>
+            </a:r>
+          </a:p>
+        </p:txBody>
+      </p:sp>
+      <p:cxnSp>
+        <p:nvCxnSpPr>
+          <p:cNvPr id="72" name="Straight Connector 71">
+            <a:extLst>
+              <a:ext uri="{FF2B5EF4-FFF2-40B4-BE49-F238E27FC236}">
+                <a16:creationId xmlns:a16="http://schemas.microsoft.com/office/drawing/2014/main" id="{908D1027-8191-4C0A-8C25-5BE921BB130E}"/>
+              </a:ext>
+            </a:extLst>
+          </p:cNvPr>
+          <p:cNvCxnSpPr>
+            <a:cxnSpLocks/>
+          </p:cNvCxnSpPr>
+          <p:nvPr/>
+        </p:nvCxnSpPr>
+        <p:spPr>
+          <a:xfrm flipH="1">
+            <a:off x="7063387" y="1425976"/>
+            <a:ext cx="4280721" cy="0"/>
+          </a:xfrm>
+          <a:prstGeom prst="line">
+            <a:avLst/>
+          </a:prstGeom>
+        </p:spPr>
+        <p:style>
+          <a:lnRef idx="1">
+            <a:schemeClr val="accent1"/>
+          </a:lnRef>
+          <a:fillRef idx="0">
+            <a:schemeClr val="accent1"/>
+          </a:fillRef>
+          <a:effectRef idx="0">
+            <a:schemeClr val="accent1"/>
+          </a:effectRef>
+          <a:fontRef idx="minor">
+            <a:schemeClr val="tx1"/>
+          </a:fontRef>
+        </p:style>
+      </p:cxnSp>
+      <p:pic>
+        <p:nvPicPr>
+          <p:cNvPr id="5" name="Picture 4">
+            <a:extLst>
+              <a:ext uri="{FF2B5EF4-FFF2-40B4-BE49-F238E27FC236}">
+                <a16:creationId xmlns:a16="http://schemas.microsoft.com/office/drawing/2014/main" id="{5D6F76C1-1819-43AA-897E-41ECE2858342}"/>
+              </a:ext>
+            </a:extLst>
+          </p:cNvPr>
+          <p:cNvPicPr>
+            <a:picLocks noChangeAspect="1"/>
+          </p:cNvPicPr>
+          <p:nvPr/>
+        </p:nvPicPr>
+        <p:blipFill>
+          <a:blip r:embed="rId2">
+            <a:extLst>
+              <a:ext uri="{28A0092B-C50C-407E-A947-70E740481C1C}">
+                <a14:useLocalDpi xmlns:a14="http://schemas.microsoft.com/office/drawing/2010/main" val="0"/>
+              </a:ext>
+            </a:extLst>
+          </a:blip>
+          <a:stretch>
+            <a:fillRect/>
+          </a:stretch>
+        </p:blipFill>
+        <p:spPr>
+          <a:xfrm>
+            <a:off x="600189" y="1730648"/>
+            <a:ext cx="5168407" cy="3396704"/>
+          </a:xfrm>
+          <a:prstGeom prst="rect">
+            <a:avLst/>
+          </a:prstGeom>
+        </p:spPr>
+      </p:pic>
+    </p:spTree>
+    <p:extLst>
+      <p:ext uri="{BB962C8B-B14F-4D97-AF65-F5344CB8AC3E}">
+        <p14:creationId xmlns:p14="http://schemas.microsoft.com/office/powerpoint/2010/main" val="3958251561"/>
+      </p:ext>
+    </p:extLst>
+  </p:cSld>
+  <p:clrMapOvr>
+    <a:masterClrMapping/>
+  </p:clrMapOvr>
+</p:sld>
+</file>
+
+<file path=ppt/slides/slide16.xml><?xml version="1.0" encoding="utf-8"?>
+<p:sld xmlns:a="http://schemas.openxmlformats.org/drawingml/2006/main" xmlns:r="http://schemas.openxmlformats.org/officeDocument/2006/relationships" xmlns:p="http://schemas.openxmlformats.org/presentationml/2006/main">
+  <p:cSld>
+    <p:spTree>
+      <p:nvGrpSpPr>
+        <p:cNvPr id="1" name=""/>
+        <p:cNvGrpSpPr/>
+        <p:nvPr/>
+      </p:nvGrpSpPr>
+      <p:grpSpPr>
+        <a:xfrm>
+          <a:off x="0" y="0"/>
+          <a:ext cx="0" cy="0"/>
+          <a:chOff x="0" y="0"/>
+          <a:chExt cx="0" cy="0"/>
+        </a:xfrm>
+      </p:grpSpPr>
+      <p:sp>
+        <p:nvSpPr>
+          <p:cNvPr id="2" name="Title 1">
+            <a:extLst>
+              <a:ext uri="{FF2B5EF4-FFF2-40B4-BE49-F238E27FC236}">
+                <a16:creationId xmlns:a16="http://schemas.microsoft.com/office/drawing/2014/main" id="{A590A318-7262-1601-7CB8-7DF85E6D77DC}"/>
+              </a:ext>
+            </a:extLst>
+          </p:cNvPr>
+          <p:cNvSpPr>
+            <a:spLocks noGrp="1"/>
+          </p:cNvSpPr>
+          <p:nvPr>
+            <p:ph type="title"/>
+          </p:nvPr>
+        </p:nvSpPr>
+        <p:spPr/>
+        <p:txBody>
+          <a:bodyPr>
+            <a:normAutofit/>
+          </a:bodyPr>
+          <a:lstStyle/>
+          <a:p>
+            <a:r>
+              <a:rPr lang="en-US" sz="4000" b="1" dirty="0">
+                <a:solidFill>
+                  <a:schemeClr val="accent1">
+                    <a:lumMod val="60000"/>
+                    <a:lumOff val="40000"/>
+                  </a:schemeClr>
+                </a:solidFill>
+                <a:effectLst>
+                  <a:outerShdw blurRad="38100" dist="38100" dir="2700000" algn="tl">
+                    <a:srgbClr val="000000">
+                      <a:alpha val="43137"/>
+                    </a:srgbClr>
+                  </a:outerShdw>
+                </a:effectLst>
+                <a:latin typeface="Arial Black" panose="020B0A04020102020204" pitchFamily="34" charset="0"/>
+                <a:ea typeface="+mn-ea"/>
+                <a:cs typeface="+mn-cs"/>
+              </a:rPr>
+              <a:t>Expected</a:t>
+            </a:r>
+            <a:r>
+              <a:rPr lang="en-US" sz="4000" b="1" dirty="0">
+                <a:solidFill>
+                  <a:prstClr val="black"/>
+                </a:solidFill>
+                <a:effectLst>
+                  <a:outerShdw blurRad="38100" dist="38100" dir="2700000" algn="tl">
+                    <a:srgbClr val="000000">
+                      <a:alpha val="43137"/>
+                    </a:srgbClr>
+                  </a:outerShdw>
+                </a:effectLst>
+                <a:ea typeface="+mn-ea"/>
+                <a:cs typeface="+mn-cs"/>
+              </a:rPr>
+              <a:t> </a:t>
+            </a:r>
+            <a:r>
+              <a:rPr lang="en-US" sz="4000" b="1" dirty="0">
+                <a:solidFill>
+                  <a:schemeClr val="accent1">
+                    <a:lumMod val="60000"/>
+                    <a:lumOff val="40000"/>
+                  </a:schemeClr>
+                </a:solidFill>
+                <a:effectLst>
+                  <a:outerShdw blurRad="38100" dist="38100" dir="2700000" algn="tl">
+                    <a:srgbClr val="000000">
+                      <a:alpha val="43137"/>
+                    </a:srgbClr>
+                  </a:outerShdw>
+                </a:effectLst>
+                <a:latin typeface="Arial Black" panose="020B0A04020102020204" pitchFamily="34" charset="0"/>
+                <a:ea typeface="+mn-ea"/>
+                <a:cs typeface="+mn-cs"/>
+              </a:rPr>
+              <a:t>outcomes</a:t>
+            </a:r>
+            <a:endParaRPr lang="en-IN" sz="4000" b="1" dirty="0">
+              <a:solidFill>
+                <a:schemeClr val="accent1">
+                  <a:lumMod val="60000"/>
+                  <a:lumOff val="40000"/>
+                </a:schemeClr>
+              </a:solidFill>
+              <a:effectLst>
+                <a:outerShdw blurRad="38100" dist="38100" dir="2700000" algn="tl">
+                  <a:srgbClr val="000000">
+                    <a:alpha val="43137"/>
+                  </a:srgbClr>
+                </a:outerShdw>
+              </a:effectLst>
+              <a:latin typeface="Arial Black" panose="020B0A04020102020204" pitchFamily="34" charset="0"/>
+              <a:ea typeface="+mn-ea"/>
+              <a:cs typeface="+mn-cs"/>
+            </a:endParaRPr>
+          </a:p>
+        </p:txBody>
+      </p:sp>
+      <p:sp>
+        <p:nvSpPr>
+          <p:cNvPr id="3" name="Content Placeholder 2">
+            <a:extLst>
+              <a:ext uri="{FF2B5EF4-FFF2-40B4-BE49-F238E27FC236}">
+                <a16:creationId xmlns:a16="http://schemas.microsoft.com/office/drawing/2014/main" id="{90AA5080-CE76-D1DF-858C-E3EB05B9A34E}"/>
+              </a:ext>
+            </a:extLst>
+          </p:cNvPr>
+          <p:cNvSpPr>
+            <a:spLocks noGrp="1"/>
+          </p:cNvSpPr>
+          <p:nvPr>
+            <p:ph idx="1"/>
+          </p:nvPr>
+        </p:nvSpPr>
+        <p:spPr>
+          <a:xfrm>
+            <a:off x="681446" y="1690688"/>
+            <a:ext cx="11353800" cy="4499338"/>
+          </a:xfrm>
+        </p:spPr>
+        <p:txBody>
+          <a:bodyPr>
+            <a:noAutofit/>
+          </a:bodyPr>
+          <a:lstStyle/>
+          <a:p>
+            <a:r>
+              <a:rPr lang="en-US" dirty="0"/>
+              <a:t>Enhanced Customer Management:</a:t>
+            </a:r>
+          </a:p>
+          <a:p>
+            <a:pPr lvl="1"/>
+            <a:r>
+              <a:rPr lang="en-US" dirty="0" err="1"/>
+              <a:t>FitHub</a:t>
+            </a:r>
+            <a:r>
+              <a:rPr lang="en-US" dirty="0"/>
+              <a:t> enables efficient tracking of customer details, subscriptions, and communication history, improving overall customer relationship management.</a:t>
+            </a:r>
+          </a:p>
+          <a:p>
+            <a:r>
+              <a:rPr lang="en-US" dirty="0"/>
+              <a:t>Real-Time Engagement:</a:t>
+            </a:r>
+          </a:p>
+          <a:p>
+            <a:pPr lvl="1"/>
+            <a:r>
+              <a:rPr lang="en-US" dirty="0"/>
+              <a:t>Instant messaging with customers enhances satisfaction&amp; better customer retention.</a:t>
+            </a:r>
+          </a:p>
+          <a:p>
+            <a:r>
+              <a:rPr lang="en-US" dirty="0"/>
+              <a:t>Streamlined Operations:</a:t>
+            </a:r>
+          </a:p>
+          <a:p>
+            <a:pPr lvl="1"/>
+            <a:r>
+              <a:rPr lang="en-US" dirty="0"/>
+              <a:t>The all-in-one platform reduced the need for multiple tools simplifying workflows.</a:t>
+            </a:r>
+          </a:p>
+          <a:p>
+            <a:r>
+              <a:rPr lang="en-US" dirty="0"/>
+              <a:t>Scalability:</a:t>
+            </a:r>
+          </a:p>
+          <a:p>
+            <a:pPr lvl="1"/>
+            <a:r>
+              <a:rPr lang="en-US" dirty="0"/>
+              <a:t>Designed on the MERN stack, the system can scale to handle more users and data as the business grows, ensuring long-term usability.</a:t>
+            </a:r>
+            <a:endParaRPr lang="en-US" sz="1600" dirty="0"/>
+          </a:p>
+          <a:p>
+            <a:endParaRPr lang="en-US" sz="2400" dirty="0"/>
+          </a:p>
+          <a:p>
+            <a:pPr marL="457200" lvl="1" indent="0">
+              <a:buNone/>
+            </a:pPr>
+            <a:endParaRPr lang="en-IN" sz="2200" dirty="0">
+              <a:solidFill>
+                <a:srgbClr val="C00000"/>
+              </a:solidFill>
+            </a:endParaRPr>
+          </a:p>
+          <a:p>
+            <a:pPr marL="0" indent="0">
+              <a:buNone/>
+            </a:pPr>
+            <a:endParaRPr lang="en-IN" dirty="0">
+              <a:solidFill>
+                <a:srgbClr val="C00000"/>
+              </a:solidFill>
+            </a:endParaRPr>
+          </a:p>
+        </p:txBody>
+      </p:sp>
+    </p:spTree>
+    <p:extLst>
+      <p:ext uri="{BB962C8B-B14F-4D97-AF65-F5344CB8AC3E}">
+        <p14:creationId xmlns:p14="http://schemas.microsoft.com/office/powerpoint/2010/main" val="1542335938"/>
+      </p:ext>
+    </p:extLst>
+  </p:cSld>
+  <p:clrMapOvr>
+    <a:masterClrMapping/>
+  </p:clrMapOvr>
+</p:sld>
+</file>
+
+<file path=ppt/slides/slide17.xml><?xml version="1.0" encoding="utf-8"?>
+<p:sld xmlns:a="http://schemas.openxmlformats.org/drawingml/2006/main" xmlns:r="http://schemas.openxmlformats.org/officeDocument/2006/relationships" xmlns:p="http://schemas.openxmlformats.org/presentationml/2006/main">
+  <p:cSld>
+    <p:spTree>
+      <p:nvGrpSpPr>
+        <p:cNvPr id="1" name=""/>
+        <p:cNvGrpSpPr/>
+        <p:nvPr/>
+      </p:nvGrpSpPr>
+      <p:grpSpPr>
+        <a:xfrm>
+          <a:off x="0" y="0"/>
+          <a:ext cx="0" cy="0"/>
+          <a:chOff x="0" y="0"/>
+          <a:chExt cx="0" cy="0"/>
+        </a:xfrm>
+      </p:grpSpPr>
+      <p:sp>
+        <p:nvSpPr>
+          <p:cNvPr id="2" name="Title 1">
+            <a:extLst>
+              <a:ext uri="{FF2B5EF4-FFF2-40B4-BE49-F238E27FC236}">
+                <a16:creationId xmlns:a16="http://schemas.microsoft.com/office/drawing/2014/main" id="{78355AA3-C433-41F8-B0D5-193424A6CE5F}"/>
+              </a:ext>
+            </a:extLst>
+          </p:cNvPr>
+          <p:cNvSpPr>
+            <a:spLocks noGrp="1"/>
+          </p:cNvSpPr>
+          <p:nvPr>
+            <p:ph type="title"/>
+          </p:nvPr>
+        </p:nvSpPr>
+        <p:spPr>
+          <a:xfrm>
+            <a:off x="838200" y="365125"/>
+            <a:ext cx="2720926" cy="965167"/>
+          </a:xfrm>
+        </p:spPr>
+        <p:txBody>
+          <a:bodyPr>
+            <a:normAutofit/>
+          </a:bodyPr>
+          <a:lstStyle/>
+          <a:p>
+            <a:r>
+              <a:rPr lang="en-US" sz="4000" b="1" dirty="0">
+                <a:solidFill>
+                  <a:schemeClr val="accent1">
+                    <a:lumMod val="60000"/>
+                    <a:lumOff val="40000"/>
+                  </a:schemeClr>
+                </a:solidFill>
+                <a:effectLst>
+                  <a:outerShdw blurRad="38100" dist="38100" dir="2700000" algn="tl">
+                    <a:srgbClr val="000000">
+                      <a:alpha val="43137"/>
+                    </a:srgbClr>
+                  </a:outerShdw>
+                </a:effectLst>
+                <a:latin typeface="Arial Black" panose="020B0A04020102020204" pitchFamily="34" charset="0"/>
+                <a:ea typeface="+mn-ea"/>
+                <a:cs typeface="+mn-cs"/>
+              </a:rPr>
+              <a:t>Pages</a:t>
+            </a:r>
+            <a:endParaRPr lang="en-IN" sz="4000" b="1" dirty="0">
+              <a:solidFill>
+                <a:schemeClr val="accent1">
+                  <a:lumMod val="60000"/>
+                  <a:lumOff val="40000"/>
+                </a:schemeClr>
+              </a:solidFill>
+              <a:effectLst>
+                <a:outerShdw blurRad="38100" dist="38100" dir="2700000" algn="tl">
+                  <a:srgbClr val="000000">
+                    <a:alpha val="43137"/>
+                  </a:srgbClr>
+                </a:outerShdw>
+              </a:effectLst>
+              <a:latin typeface="Arial Black" panose="020B0A04020102020204" pitchFamily="34" charset="0"/>
+              <a:ea typeface="+mn-ea"/>
+              <a:cs typeface="+mn-cs"/>
+            </a:endParaRPr>
+          </a:p>
+        </p:txBody>
+      </p:sp>
+      <p:pic>
+        <p:nvPicPr>
+          <p:cNvPr id="7" name="Picture 6">
+            <a:extLst>
+              <a:ext uri="{FF2B5EF4-FFF2-40B4-BE49-F238E27FC236}">
+                <a16:creationId xmlns:a16="http://schemas.microsoft.com/office/drawing/2014/main" id="{3FAF0F25-591D-4CD0-9CA2-26C5775571F8}"/>
+              </a:ext>
+            </a:extLst>
+          </p:cNvPr>
+          <p:cNvPicPr>
+            <a:picLocks noChangeAspect="1"/>
+          </p:cNvPicPr>
+          <p:nvPr/>
+        </p:nvPicPr>
+        <p:blipFill>
+          <a:blip r:embed="rId2">
+            <a:extLst>
+              <a:ext uri="{28A0092B-C50C-407E-A947-70E740481C1C}">
+                <a14:useLocalDpi xmlns:a14="http://schemas.microsoft.com/office/drawing/2010/main" val="0"/>
+              </a:ext>
+            </a:extLst>
+          </a:blip>
+          <a:stretch>
+            <a:fillRect/>
+          </a:stretch>
+        </p:blipFill>
+        <p:spPr>
+          <a:xfrm>
+            <a:off x="253532" y="1910386"/>
+            <a:ext cx="6760806" cy="3801097"/>
+          </a:xfrm>
+          <a:prstGeom prst="rect">
+            <a:avLst/>
+          </a:prstGeom>
+          <a:ln>
+            <a:noFill/>
+          </a:ln>
+          <a:effectLst>
+            <a:outerShdw blurRad="292100" dist="139700" dir="2700000" algn="tl" rotWithShape="0">
+              <a:srgbClr val="333333">
+                <a:alpha val="65000"/>
+              </a:srgbClr>
+            </a:outerShdw>
+          </a:effectLst>
+        </p:spPr>
+      </p:pic>
+      <p:pic>
+        <p:nvPicPr>
+          <p:cNvPr id="9" name="Picture 8">
+            <a:extLst>
+              <a:ext uri="{FF2B5EF4-FFF2-40B4-BE49-F238E27FC236}">
+                <a16:creationId xmlns:a16="http://schemas.microsoft.com/office/drawing/2014/main" id="{340EF58E-A7BA-4533-AD90-14A939A6CD5D}"/>
+              </a:ext>
+            </a:extLst>
+          </p:cNvPr>
+          <p:cNvPicPr>
+            <a:picLocks noChangeAspect="1"/>
+          </p:cNvPicPr>
+          <p:nvPr/>
+        </p:nvPicPr>
+        <p:blipFill>
+          <a:blip r:embed="rId3">
+            <a:extLst>
+              <a:ext uri="{28A0092B-C50C-407E-A947-70E740481C1C}">
+                <a14:useLocalDpi xmlns:a14="http://schemas.microsoft.com/office/drawing/2010/main" val="0"/>
+              </a:ext>
+            </a:extLst>
+          </a:blip>
+          <a:stretch>
+            <a:fillRect/>
+          </a:stretch>
+        </p:blipFill>
+        <p:spPr>
+          <a:xfrm>
+            <a:off x="7661656" y="365126"/>
+            <a:ext cx="3430939" cy="1738688"/>
+          </a:xfrm>
+          <a:prstGeom prst="rect">
+            <a:avLst/>
+          </a:prstGeom>
+        </p:spPr>
+      </p:pic>
+      <p:grpSp>
+        <p:nvGrpSpPr>
+          <p:cNvPr id="13" name="Group 12">
+            <a:extLst>
+              <a:ext uri="{FF2B5EF4-FFF2-40B4-BE49-F238E27FC236}">
+                <a16:creationId xmlns:a16="http://schemas.microsoft.com/office/drawing/2014/main" id="{E0EC312B-BEA4-409A-8D80-595ED6D43CD8}"/>
+              </a:ext>
+            </a:extLst>
+          </p:cNvPr>
+          <p:cNvGrpSpPr/>
+          <p:nvPr/>
+        </p:nvGrpSpPr>
+        <p:grpSpPr>
+          <a:xfrm>
+            <a:off x="7665289" y="2365456"/>
+            <a:ext cx="3430939" cy="1830070"/>
+            <a:chOff x="3260985" y="145387"/>
+            <a:chExt cx="4132120" cy="2376576"/>
+          </a:xfrm>
+        </p:grpSpPr>
+        <p:pic>
+          <p:nvPicPr>
+            <p:cNvPr id="11" name="Picture 10">
+              <a:extLst>
+                <a:ext uri="{FF2B5EF4-FFF2-40B4-BE49-F238E27FC236}">
+                  <a16:creationId xmlns:a16="http://schemas.microsoft.com/office/drawing/2014/main" id="{EDB80E53-2157-4CC0-8E27-17B99BAC2588}"/>
+                </a:ext>
+              </a:extLst>
+            </p:cNvPr>
+            <p:cNvPicPr>
+              <a:picLocks noChangeAspect="1"/>
+            </p:cNvPicPr>
+            <p:nvPr/>
+          </p:nvPicPr>
+          <p:blipFill>
+            <a:blip r:embed="rId4">
+              <a:extLst>
+                <a:ext uri="{28A0092B-C50C-407E-A947-70E740481C1C}">
+                  <a14:useLocalDpi xmlns:a14="http://schemas.microsoft.com/office/drawing/2010/main" val="0"/>
+                </a:ext>
+              </a:extLst>
+            </a:blip>
+            <a:stretch>
+              <a:fillRect/>
+            </a:stretch>
+          </p:blipFill>
+          <p:spPr>
+            <a:xfrm>
+              <a:off x="3260985" y="145387"/>
+              <a:ext cx="4132120" cy="1896952"/>
+            </a:xfrm>
+            <a:prstGeom prst="rect">
+              <a:avLst/>
+            </a:prstGeom>
+          </p:spPr>
+        </p:pic>
+        <p:sp>
+          <p:nvSpPr>
+            <p:cNvPr id="12" name="TextBox 11">
+              <a:extLst>
+                <a:ext uri="{FF2B5EF4-FFF2-40B4-BE49-F238E27FC236}">
+                  <a16:creationId xmlns:a16="http://schemas.microsoft.com/office/drawing/2014/main" id="{4866ED36-EC75-485F-B5F2-8096666542E4}"/>
+                </a:ext>
+              </a:extLst>
+            </p:cNvPr>
+            <p:cNvSpPr txBox="1"/>
+            <p:nvPr/>
+          </p:nvSpPr>
+          <p:spPr>
+            <a:xfrm>
+              <a:off x="3752398" y="2042339"/>
+              <a:ext cx="3356384" cy="479624"/>
+            </a:xfrm>
+            <a:prstGeom prst="rect">
+              <a:avLst/>
+            </a:prstGeom>
+            <a:noFill/>
+          </p:spPr>
+          <p:txBody>
+            <a:bodyPr wrap="square" rtlCol="0">
+              <a:spAutoFit/>
+            </a:bodyPr>
+            <a:lstStyle/>
+            <a:p>
+              <a:r>
+                <a:rPr lang="en-US" b="1">
+                  <a:effectLst>
+                    <a:outerShdw blurRad="38100" dist="38100" dir="2700000" algn="tl">
+                      <a:srgbClr val="000000">
+                        <a:alpha val="43137"/>
+                      </a:srgbClr>
+                    </a:outerShdw>
+                  </a:effectLst>
+                </a:rPr>
+                <a:t>Messaging </a:t>
+              </a:r>
+              <a:r>
+                <a:rPr lang="en-US" b="1" dirty="0">
+                  <a:effectLst>
+                    <a:outerShdw blurRad="38100" dist="38100" dir="2700000" algn="tl">
+                      <a:srgbClr val="000000">
+                        <a:alpha val="43137"/>
+                      </a:srgbClr>
+                    </a:outerShdw>
+                  </a:effectLst>
+                </a:rPr>
+                <a:t>Service</a:t>
+              </a:r>
+              <a:endParaRPr lang="en-IN" b="1" dirty="0">
+                <a:effectLst>
+                  <a:outerShdw blurRad="38100" dist="38100" dir="2700000" algn="tl">
+                    <a:srgbClr val="000000">
+                      <a:alpha val="43137"/>
+                    </a:srgbClr>
+                  </a:outerShdw>
+                </a:effectLst>
+              </a:endParaRPr>
+            </a:p>
+          </p:txBody>
+        </p:sp>
+      </p:grpSp>
+      <p:pic>
+        <p:nvPicPr>
+          <p:cNvPr id="15" name="Picture 14">
+            <a:extLst>
+              <a:ext uri="{FF2B5EF4-FFF2-40B4-BE49-F238E27FC236}">
+                <a16:creationId xmlns:a16="http://schemas.microsoft.com/office/drawing/2014/main" id="{A38F5EF6-542F-473F-938E-5FE2750F0EC0}"/>
+              </a:ext>
+            </a:extLst>
+          </p:cNvPr>
+          <p:cNvPicPr>
+            <a:picLocks noChangeAspect="1"/>
+          </p:cNvPicPr>
+          <p:nvPr/>
+        </p:nvPicPr>
+        <p:blipFill>
+          <a:blip r:embed="rId5"/>
+          <a:stretch>
+            <a:fillRect/>
+          </a:stretch>
+        </p:blipFill>
+        <p:spPr>
+          <a:xfrm>
+            <a:off x="7661656" y="4406287"/>
+            <a:ext cx="3508092" cy="1623047"/>
+          </a:xfrm>
+          <a:prstGeom prst="rect">
+            <a:avLst/>
+          </a:prstGeom>
+        </p:spPr>
+      </p:pic>
+    </p:spTree>
+    <p:extLst>
+      <p:ext uri="{BB962C8B-B14F-4D97-AF65-F5344CB8AC3E}">
+        <p14:creationId xmlns:p14="http://schemas.microsoft.com/office/powerpoint/2010/main" val="3231259596"/>
+      </p:ext>
+    </p:extLst>
+  </p:cSld>
+  <p:clrMapOvr>
+    <a:masterClrMapping/>
+  </p:clrMapOvr>
+</p:sld>
+</file>
+
+<file path=ppt/slides/slide18.xml><?xml version="1.0" encoding="utf-8"?>
+<p:sld xmlns:a="http://schemas.openxmlformats.org/drawingml/2006/main" xmlns:r="http://schemas.openxmlformats.org/officeDocument/2006/relationships" xmlns:p="http://schemas.openxmlformats.org/presentationml/2006/main">
+  <p:cSld>
+    <p:spTree>
+      <p:nvGrpSpPr>
+        <p:cNvPr id="1" name=""/>
+        <p:cNvGrpSpPr/>
+        <p:nvPr/>
+      </p:nvGrpSpPr>
+      <p:grpSpPr>
+        <a:xfrm>
+          <a:off x="0" y="0"/>
+          <a:ext cx="0" cy="0"/>
+          <a:chOff x="0" y="0"/>
+          <a:chExt cx="0" cy="0"/>
+        </a:xfrm>
+      </p:grpSpPr>
+      <p:pic>
+        <p:nvPicPr>
+          <p:cNvPr id="15" name="Picture 14">
+            <a:extLst>
+              <a:ext uri="{FF2B5EF4-FFF2-40B4-BE49-F238E27FC236}">
+                <a16:creationId xmlns:a16="http://schemas.microsoft.com/office/drawing/2014/main" id="{6C634B0C-6A31-4873-974E-0C3888313A3E}"/>
+              </a:ext>
+            </a:extLst>
+          </p:cNvPr>
+          <p:cNvPicPr>
+            <a:picLocks noChangeAspect="1"/>
+          </p:cNvPicPr>
+          <p:nvPr/>
+        </p:nvPicPr>
+        <p:blipFill>
+          <a:blip r:embed="rId3">
+            <a:extLst>
+              <a:ext uri="{28A0092B-C50C-407E-A947-70E740481C1C}">
+                <a14:useLocalDpi xmlns:a14="http://schemas.microsoft.com/office/drawing/2010/main" val="0"/>
+              </a:ext>
+            </a:extLst>
+          </a:blip>
+          <a:stretch>
+            <a:fillRect/>
+          </a:stretch>
+        </p:blipFill>
+        <p:spPr>
+          <a:xfrm>
+            <a:off x="7013196" y="847289"/>
+            <a:ext cx="4649758" cy="2886512"/>
+          </a:xfrm>
+          <a:prstGeom prst="rect">
+            <a:avLst/>
+          </a:prstGeom>
+          <a:ln>
+            <a:noFill/>
+          </a:ln>
+          <a:effectLst>
+            <a:softEdge rad="112500"/>
+          </a:effectLst>
+        </p:spPr>
+      </p:pic>
+      <p:sp>
+        <p:nvSpPr>
+          <p:cNvPr id="2" name="Title 1">
+            <a:extLst>
+              <a:ext uri="{FF2B5EF4-FFF2-40B4-BE49-F238E27FC236}">
+                <a16:creationId xmlns:a16="http://schemas.microsoft.com/office/drawing/2014/main" id="{A590A318-7262-1601-7CB8-7DF85E6D77DC}"/>
+              </a:ext>
+            </a:extLst>
+          </p:cNvPr>
+          <p:cNvSpPr>
+            <a:spLocks noGrp="1"/>
+          </p:cNvSpPr>
+          <p:nvPr>
+            <p:ph type="title"/>
+          </p:nvPr>
+        </p:nvSpPr>
+        <p:spPr/>
+        <p:txBody>
+          <a:bodyPr>
+            <a:normAutofit/>
+          </a:bodyPr>
+          <a:lstStyle/>
+          <a:p>
+            <a:r>
+              <a:rPr lang="en-US" sz="4000" b="1" dirty="0">
+                <a:solidFill>
+                  <a:schemeClr val="accent1">
+                    <a:lumMod val="60000"/>
+                    <a:lumOff val="40000"/>
+                  </a:schemeClr>
+                </a:solidFill>
+                <a:latin typeface="Arial Black" panose="020B0A04020102020204" pitchFamily="34" charset="0"/>
+                <a:ea typeface="+mn-ea"/>
+                <a:cs typeface="+mn-cs"/>
+              </a:rPr>
+              <a:t>Challenges</a:t>
+            </a:r>
+            <a:r>
+              <a:rPr lang="en-US" sz="4000" b="1" dirty="0">
+                <a:solidFill>
+                  <a:prstClr val="black"/>
+                </a:solidFill>
+                <a:ea typeface="+mn-ea"/>
+                <a:cs typeface="+mn-cs"/>
+              </a:rPr>
+              <a:t> </a:t>
+            </a:r>
+            <a:r>
+              <a:rPr lang="en-US" sz="4000" b="1" dirty="0">
+                <a:solidFill>
+                  <a:schemeClr val="accent1">
+                    <a:lumMod val="60000"/>
+                    <a:lumOff val="40000"/>
+                  </a:schemeClr>
+                </a:solidFill>
+                <a:latin typeface="Arial Black" panose="020B0A04020102020204" pitchFamily="34" charset="0"/>
+                <a:ea typeface="+mn-ea"/>
+                <a:cs typeface="+mn-cs"/>
+              </a:rPr>
+              <a:t>Faced</a:t>
+            </a:r>
+          </a:p>
+        </p:txBody>
+      </p:sp>
+      <p:sp>
+        <p:nvSpPr>
+          <p:cNvPr id="3" name="Content Placeholder 2">
+            <a:extLst>
+              <a:ext uri="{FF2B5EF4-FFF2-40B4-BE49-F238E27FC236}">
+                <a16:creationId xmlns:a16="http://schemas.microsoft.com/office/drawing/2014/main" id="{90AA5080-CE76-D1DF-858C-E3EB05B9A34E}"/>
+              </a:ext>
+            </a:extLst>
+          </p:cNvPr>
+          <p:cNvSpPr>
+            <a:spLocks noGrp="1"/>
+          </p:cNvSpPr>
+          <p:nvPr>
+            <p:ph idx="1"/>
+          </p:nvPr>
+        </p:nvSpPr>
+        <p:spPr>
+          <a:xfrm>
+            <a:off x="681446" y="1690688"/>
+            <a:ext cx="10073240" cy="4499338"/>
+          </a:xfrm>
+        </p:spPr>
+        <p:txBody>
+          <a:bodyPr>
+            <a:noAutofit/>
+          </a:bodyPr>
+          <a:lstStyle/>
+          <a:p>
+            <a:r>
+              <a:rPr lang="en-US" dirty="0"/>
+              <a:t>Real-Time Messaging: </a:t>
+            </a:r>
+          </a:p>
+          <a:p>
+            <a:pPr lvl="1"/>
+            <a:r>
+              <a:rPr lang="en-US" dirty="0"/>
+              <a:t>Ensuring fast and reliable </a:t>
+            </a:r>
+            <a:r>
+              <a:rPr lang="en-US"/>
+              <a:t>message delivery.</a:t>
+            </a:r>
+            <a:endParaRPr lang="en-US" dirty="0"/>
+          </a:p>
+          <a:p>
+            <a:r>
+              <a:rPr lang="en-US" dirty="0"/>
+              <a:t>Subscription Complexity:</a:t>
+            </a:r>
+          </a:p>
+          <a:p>
+            <a:pPr lvl="1"/>
+            <a:r>
+              <a:rPr lang="en-US" dirty="0"/>
+              <a:t> Managing diverse subscription models and integrating them with user profiles in a seamless way.</a:t>
+            </a:r>
+          </a:p>
+          <a:p>
+            <a:r>
+              <a:rPr lang="en-US" dirty="0"/>
+              <a:t>Data Synchronization: </a:t>
+            </a:r>
+          </a:p>
+          <a:p>
+            <a:pPr lvl="1"/>
+            <a:r>
+              <a:rPr lang="en-US" dirty="0"/>
+              <a:t>Keeping data up-to-date across the platform in real-time, especially for subscriptions and customer interactions.</a:t>
+            </a:r>
+          </a:p>
+          <a:p>
+            <a:r>
+              <a:rPr lang="en-US" dirty="0"/>
+              <a:t>Scalability: </a:t>
+            </a:r>
+          </a:p>
+          <a:p>
+            <a:pPr lvl="1"/>
+            <a:r>
+              <a:rPr lang="en-US" dirty="0"/>
+              <a:t>Designing the system to handle increasing user base and data without performance issues.</a:t>
+            </a:r>
+          </a:p>
+          <a:p>
+            <a:endParaRPr lang="en-US" dirty="0"/>
+          </a:p>
+          <a:p>
+            <a:pPr marL="457200" lvl="1" indent="0">
+              <a:buNone/>
+            </a:pPr>
+            <a:endParaRPr lang="en-IN" sz="2200" dirty="0">
+              <a:solidFill>
+                <a:srgbClr val="C00000"/>
+              </a:solidFill>
+            </a:endParaRPr>
+          </a:p>
+          <a:p>
+            <a:pPr marL="0" indent="0">
+              <a:buNone/>
+            </a:pPr>
+            <a:endParaRPr lang="en-IN" dirty="0">
+              <a:solidFill>
+                <a:srgbClr val="C00000"/>
+              </a:solidFill>
+            </a:endParaRPr>
+          </a:p>
+        </p:txBody>
+      </p:sp>
+    </p:spTree>
+    <p:extLst>
+      <p:ext uri="{BB962C8B-B14F-4D97-AF65-F5344CB8AC3E}">
+        <p14:creationId xmlns:p14="http://schemas.microsoft.com/office/powerpoint/2010/main" val="401332182"/>
+      </p:ext>
+    </p:extLst>
+  </p:cSld>
+  <p:clrMapOvr>
+    <a:overrideClrMapping bg1="lt1" tx1="dk1" bg2="lt2" tx2="dk2" accent1="accent1" accent2="accent2" accent3="accent3" accent4="accent4" accent5="accent5" accent6="accent6" hlink="hlink" folHlink="folHlink"/>
+  </p:clrMapOvr>
+</p:sld>
+</file>
+
+<file path=ppt/slides/slide19.xml><?xml version="1.0" encoding="utf-8"?>
+<p:sld xmlns:a="http://schemas.openxmlformats.org/drawingml/2006/main" xmlns:r="http://schemas.openxmlformats.org/officeDocument/2006/relationships" xmlns:p="http://schemas.openxmlformats.org/presentationml/2006/main">
+  <p:cSld>
+    <p:spTree>
+      <p:nvGrpSpPr>
+        <p:cNvPr id="1" name=""/>
+        <p:cNvGrpSpPr/>
+        <p:nvPr/>
+      </p:nvGrpSpPr>
+      <p:grpSpPr>
+        <a:xfrm>
+          <a:off x="0" y="0"/>
+          <a:ext cx="0" cy="0"/>
+          <a:chOff x="0" y="0"/>
+          <a:chExt cx="0" cy="0"/>
+        </a:xfrm>
+      </p:grpSpPr>
+      <p:sp>
+        <p:nvSpPr>
+          <p:cNvPr id="2" name="Title 1">
+            <a:extLst>
+              <a:ext uri="{FF2B5EF4-FFF2-40B4-BE49-F238E27FC236}">
+                <a16:creationId xmlns:a16="http://schemas.microsoft.com/office/drawing/2014/main" id="{A590A318-7262-1601-7CB8-7DF85E6D77DC}"/>
+              </a:ext>
+            </a:extLst>
+          </p:cNvPr>
+          <p:cNvSpPr>
+            <a:spLocks noGrp="1"/>
+          </p:cNvSpPr>
+          <p:nvPr>
+            <p:ph type="title"/>
+          </p:nvPr>
+        </p:nvSpPr>
+        <p:spPr/>
+        <p:txBody>
+          <a:bodyPr>
+            <a:normAutofit/>
+          </a:bodyPr>
+          <a:lstStyle/>
+          <a:p>
+            <a:r>
+              <a:rPr lang="en-US" sz="4000" b="1" dirty="0">
+                <a:solidFill>
+                  <a:schemeClr val="accent1">
+                    <a:lumMod val="60000"/>
+                    <a:lumOff val="40000"/>
+                  </a:schemeClr>
+                </a:solidFill>
+                <a:latin typeface="Arial Black" panose="020B0A04020102020204" pitchFamily="34" charset="0"/>
+                <a:ea typeface="+mn-ea"/>
+                <a:cs typeface="+mn-cs"/>
+              </a:rPr>
+              <a:t>Key</a:t>
+            </a:r>
+            <a:r>
+              <a:rPr lang="en-US" sz="4000" b="1" dirty="0">
+                <a:solidFill>
+                  <a:prstClr val="black"/>
+                </a:solidFill>
+                <a:ea typeface="+mn-ea"/>
+                <a:cs typeface="+mn-cs"/>
+              </a:rPr>
+              <a:t> </a:t>
+            </a:r>
+            <a:r>
+              <a:rPr lang="en-US" sz="4000" b="1" dirty="0">
+                <a:solidFill>
+                  <a:schemeClr val="accent1">
+                    <a:lumMod val="60000"/>
+                    <a:lumOff val="40000"/>
+                  </a:schemeClr>
+                </a:solidFill>
+                <a:latin typeface="Arial Black" panose="020B0A04020102020204" pitchFamily="34" charset="0"/>
+                <a:ea typeface="+mn-ea"/>
+                <a:cs typeface="+mn-cs"/>
+              </a:rPr>
+              <a:t>Learnings</a:t>
+            </a:r>
+          </a:p>
+        </p:txBody>
+      </p:sp>
+      <p:sp>
+        <p:nvSpPr>
+          <p:cNvPr id="3" name="Content Placeholder 2">
+            <a:extLst>
+              <a:ext uri="{FF2B5EF4-FFF2-40B4-BE49-F238E27FC236}">
+                <a16:creationId xmlns:a16="http://schemas.microsoft.com/office/drawing/2014/main" id="{90AA5080-CE76-D1DF-858C-E3EB05B9A34E}"/>
+              </a:ext>
+            </a:extLst>
+          </p:cNvPr>
+          <p:cNvSpPr>
+            <a:spLocks noGrp="1"/>
+          </p:cNvSpPr>
+          <p:nvPr>
+            <p:ph idx="1"/>
+          </p:nvPr>
+        </p:nvSpPr>
+        <p:spPr>
+          <a:xfrm>
+            <a:off x="681446" y="1690688"/>
+            <a:ext cx="11353800" cy="4499338"/>
+          </a:xfrm>
+        </p:spPr>
+        <p:txBody>
+          <a:bodyPr>
+            <a:noAutofit/>
+          </a:bodyPr>
+          <a:lstStyle/>
+          <a:p>
+            <a:r>
+              <a:rPr lang="en-US" dirty="0"/>
+              <a:t>Real-Time Interaction:</a:t>
+            </a:r>
+          </a:p>
+          <a:p>
+            <a:pPr lvl="1"/>
+            <a:r>
+              <a:rPr lang="en-US" dirty="0"/>
+              <a:t> Adding real-time communication enhances customer engagement.</a:t>
+            </a:r>
+          </a:p>
+          <a:p>
+            <a:r>
+              <a:rPr lang="en-US" dirty="0"/>
+              <a:t>Unified Approach: </a:t>
+            </a:r>
+          </a:p>
+          <a:p>
+            <a:pPr lvl="1"/>
+            <a:r>
+              <a:rPr lang="en-US" dirty="0"/>
+              <a:t>Combining CRM, subscription management, and messaging in one system.</a:t>
+            </a:r>
+          </a:p>
+          <a:p>
+            <a:r>
+              <a:rPr lang="en-US" dirty="0"/>
+              <a:t>User-Centric Design: </a:t>
+            </a:r>
+          </a:p>
+          <a:p>
+            <a:pPr lvl="1"/>
+            <a:r>
+              <a:rPr lang="en-US" dirty="0"/>
+              <a:t>A clean, intuitive UI/UX significantly improves user adoption and reduces the learning curve for administrators.</a:t>
+            </a:r>
+          </a:p>
+          <a:p>
+            <a:r>
+              <a:rPr lang="en-US" dirty="0"/>
+              <a:t>Data Integrity:</a:t>
+            </a:r>
+          </a:p>
+          <a:p>
+            <a:pPr lvl="1"/>
+            <a:r>
+              <a:rPr lang="en-US" dirty="0"/>
+              <a:t> Ensuring accurate and consistent data flow across the platform.</a:t>
+            </a:r>
+          </a:p>
+          <a:p>
+            <a:pPr marL="457200" lvl="1" indent="0">
+              <a:buNone/>
+            </a:pPr>
+            <a:endParaRPr lang="en-IN" sz="2200" dirty="0">
+              <a:solidFill>
+                <a:srgbClr val="C00000"/>
+              </a:solidFill>
+            </a:endParaRPr>
+          </a:p>
+          <a:p>
+            <a:pPr marL="0" indent="0">
+              <a:buNone/>
+            </a:pPr>
+            <a:endParaRPr lang="en-IN" dirty="0">
+              <a:solidFill>
+                <a:srgbClr val="C00000"/>
+              </a:solidFill>
+            </a:endParaRPr>
+          </a:p>
+        </p:txBody>
+      </p:sp>
+    </p:spTree>
+    <p:extLst>
+      <p:ext uri="{BB962C8B-B14F-4D97-AF65-F5344CB8AC3E}">
+        <p14:creationId xmlns:p14="http://schemas.microsoft.com/office/powerpoint/2010/main" val="571328074"/>
+      </p:ext>
+    </p:extLst>
+  </p:cSld>
+  <p:clrMapOvr>
+    <a:masterClrMapping/>
+  </p:clrMapOvr>
+</p:sld>
+</file>
+
+<file path=ppt/slides/slide2.xml><?xml version="1.0" encoding="utf-8"?>
+<p:sld xmlns:a="http://schemas.openxmlformats.org/drawingml/2006/main" xmlns:r="http://schemas.openxmlformats.org/officeDocument/2006/relationships" xmlns:p="http://schemas.openxmlformats.org/presentationml/2006/main">
+  <p:cSld>
+    <p:spTree>
+      <p:nvGrpSpPr>
+        <p:cNvPr id="1" name=""/>
+        <p:cNvGrpSpPr/>
+        <p:nvPr/>
+      </p:nvGrpSpPr>
+      <p:grpSpPr>
+        <a:xfrm>
+          <a:off x="0" y="0"/>
+          <a:ext cx="0" cy="0"/>
+          <a:chOff x="0" y="0"/>
+          <a:chExt cx="0" cy="0"/>
+        </a:xfrm>
+      </p:grpSpPr>
+      <p:sp>
+        <p:nvSpPr>
+          <p:cNvPr id="2" name="Title 1">
+            <a:extLst>
+              <a:ext uri="{FF2B5EF4-FFF2-40B4-BE49-F238E27FC236}">
+                <a16:creationId xmlns:a16="http://schemas.microsoft.com/office/drawing/2014/main" id="{A590A318-7262-1601-7CB8-7DF85E6D77DC}"/>
+              </a:ext>
+            </a:extLst>
+          </p:cNvPr>
+          <p:cNvSpPr>
+            <a:spLocks noGrp="1"/>
+          </p:cNvSpPr>
+          <p:nvPr>
+            <p:ph type="title"/>
+          </p:nvPr>
+        </p:nvSpPr>
+        <p:spPr/>
+        <p:txBody>
+          <a:bodyPr>
+            <a:normAutofit/>
+          </a:bodyPr>
+          <a:lstStyle/>
+          <a:p>
+            <a:r>
+              <a:rPr lang="en-US" sz="4000" b="1" dirty="0">
+                <a:solidFill>
+                  <a:schemeClr val="accent1">
+                    <a:lumMod val="60000"/>
+                    <a:lumOff val="40000"/>
+                  </a:schemeClr>
+                </a:solidFill>
+                <a:effectLst>
+                  <a:outerShdw blurRad="38100" dist="38100" dir="2700000" algn="tl">
+                    <a:srgbClr val="000000">
+                      <a:alpha val="43137"/>
+                    </a:srgbClr>
+                  </a:outerShdw>
+                </a:effectLst>
+                <a:latin typeface="Arial Black" panose="020B0A04020102020204" pitchFamily="34" charset="0"/>
+                <a:ea typeface="+mn-ea"/>
+                <a:cs typeface="+mn-cs"/>
+              </a:rPr>
+              <a:t>W</a:t>
+            </a:r>
+            <a:r>
+              <a:rPr lang="en-IN" sz="4000" b="1" dirty="0">
+                <a:solidFill>
+                  <a:schemeClr val="accent1">
+                    <a:lumMod val="60000"/>
+                    <a:lumOff val="40000"/>
+                  </a:schemeClr>
+                </a:solidFill>
+                <a:effectLst>
+                  <a:outerShdw blurRad="38100" dist="38100" dir="2700000" algn="tl">
+                    <a:srgbClr val="000000">
+                      <a:alpha val="43137"/>
+                    </a:srgbClr>
+                  </a:outerShdw>
+                </a:effectLst>
+                <a:latin typeface="Arial Black" panose="020B0A04020102020204" pitchFamily="34" charset="0"/>
+                <a:ea typeface="+mn-ea"/>
+                <a:cs typeface="+mn-cs"/>
+              </a:rPr>
+              <a:t>hat is </a:t>
+            </a:r>
+            <a:r>
+              <a:rPr lang="en-IN" sz="4000" b="1" dirty="0" err="1">
+                <a:solidFill>
+                  <a:schemeClr val="accent1">
+                    <a:lumMod val="60000"/>
+                    <a:lumOff val="40000"/>
+                  </a:schemeClr>
+                </a:solidFill>
+                <a:effectLst>
+                  <a:outerShdw blurRad="38100" dist="38100" dir="2700000" algn="tl">
+                    <a:srgbClr val="000000">
+                      <a:alpha val="43137"/>
+                    </a:srgbClr>
+                  </a:outerShdw>
+                </a:effectLst>
+                <a:latin typeface="Arial Black" panose="020B0A04020102020204" pitchFamily="34" charset="0"/>
+                <a:ea typeface="+mn-ea"/>
+                <a:cs typeface="+mn-cs"/>
+              </a:rPr>
+              <a:t>FitHub</a:t>
+            </a:r>
+            <a:r>
+              <a:rPr lang="en-IN" sz="4000" b="1" dirty="0">
+                <a:solidFill>
+                  <a:schemeClr val="accent1">
+                    <a:lumMod val="60000"/>
+                    <a:lumOff val="40000"/>
+                  </a:schemeClr>
+                </a:solidFill>
+                <a:effectLst>
+                  <a:outerShdw blurRad="38100" dist="38100" dir="2700000" algn="tl">
+                    <a:srgbClr val="000000">
+                      <a:alpha val="43137"/>
+                    </a:srgbClr>
+                  </a:outerShdw>
+                </a:effectLst>
+                <a:latin typeface="Arial Black" panose="020B0A04020102020204" pitchFamily="34" charset="0"/>
+                <a:ea typeface="+mn-ea"/>
+                <a:cs typeface="+mn-cs"/>
+              </a:rPr>
+              <a:t>?</a:t>
+            </a:r>
+            <a:endParaRPr lang="en-IN" sz="4000" b="1" dirty="0">
+              <a:solidFill>
+                <a:schemeClr val="accent1">
+                  <a:lumMod val="60000"/>
+                  <a:lumOff val="40000"/>
+                </a:schemeClr>
+              </a:solidFill>
+              <a:effectLst>
+                <a:outerShdw blurRad="38100" dist="38100" dir="2700000" algn="tl">
+                  <a:srgbClr val="000000">
+                    <a:alpha val="43137"/>
+                  </a:srgbClr>
+                </a:outerShdw>
+              </a:effectLst>
+              <a:latin typeface="Arial Black" panose="020B0A04020102020204" pitchFamily="34" charset="0"/>
+            </a:endParaRPr>
+          </a:p>
+        </p:txBody>
+      </p:sp>
+      <p:sp>
+        <p:nvSpPr>
+          <p:cNvPr id="3" name="Content Placeholder 2">
+            <a:extLst>
+              <a:ext uri="{FF2B5EF4-FFF2-40B4-BE49-F238E27FC236}">
+                <a16:creationId xmlns:a16="http://schemas.microsoft.com/office/drawing/2014/main" id="{90AA5080-CE76-D1DF-858C-E3EB05B9A34E}"/>
+              </a:ext>
+            </a:extLst>
+          </p:cNvPr>
+          <p:cNvSpPr>
+            <a:spLocks noGrp="1"/>
+          </p:cNvSpPr>
+          <p:nvPr>
+            <p:ph idx="1"/>
+          </p:nvPr>
+        </p:nvSpPr>
+        <p:spPr>
+          <a:xfrm>
+            <a:off x="681446" y="1838688"/>
+            <a:ext cx="7168326" cy="4351338"/>
+          </a:xfrm>
+        </p:spPr>
+        <p:txBody>
+          <a:bodyPr>
+            <a:normAutofit/>
+          </a:bodyPr>
+          <a:lstStyle/>
+          <a:p>
+            <a:r>
+              <a:rPr lang="en-IN" dirty="0"/>
+              <a:t>It is </a:t>
+            </a:r>
+            <a:r>
+              <a:rPr lang="en-US" dirty="0"/>
+              <a:t>Multi-purpose Customer Relationship Management (CRM) and Subscription Management System.</a:t>
+            </a:r>
+          </a:p>
+          <a:p>
+            <a:r>
+              <a:rPr lang="en-US" dirty="0"/>
+              <a:t>System is designed to manage customer data</a:t>
+            </a:r>
+            <a:r>
+              <a:rPr lang="en-US"/>
+              <a:t>, subscriptions </a:t>
+            </a:r>
+            <a:r>
+              <a:rPr lang="en-US" dirty="0"/>
+              <a:t>and products.</a:t>
+            </a:r>
+          </a:p>
+          <a:p>
+            <a:r>
+              <a:rPr lang="en-US" dirty="0"/>
+              <a:t>Admin Panel for  efficiently manage customer data, </a:t>
+            </a:r>
+            <a:r>
+              <a:rPr lang="en-US"/>
+              <a:t>product offerings </a:t>
+            </a:r>
+            <a:r>
+              <a:rPr lang="en-US" dirty="0"/>
+              <a:t>and subscription plans</a:t>
+            </a:r>
+          </a:p>
+          <a:p>
+            <a:r>
+              <a:rPr lang="en-US" dirty="0"/>
+              <a:t>User Panel for Customer Interactions</a:t>
+            </a:r>
+          </a:p>
+          <a:p>
+            <a:endParaRPr lang="en-US" dirty="0"/>
+          </a:p>
+          <a:p>
+            <a:endParaRPr lang="en-IN" dirty="0">
+              <a:solidFill>
+                <a:srgbClr val="C00000"/>
+              </a:solidFill>
+            </a:endParaRPr>
+          </a:p>
+          <a:p>
+            <a:endParaRPr lang="en-IN" dirty="0">
+              <a:solidFill>
+                <a:srgbClr val="C00000"/>
+              </a:solidFill>
+            </a:endParaRPr>
+          </a:p>
+        </p:txBody>
+      </p:sp>
+      <p:grpSp>
+        <p:nvGrpSpPr>
+          <p:cNvPr id="10" name="Group 9">
+            <a:extLst>
+              <a:ext uri="{FF2B5EF4-FFF2-40B4-BE49-F238E27FC236}">
+                <a16:creationId xmlns:a16="http://schemas.microsoft.com/office/drawing/2014/main" id="{5C28A13D-3935-4A1A-9EAD-239D1F5AD44F}"/>
+              </a:ext>
+            </a:extLst>
+          </p:cNvPr>
+          <p:cNvGrpSpPr/>
+          <p:nvPr/>
+        </p:nvGrpSpPr>
+        <p:grpSpPr>
+          <a:xfrm>
+            <a:off x="7690005" y="1206178"/>
+            <a:ext cx="4501995" cy="2985994"/>
+            <a:chOff x="7507125" y="891624"/>
+            <a:chExt cx="4281601" cy="2808179"/>
+          </a:xfrm>
+        </p:grpSpPr>
+        <p:pic>
+          <p:nvPicPr>
+            <p:cNvPr id="8" name="Picture 7">
+              <a:extLst>
+                <a:ext uri="{FF2B5EF4-FFF2-40B4-BE49-F238E27FC236}">
+                  <a16:creationId xmlns:a16="http://schemas.microsoft.com/office/drawing/2014/main" id="{789183E2-5412-49E5-85BE-CFFCD285ED6A}"/>
+                </a:ext>
+              </a:extLst>
+            </p:cNvPr>
+            <p:cNvPicPr>
+              <a:picLocks noChangeAspect="1"/>
+            </p:cNvPicPr>
+            <p:nvPr/>
+          </p:nvPicPr>
+          <p:blipFill>
+            <a:blip r:embed="rId3"/>
+            <a:stretch>
+              <a:fillRect/>
+            </a:stretch>
+          </p:blipFill>
+          <p:spPr>
+            <a:xfrm>
+              <a:off x="7507125" y="891624"/>
+              <a:ext cx="4281601" cy="2407225"/>
+            </a:xfrm>
+            <a:prstGeom prst="rect">
+              <a:avLst/>
+            </a:prstGeom>
+          </p:spPr>
+        </p:pic>
+        <p:sp>
+          <p:nvSpPr>
+            <p:cNvPr id="9" name="TextBox 8">
+              <a:extLst>
+                <a:ext uri="{FF2B5EF4-FFF2-40B4-BE49-F238E27FC236}">
+                  <a16:creationId xmlns:a16="http://schemas.microsoft.com/office/drawing/2014/main" id="{FD2CE3E8-A903-41A5-A7CD-EC2598FC5C85}"/>
+                </a:ext>
+              </a:extLst>
+            </p:cNvPr>
+            <p:cNvSpPr txBox="1"/>
+            <p:nvPr/>
+          </p:nvSpPr>
+          <p:spPr>
+            <a:xfrm>
+              <a:off x="8131126" y="3299693"/>
+              <a:ext cx="3010486" cy="400110"/>
+            </a:xfrm>
+            <a:prstGeom prst="rect">
+              <a:avLst/>
+            </a:prstGeom>
+            <a:noFill/>
+          </p:spPr>
+          <p:txBody>
+            <a:bodyPr wrap="square" rtlCol="0">
+              <a:spAutoFit/>
+            </a:bodyPr>
+            <a:lstStyle/>
+            <a:p>
+              <a:pPr algn="ctr"/>
+              <a:r>
+                <a:rPr lang="en-US" sz="2000" b="1" dirty="0">
+                  <a:effectLst>
+                    <a:outerShdw blurRad="38100" dist="38100" dir="2700000" algn="tl">
+                      <a:srgbClr val="000000">
+                        <a:alpha val="43137"/>
+                      </a:srgbClr>
+                    </a:outerShdw>
+                  </a:effectLst>
+                </a:rPr>
+                <a:t>Dashboard</a:t>
+              </a:r>
+              <a:endParaRPr lang="en-IN" sz="2000" b="1" dirty="0">
+                <a:effectLst>
+                  <a:outerShdw blurRad="38100" dist="38100" dir="2700000" algn="tl">
+                    <a:srgbClr val="000000">
+                      <a:alpha val="43137"/>
+                    </a:srgbClr>
+                  </a:outerShdw>
+                </a:effectLst>
+              </a:endParaRPr>
+            </a:p>
+          </p:txBody>
+        </p:sp>
+      </p:grpSp>
+    </p:spTree>
+    <p:extLst>
+      <p:ext uri="{BB962C8B-B14F-4D97-AF65-F5344CB8AC3E}">
+        <p14:creationId xmlns:p14="http://schemas.microsoft.com/office/powerpoint/2010/main" val="3595687306"/>
+      </p:ext>
+    </p:extLst>
+  </p:cSld>
+  <p:clrMapOvr>
+    <a:masterClrMapping/>
+  </p:clrMapOvr>
+</p:sld>
+</file>
+
+<file path=ppt/slides/slide20.xml><?xml version="1.0" encoding="utf-8"?>
+<p:sld xmlns:a="http://schemas.openxmlformats.org/drawingml/2006/main" xmlns:r="http://schemas.openxmlformats.org/officeDocument/2006/relationships" xmlns:p="http://schemas.openxmlformats.org/presentationml/2006/main">
+  <p:cSld>
+    <p:spTree>
+      <p:nvGrpSpPr>
+        <p:cNvPr id="1" name=""/>
+        <p:cNvGrpSpPr/>
+        <p:nvPr/>
+      </p:nvGrpSpPr>
+      <p:grpSpPr>
+        <a:xfrm>
+          <a:off x="0" y="0"/>
+          <a:ext cx="0" cy="0"/>
+          <a:chOff x="0" y="0"/>
+          <a:chExt cx="0" cy="0"/>
+        </a:xfrm>
+      </p:grpSpPr>
+      <p:sp>
+        <p:nvSpPr>
+          <p:cNvPr id="2" name="Title 1">
+            <a:extLst>
+              <a:ext uri="{FF2B5EF4-FFF2-40B4-BE49-F238E27FC236}">
+                <a16:creationId xmlns:a16="http://schemas.microsoft.com/office/drawing/2014/main" id="{A590A318-7262-1601-7CB8-7DF85E6D77DC}"/>
+              </a:ext>
+            </a:extLst>
+          </p:cNvPr>
+          <p:cNvSpPr>
+            <a:spLocks noGrp="1"/>
+          </p:cNvSpPr>
+          <p:nvPr>
+            <p:ph type="title"/>
+          </p:nvPr>
+        </p:nvSpPr>
+        <p:spPr/>
+        <p:txBody>
+          <a:bodyPr>
+            <a:normAutofit/>
+          </a:bodyPr>
+          <a:lstStyle/>
+          <a:p>
+            <a:r>
+              <a:rPr lang="en-US" sz="4000" b="1" dirty="0">
+                <a:solidFill>
+                  <a:schemeClr val="accent1">
+                    <a:lumMod val="60000"/>
+                    <a:lumOff val="40000"/>
+                  </a:schemeClr>
+                </a:solidFill>
+                <a:latin typeface="Arial Black" panose="020B0A04020102020204" pitchFamily="34" charset="0"/>
+                <a:ea typeface="+mn-ea"/>
+                <a:cs typeface="+mn-cs"/>
+              </a:rPr>
+              <a:t>Project</a:t>
+            </a:r>
+            <a:r>
+              <a:rPr lang="en-US" sz="4000" b="1" dirty="0">
+                <a:solidFill>
+                  <a:prstClr val="black"/>
+                </a:solidFill>
+                <a:ea typeface="+mn-ea"/>
+                <a:cs typeface="+mn-cs"/>
+              </a:rPr>
+              <a:t> </a:t>
+            </a:r>
+            <a:r>
+              <a:rPr lang="en-US" sz="4000" b="1" dirty="0">
+                <a:solidFill>
+                  <a:schemeClr val="accent1">
+                    <a:lumMod val="60000"/>
+                    <a:lumOff val="40000"/>
+                  </a:schemeClr>
+                </a:solidFill>
+                <a:latin typeface="Arial Black" panose="020B0A04020102020204" pitchFamily="34" charset="0"/>
+                <a:ea typeface="+mn-ea"/>
+                <a:cs typeface="+mn-cs"/>
+              </a:rPr>
+              <a:t>Impact</a:t>
+            </a:r>
+            <a:endParaRPr lang="en-IN" sz="4000" b="1" dirty="0">
+              <a:solidFill>
+                <a:schemeClr val="accent1">
+                  <a:lumMod val="60000"/>
+                  <a:lumOff val="40000"/>
+                </a:schemeClr>
+              </a:solidFill>
+              <a:latin typeface="Arial Black" panose="020B0A04020102020204" pitchFamily="34" charset="0"/>
+              <a:ea typeface="+mn-ea"/>
+              <a:cs typeface="+mn-cs"/>
+            </a:endParaRPr>
+          </a:p>
+        </p:txBody>
+      </p:sp>
+      <p:sp>
+        <p:nvSpPr>
+          <p:cNvPr id="3" name="Content Placeholder 2">
+            <a:extLst>
+              <a:ext uri="{FF2B5EF4-FFF2-40B4-BE49-F238E27FC236}">
+                <a16:creationId xmlns:a16="http://schemas.microsoft.com/office/drawing/2014/main" id="{90AA5080-CE76-D1DF-858C-E3EB05B9A34E}"/>
+              </a:ext>
+            </a:extLst>
+          </p:cNvPr>
+          <p:cNvSpPr>
+            <a:spLocks noGrp="1"/>
+          </p:cNvSpPr>
+          <p:nvPr>
+            <p:ph idx="1"/>
+          </p:nvPr>
+        </p:nvSpPr>
+        <p:spPr>
+          <a:xfrm>
+            <a:off x="681446" y="1690688"/>
+            <a:ext cx="11353800" cy="4499338"/>
+          </a:xfrm>
+        </p:spPr>
+        <p:txBody>
+          <a:bodyPr>
+            <a:noAutofit/>
+          </a:bodyPr>
+          <a:lstStyle/>
+          <a:p>
+            <a:r>
+              <a:rPr lang="en-US" dirty="0"/>
+              <a:t>Customer Retention: </a:t>
+            </a:r>
+          </a:p>
+          <a:p>
+            <a:pPr lvl="1"/>
+            <a:r>
+              <a:rPr lang="en-US" dirty="0"/>
+              <a:t>The integrated messaging system helps build stronger relationships. </a:t>
+            </a:r>
+          </a:p>
+          <a:p>
+            <a:r>
+              <a:rPr lang="en-US" dirty="0"/>
+              <a:t>Operational Efficiency:</a:t>
+            </a:r>
+          </a:p>
+          <a:p>
+            <a:pPr lvl="1"/>
+            <a:r>
+              <a:rPr lang="en-US" dirty="0"/>
+              <a:t> Reducing the need for multiple disconnected tools makes operations smoother.</a:t>
+            </a:r>
+          </a:p>
+          <a:p>
+            <a:r>
+              <a:rPr lang="en-US" dirty="0"/>
+              <a:t>Business Growth: </a:t>
+            </a:r>
+          </a:p>
+          <a:p>
+            <a:pPr lvl="1"/>
+            <a:r>
+              <a:rPr lang="en-US" dirty="0"/>
+              <a:t>The scalable architecture supports future growth and the addition of new features.</a:t>
+            </a:r>
+          </a:p>
+          <a:p>
+            <a:r>
+              <a:rPr lang="en-US" dirty="0"/>
+              <a:t>Unique Selling Point:</a:t>
+            </a:r>
+          </a:p>
+          <a:p>
+            <a:pPr lvl="1"/>
+            <a:r>
+              <a:rPr lang="en-US" dirty="0"/>
+              <a:t> </a:t>
+            </a:r>
+            <a:r>
+              <a:rPr lang="en-US" dirty="0" err="1"/>
+              <a:t>FitHub’s</a:t>
+            </a:r>
+            <a:r>
+              <a:rPr lang="en-US" dirty="0"/>
+              <a:t> combination of CRM, subscription management, and real-time messaging makes it a unique solution for subscription-based businesses. </a:t>
+            </a:r>
+          </a:p>
+        </p:txBody>
+      </p:sp>
+    </p:spTree>
+    <p:extLst>
+      <p:ext uri="{BB962C8B-B14F-4D97-AF65-F5344CB8AC3E}">
+        <p14:creationId xmlns:p14="http://schemas.microsoft.com/office/powerpoint/2010/main" val="1860094115"/>
+      </p:ext>
+    </p:extLst>
+  </p:cSld>
+  <p:clrMapOvr>
+    <a:masterClrMapping/>
+  </p:clrMapOvr>
+</p:sld>
+</file>
+
+<file path=ppt/slides/slide21.xml><?xml version="1.0" encoding="utf-8"?>
+<p:sld xmlns:a="http://schemas.openxmlformats.org/drawingml/2006/main" xmlns:r="http://schemas.openxmlformats.org/officeDocument/2006/relationships" xmlns:p="http://schemas.openxmlformats.org/presentationml/2006/main">
+  <p:cSld>
+    <p:spTree>
+      <p:nvGrpSpPr>
+        <p:cNvPr id="1" name=""/>
+        <p:cNvGrpSpPr/>
+        <p:nvPr/>
+      </p:nvGrpSpPr>
+      <p:grpSpPr>
+        <a:xfrm>
+          <a:off x="0" y="0"/>
+          <a:ext cx="0" cy="0"/>
+          <a:chOff x="0" y="0"/>
+          <a:chExt cx="0" cy="0"/>
+        </a:xfrm>
+      </p:grpSpPr>
+      <p:sp>
+        <p:nvSpPr>
+          <p:cNvPr id="2" name="Title 1">
+            <a:extLst>
+              <a:ext uri="{FF2B5EF4-FFF2-40B4-BE49-F238E27FC236}">
+                <a16:creationId xmlns:a16="http://schemas.microsoft.com/office/drawing/2014/main" id="{A590A318-7262-1601-7CB8-7DF85E6D77DC}"/>
+              </a:ext>
+            </a:extLst>
+          </p:cNvPr>
+          <p:cNvSpPr>
+            <a:spLocks noGrp="1"/>
+          </p:cNvSpPr>
+          <p:nvPr>
+            <p:ph type="title"/>
+          </p:nvPr>
+        </p:nvSpPr>
+        <p:spPr/>
+        <p:txBody>
+          <a:bodyPr>
+            <a:normAutofit/>
+          </a:bodyPr>
+          <a:lstStyle/>
+          <a:p>
+            <a:r>
+              <a:rPr lang="en-US" sz="4000" b="1" dirty="0">
+                <a:solidFill>
+                  <a:schemeClr val="accent1">
+                    <a:lumMod val="60000"/>
+                    <a:lumOff val="40000"/>
+                  </a:schemeClr>
+                </a:solidFill>
+                <a:latin typeface="Arial Black" panose="020B0A04020102020204" pitchFamily="34" charset="0"/>
+                <a:ea typeface="+mn-ea"/>
+                <a:cs typeface="+mn-cs"/>
+              </a:rPr>
+              <a:t>Future</a:t>
+            </a:r>
+            <a:r>
+              <a:rPr lang="en-US" sz="4000" b="1" dirty="0">
+                <a:solidFill>
+                  <a:prstClr val="black"/>
+                </a:solidFill>
+                <a:ea typeface="+mn-ea"/>
+                <a:cs typeface="+mn-cs"/>
+              </a:rPr>
+              <a:t> </a:t>
+            </a:r>
+            <a:r>
+              <a:rPr lang="en-US" sz="4000" b="1" dirty="0">
+                <a:solidFill>
+                  <a:schemeClr val="accent1">
+                    <a:lumMod val="60000"/>
+                    <a:lumOff val="40000"/>
+                  </a:schemeClr>
+                </a:solidFill>
+                <a:latin typeface="Arial Black" panose="020B0A04020102020204" pitchFamily="34" charset="0"/>
+                <a:ea typeface="+mn-ea"/>
+                <a:cs typeface="+mn-cs"/>
+              </a:rPr>
+              <a:t>Scope</a:t>
+            </a:r>
+            <a:endParaRPr lang="en-IN" sz="4000" b="1" dirty="0">
+              <a:solidFill>
+                <a:schemeClr val="accent1">
+                  <a:lumMod val="60000"/>
+                  <a:lumOff val="40000"/>
+                </a:schemeClr>
+              </a:solidFill>
+              <a:latin typeface="Arial Black" panose="020B0A04020102020204" pitchFamily="34" charset="0"/>
+              <a:ea typeface="+mn-ea"/>
+              <a:cs typeface="+mn-cs"/>
+            </a:endParaRPr>
+          </a:p>
+        </p:txBody>
+      </p:sp>
+      <p:sp>
+        <p:nvSpPr>
+          <p:cNvPr id="3" name="Content Placeholder 2">
+            <a:extLst>
+              <a:ext uri="{FF2B5EF4-FFF2-40B4-BE49-F238E27FC236}">
+                <a16:creationId xmlns:a16="http://schemas.microsoft.com/office/drawing/2014/main" id="{90AA5080-CE76-D1DF-858C-E3EB05B9A34E}"/>
+              </a:ext>
+            </a:extLst>
+          </p:cNvPr>
+          <p:cNvSpPr>
+            <a:spLocks noGrp="1"/>
+          </p:cNvSpPr>
+          <p:nvPr>
+            <p:ph idx="1"/>
+          </p:nvPr>
+        </p:nvSpPr>
+        <p:spPr>
+          <a:xfrm>
+            <a:off x="540770" y="1690688"/>
+            <a:ext cx="6732228" cy="4499338"/>
+          </a:xfrm>
+        </p:spPr>
+        <p:txBody>
+          <a:bodyPr>
+            <a:noAutofit/>
+          </a:bodyPr>
+          <a:lstStyle/>
+          <a:p>
+            <a:r>
+              <a:rPr lang="en-US" dirty="0"/>
+              <a:t>AI Integration</a:t>
+            </a:r>
+          </a:p>
+          <a:p>
+            <a:pPr lvl="1"/>
+            <a:r>
+              <a:rPr lang="en-US" dirty="0"/>
+              <a:t>Personalize recommendations &amp; Chat Bot.</a:t>
+            </a:r>
+          </a:p>
+          <a:p>
+            <a:r>
+              <a:rPr lang="en-US" dirty="0"/>
+              <a:t>Develop mobile app</a:t>
+            </a:r>
+          </a:p>
+          <a:p>
+            <a:r>
+              <a:rPr lang="en-US" dirty="0"/>
+              <a:t>Daily movement tracking through fitness band.</a:t>
+            </a:r>
+          </a:p>
+        </p:txBody>
+      </p:sp>
+      <p:pic>
+        <p:nvPicPr>
+          <p:cNvPr id="5" name="Picture 4">
+            <a:extLst>
+              <a:ext uri="{FF2B5EF4-FFF2-40B4-BE49-F238E27FC236}">
+                <a16:creationId xmlns:a16="http://schemas.microsoft.com/office/drawing/2014/main" id="{94212CD5-1A74-4C80-BB15-80BEBCD7A2B9}"/>
+              </a:ext>
+            </a:extLst>
+          </p:cNvPr>
+          <p:cNvPicPr>
+            <a:picLocks noChangeAspect="1"/>
+          </p:cNvPicPr>
+          <p:nvPr/>
+        </p:nvPicPr>
+        <p:blipFill>
+          <a:blip r:embed="rId3">
+            <a:alphaModFix amt="43000"/>
+            <a:extLst>
+              <a:ext uri="{BEBA8EAE-BF5A-486C-A8C5-ECC9F3942E4B}">
+                <a14:imgProps xmlns:a14="http://schemas.microsoft.com/office/drawing/2010/main">
+                  <a14:imgLayer r:embed="rId4">
+                    <a14:imgEffect>
+                      <a14:colorTemperature colorTemp="6501"/>
+                    </a14:imgEffect>
+                  </a14:imgLayer>
+                </a14:imgProps>
+              </a:ext>
+              <a:ext uri="{28A0092B-C50C-407E-A947-70E740481C1C}">
+                <a14:useLocalDpi xmlns:a14="http://schemas.microsoft.com/office/drawing/2010/main" val="0"/>
+              </a:ext>
+            </a:extLst>
+          </a:blip>
+          <a:stretch>
+            <a:fillRect/>
+          </a:stretch>
+        </p:blipFill>
+        <p:spPr>
+          <a:xfrm>
+            <a:off x="7272998" y="531459"/>
+            <a:ext cx="4378232" cy="2318458"/>
+          </a:xfrm>
+          <a:prstGeom prst="rect">
+            <a:avLst/>
+          </a:prstGeom>
+          <a:ln>
+            <a:noFill/>
+          </a:ln>
+          <a:effectLst>
+            <a:glow>
+              <a:schemeClr val="bg1"/>
+            </a:glow>
+            <a:softEdge rad="112500"/>
+          </a:effectLst>
+        </p:spPr>
+      </p:pic>
+      <p:pic>
+        <p:nvPicPr>
+          <p:cNvPr id="7" name="Picture 6">
+            <a:extLst>
+              <a:ext uri="{FF2B5EF4-FFF2-40B4-BE49-F238E27FC236}">
+                <a16:creationId xmlns:a16="http://schemas.microsoft.com/office/drawing/2014/main" id="{E62104B3-9577-43BA-BB1C-E01355DDF35C}"/>
+              </a:ext>
+            </a:extLst>
+          </p:cNvPr>
+          <p:cNvPicPr>
+            <a:picLocks noChangeAspect="1"/>
+          </p:cNvPicPr>
+          <p:nvPr/>
+        </p:nvPicPr>
+        <p:blipFill>
+          <a:blip r:embed="rId5">
+            <a:alphaModFix amt="97000"/>
+            <a:extLst>
+              <a:ext uri="{28A0092B-C50C-407E-A947-70E740481C1C}">
+                <a14:useLocalDpi xmlns:a14="http://schemas.microsoft.com/office/drawing/2010/main" val="0"/>
+              </a:ext>
+            </a:extLst>
+          </a:blip>
+          <a:stretch>
+            <a:fillRect/>
+          </a:stretch>
+        </p:blipFill>
+        <p:spPr>
+          <a:xfrm>
+            <a:off x="7272998" y="2878673"/>
+            <a:ext cx="4485555" cy="3311353"/>
+          </a:xfrm>
+          <a:prstGeom prst="rect">
+            <a:avLst/>
+          </a:prstGeom>
+          <a:ln>
+            <a:noFill/>
+          </a:ln>
+          <a:effectLst>
+            <a:softEdge rad="112500"/>
+          </a:effectLst>
+        </p:spPr>
+      </p:pic>
+      <p:pic>
+        <p:nvPicPr>
+          <p:cNvPr id="9" name="Picture 8">
+            <a:extLst>
+              <a:ext uri="{FF2B5EF4-FFF2-40B4-BE49-F238E27FC236}">
+                <a16:creationId xmlns:a16="http://schemas.microsoft.com/office/drawing/2014/main" id="{5F26FFDB-C530-40E5-A9B5-14E1121B13FA}"/>
+              </a:ext>
+            </a:extLst>
+          </p:cNvPr>
+          <p:cNvPicPr>
+            <a:picLocks noChangeAspect="1"/>
+          </p:cNvPicPr>
+          <p:nvPr/>
+        </p:nvPicPr>
+        <p:blipFill>
+          <a:blip r:embed="rId6">
+            <a:extLst>
+              <a:ext uri="{28A0092B-C50C-407E-A947-70E740481C1C}">
+                <a14:useLocalDpi xmlns:a14="http://schemas.microsoft.com/office/drawing/2010/main" val="0"/>
+              </a:ext>
+            </a:extLst>
+          </a:blip>
+          <a:stretch>
+            <a:fillRect/>
+          </a:stretch>
+        </p:blipFill>
+        <p:spPr>
+          <a:xfrm>
+            <a:off x="3587262" y="3536755"/>
+            <a:ext cx="2851149" cy="2851149"/>
+          </a:xfrm>
+          <a:prstGeom prst="rect">
+            <a:avLst/>
+          </a:prstGeom>
+        </p:spPr>
+      </p:pic>
+    </p:spTree>
+    <p:extLst>
+      <p:ext uri="{BB962C8B-B14F-4D97-AF65-F5344CB8AC3E}">
+        <p14:creationId xmlns:p14="http://schemas.microsoft.com/office/powerpoint/2010/main" val="1891521343"/>
+      </p:ext>
+    </p:extLst>
+  </p:cSld>
+  <p:clrMapOvr>
+    <a:overrideClrMapping bg1="lt1" tx1="dk1" bg2="lt2" tx2="dk2" accent1="accent1" accent2="accent2" accent3="accent3" accent4="accent4" accent5="accent5" accent6="accent6" hlink="hlink" folHlink="folHlink"/>
+  </p:clrMapOvr>
+</p:sld>
+</file>
+
+<file path=ppt/slides/slide22.xml><?xml version="1.0" encoding="utf-8"?>
+<p:sld xmlns:a="http://schemas.openxmlformats.org/drawingml/2006/main" xmlns:r="http://schemas.openxmlformats.org/officeDocument/2006/relationships" xmlns:p="http://schemas.openxmlformats.org/presentationml/2006/main">
+  <p:cSld>
+    <p:spTree>
+      <p:nvGrpSpPr>
+        <p:cNvPr id="1" name=""/>
+        <p:cNvGrpSpPr/>
+        <p:nvPr/>
+      </p:nvGrpSpPr>
+      <p:grpSpPr>
+        <a:xfrm>
+          <a:off x="0" y="0"/>
+          <a:ext cx="0" cy="0"/>
+          <a:chOff x="0" y="0"/>
+          <a:chExt cx="0" cy="0"/>
+        </a:xfrm>
+      </p:grpSpPr>
       <p:sp>
         <p:nvSpPr>
           <p:cNvPr id="2" name="Title 1">
@@ -4041,75 +7753,1935 @@
           <a:p>
             <a:pPr algn="ctr"/>
             <a:r>
-              <a:rPr lang="en-IN" sz="6000" b="1" dirty="0"/>
-              <a:t>Thank You!</a:t>
-            </a:r>
-          </a:p>
-        </p:txBody>
-      </p:sp>
-      <p:sp>
-        <p:nvSpPr>
-          <p:cNvPr id="6" name="Title 1">
-            <a:extLst>
-              <a:ext uri="{FF2B5EF4-FFF2-40B4-BE49-F238E27FC236}">
-                <a16:creationId xmlns:a16="http://schemas.microsoft.com/office/drawing/2014/main" id="{CE3A481A-C79A-7549-6B6B-0E239B0F2DBD}"/>
-              </a:ext>
-            </a:extLst>
-          </p:cNvPr>
-          <p:cNvSpPr txBox="1">
-            <a:spLocks/>
-          </p:cNvSpPr>
-          <p:nvPr/>
+              <a:rPr lang="en-IN" sz="8000" b="1" dirty="0">
+                <a:solidFill>
+                  <a:schemeClr val="accent1">
+                    <a:lumMod val="60000"/>
+                    <a:lumOff val="40000"/>
+                  </a:schemeClr>
+                </a:solidFill>
+                <a:latin typeface="Arial Black" panose="020B0A04020102020204" pitchFamily="34" charset="0"/>
+                <a:ea typeface="+mn-ea"/>
+                <a:cs typeface="+mn-cs"/>
+              </a:rPr>
+              <a:t>Thank</a:t>
+            </a:r>
+            <a:r>
+              <a:rPr lang="en-IN" sz="13800" b="1" dirty="0"/>
+              <a:t> </a:t>
+            </a:r>
+            <a:r>
+              <a:rPr lang="en-IN" sz="8000" b="1" dirty="0">
+                <a:solidFill>
+                  <a:schemeClr val="accent1">
+                    <a:lumMod val="60000"/>
+                    <a:lumOff val="40000"/>
+                  </a:schemeClr>
+                </a:solidFill>
+                <a:latin typeface="Arial Black" panose="020B0A04020102020204" pitchFamily="34" charset="0"/>
+                <a:ea typeface="+mn-ea"/>
+                <a:cs typeface="+mn-cs"/>
+              </a:rPr>
+              <a:t>You!</a:t>
+            </a:r>
+          </a:p>
+        </p:txBody>
+      </p:sp>
+    </p:spTree>
+    <p:extLst>
+      <p:ext uri="{BB962C8B-B14F-4D97-AF65-F5344CB8AC3E}">
+        <p14:creationId xmlns:p14="http://schemas.microsoft.com/office/powerpoint/2010/main" val="3422211920"/>
+      </p:ext>
+    </p:extLst>
+  </p:cSld>
+  <p:clrMapOvr>
+    <a:masterClrMapping/>
+  </p:clrMapOvr>
+</p:sld>
+</file>
+
+<file path=ppt/slides/slide3.xml><?xml version="1.0" encoding="utf-8"?>
+<p:sld xmlns:a="http://schemas.openxmlformats.org/drawingml/2006/main" xmlns:r="http://schemas.openxmlformats.org/officeDocument/2006/relationships" xmlns:p="http://schemas.openxmlformats.org/presentationml/2006/main">
+  <p:cSld>
+    <p:spTree>
+      <p:nvGrpSpPr>
+        <p:cNvPr id="1" name=""/>
+        <p:cNvGrpSpPr/>
+        <p:nvPr/>
+      </p:nvGrpSpPr>
+      <p:grpSpPr>
+        <a:xfrm>
+          <a:off x="0" y="0"/>
+          <a:ext cx="0" cy="0"/>
+          <a:chOff x="0" y="0"/>
+          <a:chExt cx="0" cy="0"/>
+        </a:xfrm>
+      </p:grpSpPr>
+      <p:sp>
+        <p:nvSpPr>
+          <p:cNvPr id="2" name="Title 1">
+            <a:extLst>
+              <a:ext uri="{FF2B5EF4-FFF2-40B4-BE49-F238E27FC236}">
+                <a16:creationId xmlns:a16="http://schemas.microsoft.com/office/drawing/2014/main" id="{A590A318-7262-1601-7CB8-7DF85E6D77DC}"/>
+              </a:ext>
+            </a:extLst>
+          </p:cNvPr>
+          <p:cNvSpPr>
+            <a:spLocks noGrp="1"/>
+          </p:cNvSpPr>
+          <p:nvPr>
+            <p:ph type="title"/>
+          </p:nvPr>
+        </p:nvSpPr>
+        <p:spPr/>
+        <p:txBody>
+          <a:bodyPr>
+            <a:normAutofit/>
+          </a:bodyPr>
+          <a:lstStyle/>
+          <a:p>
+            <a:r>
+              <a:rPr lang="en-US" sz="4000" b="1" dirty="0">
+                <a:solidFill>
+                  <a:schemeClr val="accent1">
+                    <a:lumMod val="60000"/>
+                    <a:lumOff val="40000"/>
+                  </a:schemeClr>
+                </a:solidFill>
+                <a:effectLst>
+                  <a:outerShdw blurRad="38100" dist="38100" dir="2700000" algn="tl">
+                    <a:srgbClr val="000000">
+                      <a:alpha val="43137"/>
+                    </a:srgbClr>
+                  </a:outerShdw>
+                </a:effectLst>
+                <a:latin typeface="Arial Black" panose="020B0A04020102020204" pitchFamily="34" charset="0"/>
+                <a:ea typeface="+mn-ea"/>
+                <a:cs typeface="+mn-cs"/>
+              </a:rPr>
+              <a:t>Existing</a:t>
+            </a:r>
+            <a:r>
+              <a:rPr lang="en-US" sz="4000" b="1" dirty="0">
+                <a:solidFill>
+                  <a:prstClr val="black"/>
+                </a:solidFill>
+                <a:effectLst>
+                  <a:outerShdw blurRad="38100" dist="38100" dir="2700000" algn="tl">
+                    <a:srgbClr val="000000">
+                      <a:alpha val="43137"/>
+                    </a:srgbClr>
+                  </a:outerShdw>
+                </a:effectLst>
+                <a:ea typeface="+mn-ea"/>
+                <a:cs typeface="+mn-cs"/>
+              </a:rPr>
+              <a:t> </a:t>
+            </a:r>
+            <a:r>
+              <a:rPr lang="en-US" sz="4000" b="1" dirty="0">
+                <a:solidFill>
+                  <a:schemeClr val="accent1">
+                    <a:lumMod val="60000"/>
+                    <a:lumOff val="40000"/>
+                  </a:schemeClr>
+                </a:solidFill>
+                <a:effectLst>
+                  <a:outerShdw blurRad="38100" dist="38100" dir="2700000" algn="tl">
+                    <a:srgbClr val="000000">
+                      <a:alpha val="43137"/>
+                    </a:srgbClr>
+                  </a:outerShdw>
+                </a:effectLst>
+                <a:latin typeface="Arial Black" panose="020B0A04020102020204" pitchFamily="34" charset="0"/>
+                <a:ea typeface="+mn-ea"/>
+                <a:cs typeface="+mn-cs"/>
+              </a:rPr>
+              <a:t>Models</a:t>
+            </a:r>
+            <a:endParaRPr lang="en-IN" sz="4000" b="1" dirty="0">
+              <a:solidFill>
+                <a:schemeClr val="accent1">
+                  <a:lumMod val="60000"/>
+                  <a:lumOff val="40000"/>
+                </a:schemeClr>
+              </a:solidFill>
+              <a:effectLst>
+                <a:outerShdw blurRad="38100" dist="38100" dir="2700000" algn="tl">
+                  <a:srgbClr val="000000">
+                    <a:alpha val="43137"/>
+                  </a:srgbClr>
+                </a:outerShdw>
+              </a:effectLst>
+              <a:latin typeface="Arial Black" panose="020B0A04020102020204" pitchFamily="34" charset="0"/>
+              <a:ea typeface="+mn-ea"/>
+              <a:cs typeface="+mn-cs"/>
+            </a:endParaRPr>
+          </a:p>
+        </p:txBody>
+      </p:sp>
+      <p:sp>
+        <p:nvSpPr>
+          <p:cNvPr id="3" name="Content Placeholder 2">
+            <a:extLst>
+              <a:ext uri="{FF2B5EF4-FFF2-40B4-BE49-F238E27FC236}">
+                <a16:creationId xmlns:a16="http://schemas.microsoft.com/office/drawing/2014/main" id="{90AA5080-CE76-D1DF-858C-E3EB05B9A34E}"/>
+              </a:ext>
+            </a:extLst>
+          </p:cNvPr>
+          <p:cNvSpPr>
+            <a:spLocks noGrp="1"/>
+          </p:cNvSpPr>
+          <p:nvPr>
+            <p:ph idx="1"/>
+          </p:nvPr>
         </p:nvSpPr>
         <p:spPr>
           <a:xfrm>
-            <a:off x="4624251" y="3927883"/>
-            <a:ext cx="2651760" cy="1325563"/>
+            <a:off x="681446" y="1573306"/>
+            <a:ext cx="5845963" cy="4616720"/>
+          </a:xfrm>
+        </p:spPr>
+        <p:txBody>
+          <a:bodyPr>
+            <a:noAutofit/>
+          </a:bodyPr>
+          <a:lstStyle/>
+          <a:p>
+            <a:r>
+              <a:rPr lang="en-US" b="1" dirty="0"/>
+              <a:t>Popular CRM Models: </a:t>
+            </a:r>
+            <a:r>
+              <a:rPr lang="en-US" dirty="0"/>
+              <a:t>Salesforce, HubSpot, and </a:t>
+            </a:r>
+            <a:r>
+              <a:rPr lang="en-US" dirty="0" err="1"/>
+              <a:t>Zoho</a:t>
+            </a:r>
+            <a:r>
+              <a:rPr lang="en-US" dirty="0"/>
+              <a:t> CRM.</a:t>
+            </a:r>
+          </a:p>
+          <a:p>
+            <a:pPr lvl="1"/>
+            <a:r>
+              <a:rPr lang="en-US" dirty="0"/>
+              <a:t>Limitations: Not designed specifically for businesses with subscriptions; they also lack built-in real-time messaging.</a:t>
+            </a:r>
+          </a:p>
+          <a:p>
+            <a:r>
+              <a:rPr lang="en-US" dirty="0" err="1"/>
+              <a:t>FitHub</a:t>
+            </a:r>
+            <a:r>
+              <a:rPr lang="en-US" dirty="0"/>
+              <a:t> Combines all three — CRM, subscription tracking, and real-time messaging — in one platform for subscription-based businesses.</a:t>
+            </a:r>
+          </a:p>
+        </p:txBody>
+      </p:sp>
+      <p:pic>
+        <p:nvPicPr>
+          <p:cNvPr id="5" name="Picture 4">
+            <a:extLst>
+              <a:ext uri="{FF2B5EF4-FFF2-40B4-BE49-F238E27FC236}">
+                <a16:creationId xmlns:a16="http://schemas.microsoft.com/office/drawing/2014/main" id="{916AD5DD-4037-4A66-BC1E-D8D389FD64CB}"/>
+              </a:ext>
+            </a:extLst>
+          </p:cNvPr>
+          <p:cNvPicPr>
+            <a:picLocks noChangeAspect="1"/>
+          </p:cNvPicPr>
+          <p:nvPr/>
+        </p:nvPicPr>
+        <p:blipFill>
+          <a:blip r:embed="rId3">
+            <a:extLst>
+              <a:ext uri="{28A0092B-C50C-407E-A947-70E740481C1C}">
+                <a14:useLocalDpi xmlns:a14="http://schemas.microsoft.com/office/drawing/2010/main" val="0"/>
+              </a:ext>
+            </a:extLst>
+          </a:blip>
+          <a:stretch>
+            <a:fillRect/>
+          </a:stretch>
+        </p:blipFill>
+        <p:spPr>
+          <a:xfrm>
+            <a:off x="6527409" y="594537"/>
+            <a:ext cx="2553055" cy="1787637"/>
           </a:xfrm>
           <a:prstGeom prst="rect">
             <a:avLst/>
           </a:prstGeom>
         </p:spPr>
+      </p:pic>
+      <p:pic>
+        <p:nvPicPr>
+          <p:cNvPr id="9" name="Graphic 8">
+            <a:extLst>
+              <a:ext uri="{FF2B5EF4-FFF2-40B4-BE49-F238E27FC236}">
+                <a16:creationId xmlns:a16="http://schemas.microsoft.com/office/drawing/2014/main" id="{A47521A2-FC37-43C2-87D2-B425E8332595}"/>
+              </a:ext>
+            </a:extLst>
+          </p:cNvPr>
+          <p:cNvPicPr>
+            <a:picLocks noChangeAspect="1"/>
+          </p:cNvPicPr>
+          <p:nvPr/>
+        </p:nvPicPr>
+        <p:blipFill>
+          <a:blip r:embed="rId4">
+            <a:extLst>
+              <a:ext uri="{28A0092B-C50C-407E-A947-70E740481C1C}">
+                <a14:useLocalDpi xmlns:a14="http://schemas.microsoft.com/office/drawing/2010/main" val="0"/>
+              </a:ext>
+              <a:ext uri="{96DAC541-7B7A-43D3-8B79-37D633B846F1}">
+                <asvg:svgBlip xmlns:asvg="http://schemas.microsoft.com/office/drawing/2016/SVG/main" r:embed="rId5"/>
+              </a:ext>
+            </a:extLst>
+          </a:blip>
+          <a:stretch>
+            <a:fillRect/>
+          </a:stretch>
+        </p:blipFill>
+        <p:spPr>
+          <a:xfrm>
+            <a:off x="8610501" y="2633612"/>
+            <a:ext cx="3300146" cy="961002"/>
+          </a:xfrm>
+          <a:prstGeom prst="rect">
+            <a:avLst/>
+          </a:prstGeom>
+        </p:spPr>
+      </p:pic>
+      <p:pic>
+        <p:nvPicPr>
+          <p:cNvPr id="11" name="Picture 10">
+            <a:extLst>
+              <a:ext uri="{FF2B5EF4-FFF2-40B4-BE49-F238E27FC236}">
+                <a16:creationId xmlns:a16="http://schemas.microsoft.com/office/drawing/2014/main" id="{A05D3064-F1FD-4BFA-888A-147A703D8E0C}"/>
+              </a:ext>
+            </a:extLst>
+          </p:cNvPr>
+          <p:cNvPicPr>
+            <a:picLocks noChangeAspect="1"/>
+          </p:cNvPicPr>
+          <p:nvPr/>
+        </p:nvPicPr>
+        <p:blipFill>
+          <a:blip r:embed="rId6">
+            <a:extLst>
+              <a:ext uri="{28A0092B-C50C-407E-A947-70E740481C1C}">
+                <a14:useLocalDpi xmlns:a14="http://schemas.microsoft.com/office/drawing/2010/main" val="0"/>
+              </a:ext>
+            </a:extLst>
+          </a:blip>
+          <a:stretch>
+            <a:fillRect/>
+          </a:stretch>
+        </p:blipFill>
+        <p:spPr>
+          <a:xfrm>
+            <a:off x="6036629" y="3939889"/>
+            <a:ext cx="5224852" cy="1593047"/>
+          </a:xfrm>
+          <a:prstGeom prst="rect">
+            <a:avLst/>
+          </a:prstGeom>
+        </p:spPr>
+      </p:pic>
+    </p:spTree>
+    <p:extLst>
+      <p:ext uri="{BB962C8B-B14F-4D97-AF65-F5344CB8AC3E}">
+        <p14:creationId xmlns:p14="http://schemas.microsoft.com/office/powerpoint/2010/main" val="2968212482"/>
+      </p:ext>
+    </p:extLst>
+  </p:cSld>
+  <p:clrMapOvr>
+    <a:overrideClrMapping bg1="lt1" tx1="dk1" bg2="lt2" tx2="dk2" accent1="accent1" accent2="accent2" accent3="accent3" accent4="accent4" accent5="accent5" accent6="accent6" hlink="hlink" folHlink="folHlink"/>
+  </p:clrMapOvr>
+</p:sld>
+</file>
+
+<file path=ppt/slides/slide4.xml><?xml version="1.0" encoding="utf-8"?>
+<p:sld xmlns:a="http://schemas.openxmlformats.org/drawingml/2006/main" xmlns:r="http://schemas.openxmlformats.org/officeDocument/2006/relationships" xmlns:p="http://schemas.openxmlformats.org/presentationml/2006/main">
+  <p:cSld>
+    <p:spTree>
+      <p:nvGrpSpPr>
+        <p:cNvPr id="1" name=""/>
+        <p:cNvGrpSpPr/>
+        <p:nvPr/>
+      </p:nvGrpSpPr>
+      <p:grpSpPr>
+        <a:xfrm>
+          <a:off x="0" y="0"/>
+          <a:ext cx="0" cy="0"/>
+          <a:chOff x="0" y="0"/>
+          <a:chExt cx="0" cy="0"/>
+        </a:xfrm>
+      </p:grpSpPr>
+      <p:sp>
+        <p:nvSpPr>
+          <p:cNvPr id="2" name="Title 1">
+            <a:extLst>
+              <a:ext uri="{FF2B5EF4-FFF2-40B4-BE49-F238E27FC236}">
+                <a16:creationId xmlns:a16="http://schemas.microsoft.com/office/drawing/2014/main" id="{A590A318-7262-1601-7CB8-7DF85E6D77DC}"/>
+              </a:ext>
+            </a:extLst>
+          </p:cNvPr>
+          <p:cNvSpPr>
+            <a:spLocks noGrp="1"/>
+          </p:cNvSpPr>
+          <p:nvPr>
+            <p:ph type="title"/>
+          </p:nvPr>
+        </p:nvSpPr>
+        <p:spPr/>
+        <p:txBody>
+          <a:bodyPr>
+            <a:normAutofit/>
+          </a:bodyPr>
+          <a:lstStyle/>
+          <a:p>
+            <a:r>
+              <a:rPr lang="en-US" sz="4000" b="1" dirty="0">
+                <a:solidFill>
+                  <a:schemeClr val="accent1">
+                    <a:lumMod val="60000"/>
+                    <a:lumOff val="40000"/>
+                  </a:schemeClr>
+                </a:solidFill>
+                <a:effectLst>
+                  <a:outerShdw blurRad="38100" dist="38100" dir="2700000" algn="tl">
+                    <a:srgbClr val="000000">
+                      <a:alpha val="43137"/>
+                    </a:srgbClr>
+                  </a:outerShdw>
+                </a:effectLst>
+                <a:latin typeface="Arial Black" panose="020B0A04020102020204" pitchFamily="34" charset="0"/>
+                <a:ea typeface="+mn-ea"/>
+                <a:cs typeface="+mn-cs"/>
+              </a:rPr>
+              <a:t>Research</a:t>
+            </a:r>
+            <a:r>
+              <a:rPr lang="en-US" sz="4000" b="1" dirty="0">
+                <a:solidFill>
+                  <a:prstClr val="black"/>
+                </a:solidFill>
+                <a:effectLst>
+                  <a:outerShdw blurRad="38100" dist="38100" dir="2700000" algn="tl">
+                    <a:srgbClr val="000000">
+                      <a:alpha val="43137"/>
+                    </a:srgbClr>
+                  </a:outerShdw>
+                </a:effectLst>
+                <a:ea typeface="+mn-ea"/>
+                <a:cs typeface="+mn-cs"/>
+              </a:rPr>
+              <a:t> </a:t>
+            </a:r>
+            <a:r>
+              <a:rPr lang="en-US" sz="4000" b="1" dirty="0">
+                <a:solidFill>
+                  <a:schemeClr val="accent1">
+                    <a:lumMod val="60000"/>
+                    <a:lumOff val="40000"/>
+                  </a:schemeClr>
+                </a:solidFill>
+                <a:effectLst>
+                  <a:outerShdw blurRad="38100" dist="38100" dir="2700000" algn="tl">
+                    <a:srgbClr val="000000">
+                      <a:alpha val="43137"/>
+                    </a:srgbClr>
+                  </a:outerShdw>
+                </a:effectLst>
+                <a:latin typeface="Arial Black" panose="020B0A04020102020204" pitchFamily="34" charset="0"/>
+                <a:ea typeface="+mn-ea"/>
+                <a:cs typeface="+mn-cs"/>
+              </a:rPr>
+              <a:t>Background</a:t>
+            </a:r>
+          </a:p>
+        </p:txBody>
+      </p:sp>
+      <p:sp>
+        <p:nvSpPr>
+          <p:cNvPr id="3" name="Content Placeholder 2">
+            <a:extLst>
+              <a:ext uri="{FF2B5EF4-FFF2-40B4-BE49-F238E27FC236}">
+                <a16:creationId xmlns:a16="http://schemas.microsoft.com/office/drawing/2014/main" id="{90AA5080-CE76-D1DF-858C-E3EB05B9A34E}"/>
+              </a:ext>
+            </a:extLst>
+          </p:cNvPr>
+          <p:cNvSpPr>
+            <a:spLocks noGrp="1"/>
+          </p:cNvSpPr>
+          <p:nvPr>
+            <p:ph idx="1"/>
+          </p:nvPr>
+        </p:nvSpPr>
+        <p:spPr>
+          <a:xfrm>
+            <a:off x="681446" y="1838688"/>
+            <a:ext cx="6605619" cy="4351338"/>
+          </a:xfrm>
+        </p:spPr>
+        <p:txBody>
+          <a:bodyPr>
+            <a:normAutofit/>
+          </a:bodyPr>
+          <a:lstStyle/>
+          <a:p>
+            <a:r>
+              <a:rPr lang="en-US" b="1" dirty="0"/>
+              <a:t>Customer Engagement: </a:t>
+            </a:r>
+          </a:p>
+          <a:p>
+            <a:pPr lvl="1"/>
+            <a:r>
+              <a:rPr lang="en-US" dirty="0"/>
+              <a:t>Studies show real-time messaging boosts customer satisfaction and loyalty.</a:t>
+            </a:r>
+          </a:p>
+          <a:p>
+            <a:r>
+              <a:rPr lang="en-US" b="1" dirty="0"/>
+              <a:t>Subscription Management: </a:t>
+            </a:r>
+          </a:p>
+          <a:p>
+            <a:pPr lvl="1"/>
+            <a:r>
+              <a:rPr lang="en-US" dirty="0"/>
+              <a:t>Clear renewal options lead to higher retention.</a:t>
+            </a:r>
+          </a:p>
+          <a:p>
+            <a:r>
+              <a:rPr lang="en-US" b="1" dirty="0" err="1"/>
+              <a:t>FitHub’s</a:t>
+            </a:r>
+            <a:r>
+              <a:rPr lang="en-US" b="1" dirty="0"/>
+              <a:t> Advantage</a:t>
+            </a:r>
+            <a:r>
+              <a:rPr lang="en-US" dirty="0"/>
+              <a:t>:</a:t>
+            </a:r>
+          </a:p>
+          <a:p>
+            <a:pPr lvl="1"/>
+            <a:r>
+              <a:rPr lang="en-US" dirty="0"/>
+              <a:t> Integrates CRM, subscriptions, and messaging for an all-in-one solution.</a:t>
+            </a:r>
+          </a:p>
+          <a:p>
+            <a:endParaRPr lang="en-IN" dirty="0">
+              <a:solidFill>
+                <a:srgbClr val="C00000"/>
+              </a:solidFill>
+            </a:endParaRPr>
+          </a:p>
+          <a:p>
+            <a:endParaRPr lang="en-IN" dirty="0">
+              <a:solidFill>
+                <a:srgbClr val="C00000"/>
+              </a:solidFill>
+            </a:endParaRPr>
+          </a:p>
+        </p:txBody>
+      </p:sp>
+      <p:pic>
+        <p:nvPicPr>
+          <p:cNvPr id="2050" name="Picture 2">
+            <a:extLst>
+              <a:ext uri="{FF2B5EF4-FFF2-40B4-BE49-F238E27FC236}">
+                <a16:creationId xmlns:a16="http://schemas.microsoft.com/office/drawing/2014/main" id="{1AE555ED-8B47-47CC-A736-6EB2A7B94849}"/>
+              </a:ext>
+            </a:extLst>
+          </p:cNvPr>
+          <p:cNvPicPr>
+            <a:picLocks noChangeAspect="1" noChangeArrowheads="1"/>
+          </p:cNvPicPr>
+          <p:nvPr/>
+        </p:nvPicPr>
+        <p:blipFill>
+          <a:blip r:embed="rId2">
+            <a:extLst>
+              <a:ext uri="{28A0092B-C50C-407E-A947-70E740481C1C}">
+                <a14:useLocalDpi xmlns:a14="http://schemas.microsoft.com/office/drawing/2010/main" val="0"/>
+              </a:ext>
+            </a:extLst>
+          </a:blip>
+          <a:srcRect/>
+          <a:stretch>
+            <a:fillRect/>
+          </a:stretch>
+        </p:blipFill>
+        <p:spPr bwMode="auto">
+          <a:xfrm>
+            <a:off x="6369172" y="915311"/>
+            <a:ext cx="5284056" cy="4351338"/>
+          </a:xfrm>
+          <a:prstGeom prst="rect">
+            <a:avLst/>
+          </a:prstGeom>
+          <a:noFill/>
+          <a:extLst>
+            <a:ext uri="{909E8E84-426E-40DD-AFC4-6F175D3DCCD1}">
+              <a14:hiddenFill xmlns:a14="http://schemas.microsoft.com/office/drawing/2010/main">
+                <a:solidFill>
+                  <a:srgbClr val="FFFFFF"/>
+                </a:solidFill>
+              </a14:hiddenFill>
+            </a:ext>
+          </a:extLst>
+        </p:spPr>
+      </p:pic>
+    </p:spTree>
+    <p:extLst>
+      <p:ext uri="{BB962C8B-B14F-4D97-AF65-F5344CB8AC3E}">
+        <p14:creationId xmlns:p14="http://schemas.microsoft.com/office/powerpoint/2010/main" val="3347272589"/>
+      </p:ext>
+    </p:extLst>
+  </p:cSld>
+  <p:clrMapOvr>
+    <a:masterClrMapping/>
+  </p:clrMapOvr>
+</p:sld>
+</file>
+
+<file path=ppt/slides/slide5.xml><?xml version="1.0" encoding="utf-8"?>
+<p:sld xmlns:a="http://schemas.openxmlformats.org/drawingml/2006/main" xmlns:r="http://schemas.openxmlformats.org/officeDocument/2006/relationships" xmlns:p="http://schemas.openxmlformats.org/presentationml/2006/main">
+  <p:cSld>
+    <p:spTree>
+      <p:nvGrpSpPr>
+        <p:cNvPr id="1" name=""/>
+        <p:cNvGrpSpPr/>
+        <p:nvPr/>
+      </p:nvGrpSpPr>
+      <p:grpSpPr>
+        <a:xfrm>
+          <a:off x="0" y="0"/>
+          <a:ext cx="0" cy="0"/>
+          <a:chOff x="0" y="0"/>
+          <a:chExt cx="0" cy="0"/>
+        </a:xfrm>
+      </p:grpSpPr>
+      <p:pic>
+        <p:nvPicPr>
+          <p:cNvPr id="13" name="Picture 12">
+            <a:extLst>
+              <a:ext uri="{FF2B5EF4-FFF2-40B4-BE49-F238E27FC236}">
+                <a16:creationId xmlns:a16="http://schemas.microsoft.com/office/drawing/2014/main" id="{B0D6E864-B4D6-4CC5-9737-3C071EEC8E1A}"/>
+              </a:ext>
+            </a:extLst>
+          </p:cNvPr>
+          <p:cNvPicPr>
+            <a:picLocks noChangeAspect="1"/>
+          </p:cNvPicPr>
+          <p:nvPr/>
+        </p:nvPicPr>
+        <p:blipFill>
+          <a:blip r:embed="rId3">
+            <a:extLst>
+              <a:ext uri="{28A0092B-C50C-407E-A947-70E740481C1C}">
+                <a14:useLocalDpi xmlns:a14="http://schemas.microsoft.com/office/drawing/2010/main" val="0"/>
+              </a:ext>
+            </a:extLst>
+          </a:blip>
+          <a:stretch>
+            <a:fillRect/>
+          </a:stretch>
+        </p:blipFill>
+        <p:spPr>
+          <a:xfrm>
+            <a:off x="6553200" y="2022788"/>
+            <a:ext cx="5517208" cy="3413277"/>
+          </a:xfrm>
+          <a:prstGeom prst="rect">
+            <a:avLst/>
+          </a:prstGeom>
+          <a:ln>
+            <a:noFill/>
+          </a:ln>
+          <a:effectLst>
+            <a:softEdge rad="112500"/>
+          </a:effectLst>
+        </p:spPr>
+      </p:pic>
+      <p:sp>
+        <p:nvSpPr>
+          <p:cNvPr id="2" name="Title 1">
+            <a:extLst>
+              <a:ext uri="{FF2B5EF4-FFF2-40B4-BE49-F238E27FC236}">
+                <a16:creationId xmlns:a16="http://schemas.microsoft.com/office/drawing/2014/main" id="{A590A318-7262-1601-7CB8-7DF85E6D77DC}"/>
+              </a:ext>
+            </a:extLst>
+          </p:cNvPr>
+          <p:cNvSpPr>
+            <a:spLocks noGrp="1"/>
+          </p:cNvSpPr>
+          <p:nvPr>
+            <p:ph type="title"/>
+          </p:nvPr>
+        </p:nvSpPr>
+        <p:spPr/>
         <p:txBody>
           <a:bodyPr vert="horz" lIns="91440" tIns="45720" rIns="91440" bIns="45720" rtlCol="0" anchor="ctr">
             <a:normAutofit/>
           </a:bodyPr>
-          <a:lstStyle>
-            <a:lvl1pPr algn="l" defTabSz="914400" rtl="0" eaLnBrk="1" latinLnBrk="0" hangingPunct="1">
-              <a:lnSpc>
-                <a:spcPct val="90000"/>
-              </a:lnSpc>
-              <a:spcBef>
-                <a:spcPct val="0"/>
-              </a:spcBef>
-              <a:buNone/>
-              <a:defRPr sz="4400" kern="1200">
+          <a:lstStyle/>
+          <a:p>
+            <a:r>
+              <a:rPr lang="en-IN" sz="4000" b="1" dirty="0">
                 <a:solidFill>
-                  <a:schemeClr val="tx1"/>
+                  <a:schemeClr val="accent1">
+                    <a:lumMod val="60000"/>
+                    <a:lumOff val="40000"/>
+                  </a:schemeClr>
                 </a:solidFill>
-                <a:latin typeface="+mj-lt"/>
-                <a:ea typeface="+mj-ea"/>
-                <a:cs typeface="+mj-cs"/>
-              </a:defRPr>
-            </a:lvl1pPr>
-          </a:lstStyle>
-          <a:p>
-            <a:pPr algn="ctr"/>
-            <a:r>
-              <a:rPr lang="en-IN" sz="4800" b="1" dirty="0">
+                <a:effectLst>
+                  <a:outerShdw blurRad="38100" dist="38100" dir="2700000" algn="tl">
+                    <a:srgbClr val="000000">
+                      <a:alpha val="43137"/>
+                    </a:srgbClr>
+                  </a:outerShdw>
+                </a:effectLst>
+                <a:latin typeface="Arial Black" panose="020B0A04020102020204" pitchFamily="34" charset="0"/>
+                <a:ea typeface="+mn-ea"/>
+                <a:cs typeface="+mn-cs"/>
+              </a:rPr>
+              <a:t>Motivation &amp; Application</a:t>
+            </a:r>
+          </a:p>
+        </p:txBody>
+      </p:sp>
+      <p:sp>
+        <p:nvSpPr>
+          <p:cNvPr id="3" name="Content Placeholder 2">
+            <a:extLst>
+              <a:ext uri="{FF2B5EF4-FFF2-40B4-BE49-F238E27FC236}">
+                <a16:creationId xmlns:a16="http://schemas.microsoft.com/office/drawing/2014/main" id="{90AA5080-CE76-D1DF-858C-E3EB05B9A34E}"/>
+              </a:ext>
+            </a:extLst>
+          </p:cNvPr>
+          <p:cNvSpPr>
+            <a:spLocks noGrp="1"/>
+          </p:cNvSpPr>
+          <p:nvPr>
+            <p:ph idx="1"/>
+          </p:nvPr>
+        </p:nvSpPr>
+        <p:spPr>
+          <a:xfrm>
+            <a:off x="681446" y="1838688"/>
+            <a:ext cx="6760363" cy="4351338"/>
+          </a:xfrm>
+        </p:spPr>
+        <p:txBody>
+          <a:bodyPr>
+            <a:normAutofit/>
+          </a:bodyPr>
+          <a:lstStyle/>
+          <a:p>
+            <a:r>
+              <a:rPr lang="en-US" dirty="0"/>
+              <a:t> </a:t>
+            </a:r>
+            <a:r>
+              <a:rPr lang="en-US" sz="3300" dirty="0"/>
+              <a:t>Simplifies customer management and subscription tracking for businesses.</a:t>
+            </a:r>
+            <a:endParaRPr lang="en-IN" sz="3300" dirty="0">
+              <a:solidFill>
+                <a:srgbClr val="C00000"/>
+              </a:solidFill>
+            </a:endParaRPr>
+          </a:p>
+          <a:p>
+            <a:r>
+              <a:rPr lang="en-US" sz="3300" dirty="0"/>
+              <a:t>Companies and Institutions face challenges in managing customer interactions, subscriptions, and communications efficiently.</a:t>
+            </a:r>
+          </a:p>
+          <a:p>
+            <a:r>
+              <a:rPr lang="en-US" sz="3300" dirty="0"/>
+              <a:t>Provides one stop solution to all.</a:t>
+            </a:r>
+            <a:endParaRPr lang="en-IN" sz="3300" dirty="0">
+              <a:solidFill>
+                <a:srgbClr val="C00000"/>
+              </a:solidFill>
+            </a:endParaRPr>
+          </a:p>
+        </p:txBody>
+      </p:sp>
+      <p:sp>
+        <p:nvSpPr>
+          <p:cNvPr id="6" name="AutoShape 4" descr="Customer-Base">
+            <a:extLst>
+              <a:ext uri="{FF2B5EF4-FFF2-40B4-BE49-F238E27FC236}">
+                <a16:creationId xmlns:a16="http://schemas.microsoft.com/office/drawing/2014/main" id="{B93C298B-F22C-4451-8422-FDCA31C01C71}"/>
+              </a:ext>
+            </a:extLst>
+          </p:cNvPr>
+          <p:cNvSpPr>
+            <a:spLocks noChangeAspect="1" noChangeArrowheads="1"/>
+          </p:cNvSpPr>
+          <p:nvPr/>
+        </p:nvSpPr>
+        <p:spPr bwMode="auto">
+          <a:xfrm>
+            <a:off x="5943600" y="3276600"/>
+            <a:ext cx="304800" cy="304800"/>
+          </a:xfrm>
+          <a:prstGeom prst="rect">
+            <a:avLst/>
+          </a:prstGeom>
+          <a:noFill/>
+          <a:extLst>
+            <a:ext uri="{909E8E84-426E-40DD-AFC4-6F175D3DCCD1}">
+              <a14:hiddenFill xmlns:a14="http://schemas.microsoft.com/office/drawing/2010/main">
                 <a:solidFill>
-                  <a:srgbClr val="FF0000"/>
+                  <a:srgbClr val="FFFFFF"/>
                 </a:solidFill>
-              </a:rPr>
-              <a:t>Q &amp; A</a:t>
-            </a:r>
+              </a14:hiddenFill>
+            </a:ext>
+          </a:extLst>
+        </p:spPr>
+        <p:txBody>
+          <a:bodyPr vert="horz" wrap="square" lIns="91440" tIns="45720" rIns="91440" bIns="45720" numCol="1" anchor="t" anchorCtr="0" compatLnSpc="1">
+            <a:prstTxWarp prst="textNoShape">
+              <a:avLst/>
+            </a:prstTxWarp>
+          </a:bodyPr>
+          <a:lstStyle/>
+          <a:p>
+            <a:endParaRPr lang="en-IN"/>
+          </a:p>
+        </p:txBody>
+      </p:sp>
+      <p:sp>
+        <p:nvSpPr>
+          <p:cNvPr id="9" name="AutoShape 6" descr="Do you know your customers better than everyone else in your organization?">
+            <a:extLst>
+              <a:ext uri="{FF2B5EF4-FFF2-40B4-BE49-F238E27FC236}">
+                <a16:creationId xmlns:a16="http://schemas.microsoft.com/office/drawing/2014/main" id="{6E2D4C52-97B8-4A90-B705-CA06D94B763B}"/>
+              </a:ext>
+            </a:extLst>
+          </p:cNvPr>
+          <p:cNvSpPr>
+            <a:spLocks noChangeAspect="1" noChangeArrowheads="1"/>
+          </p:cNvSpPr>
+          <p:nvPr/>
+        </p:nvSpPr>
+        <p:spPr bwMode="auto">
+          <a:xfrm>
+            <a:off x="6096000" y="3429000"/>
+            <a:ext cx="304800" cy="304800"/>
+          </a:xfrm>
+          <a:prstGeom prst="rect">
+            <a:avLst/>
+          </a:prstGeom>
+          <a:noFill/>
+          <a:extLst>
+            <a:ext uri="{909E8E84-426E-40DD-AFC4-6F175D3DCCD1}">
+              <a14:hiddenFill xmlns:a14="http://schemas.microsoft.com/office/drawing/2010/main">
+                <a:solidFill>
+                  <a:srgbClr val="FFFFFF"/>
+                </a:solidFill>
+              </a14:hiddenFill>
+            </a:ext>
+          </a:extLst>
+        </p:spPr>
+        <p:txBody>
+          <a:bodyPr vert="horz" wrap="square" lIns="91440" tIns="45720" rIns="91440" bIns="45720" numCol="1" anchor="t" anchorCtr="0" compatLnSpc="1">
+            <a:prstTxWarp prst="textNoShape">
+              <a:avLst/>
+            </a:prstTxWarp>
+          </a:bodyPr>
+          <a:lstStyle/>
+          <a:p>
+            <a:endParaRPr lang="en-IN"/>
           </a:p>
         </p:txBody>
       </p:sp>
     </p:spTree>
     <p:extLst>
       <p:ext uri="{BB962C8B-B14F-4D97-AF65-F5344CB8AC3E}">
-        <p14:creationId xmlns:p14="http://schemas.microsoft.com/office/powerpoint/2010/main" val="3422211920"/>
+        <p14:creationId xmlns:p14="http://schemas.microsoft.com/office/powerpoint/2010/main" val="4242101637"/>
+      </p:ext>
+    </p:extLst>
+  </p:cSld>
+  <p:clrMapOvr>
+    <a:overrideClrMapping bg1="lt1" tx1="dk1" bg2="lt2" tx2="dk2" accent1="accent1" accent2="accent2" accent3="accent3" accent4="accent4" accent5="accent5" accent6="accent6" hlink="hlink" folHlink="folHlink"/>
+  </p:clrMapOvr>
+</p:sld>
+</file>
+
+<file path=ppt/slides/slide6.xml><?xml version="1.0" encoding="utf-8"?>
+<p:sld xmlns:a="http://schemas.openxmlformats.org/drawingml/2006/main" xmlns:r="http://schemas.openxmlformats.org/officeDocument/2006/relationships" xmlns:p="http://schemas.openxmlformats.org/presentationml/2006/main">
+  <p:cSld>
+    <p:spTree>
+      <p:nvGrpSpPr>
+        <p:cNvPr id="1" name=""/>
+        <p:cNvGrpSpPr/>
+        <p:nvPr/>
+      </p:nvGrpSpPr>
+      <p:grpSpPr>
+        <a:xfrm>
+          <a:off x="0" y="0"/>
+          <a:ext cx="0" cy="0"/>
+          <a:chOff x="0" y="0"/>
+          <a:chExt cx="0" cy="0"/>
+        </a:xfrm>
+      </p:grpSpPr>
+      <p:sp>
+        <p:nvSpPr>
+          <p:cNvPr id="2" name="Title 1">
+            <a:extLst>
+              <a:ext uri="{FF2B5EF4-FFF2-40B4-BE49-F238E27FC236}">
+                <a16:creationId xmlns:a16="http://schemas.microsoft.com/office/drawing/2014/main" id="{A590A318-7262-1601-7CB8-7DF85E6D77DC}"/>
+              </a:ext>
+            </a:extLst>
+          </p:cNvPr>
+          <p:cNvSpPr>
+            <a:spLocks noGrp="1"/>
+          </p:cNvSpPr>
+          <p:nvPr>
+            <p:ph type="title"/>
+          </p:nvPr>
+        </p:nvSpPr>
+        <p:spPr/>
+        <p:txBody>
+          <a:bodyPr>
+            <a:normAutofit/>
+          </a:bodyPr>
+          <a:lstStyle/>
+          <a:p>
+            <a:r>
+              <a:rPr lang="en-IN" sz="4000" b="1" dirty="0">
+                <a:solidFill>
+                  <a:schemeClr val="accent1">
+                    <a:lumMod val="60000"/>
+                    <a:lumOff val="40000"/>
+                  </a:schemeClr>
+                </a:solidFill>
+                <a:effectLst>
+                  <a:outerShdw blurRad="38100" dist="38100" dir="2700000" algn="tl">
+                    <a:srgbClr val="000000">
+                      <a:alpha val="43137"/>
+                    </a:srgbClr>
+                  </a:outerShdw>
+                </a:effectLst>
+                <a:latin typeface="Arial Black" panose="020B0A04020102020204" pitchFamily="34" charset="0"/>
+                <a:ea typeface="+mn-ea"/>
+                <a:cs typeface="+mn-cs"/>
+              </a:rPr>
+              <a:t>Motivation &amp; Application</a:t>
+            </a:r>
+          </a:p>
+        </p:txBody>
+      </p:sp>
+      <p:sp>
+        <p:nvSpPr>
+          <p:cNvPr id="3" name="Content Placeholder 2">
+            <a:extLst>
+              <a:ext uri="{FF2B5EF4-FFF2-40B4-BE49-F238E27FC236}">
+                <a16:creationId xmlns:a16="http://schemas.microsoft.com/office/drawing/2014/main" id="{90AA5080-CE76-D1DF-858C-E3EB05B9A34E}"/>
+              </a:ext>
+            </a:extLst>
+          </p:cNvPr>
+          <p:cNvSpPr>
+            <a:spLocks noGrp="1"/>
+          </p:cNvSpPr>
+          <p:nvPr>
+            <p:ph idx="1"/>
+          </p:nvPr>
+        </p:nvSpPr>
+        <p:spPr>
+          <a:xfrm>
+            <a:off x="681446" y="1838688"/>
+            <a:ext cx="6956483" cy="4351338"/>
+          </a:xfrm>
+        </p:spPr>
+        <p:txBody>
+          <a:bodyPr>
+            <a:normAutofit/>
+          </a:bodyPr>
+          <a:lstStyle/>
+          <a:p>
+            <a:r>
+              <a:rPr lang="en-IN" sz="3300" dirty="0"/>
+              <a:t>This Platform can be utilized by – </a:t>
+            </a:r>
+          </a:p>
+          <a:p>
+            <a:pPr lvl="1">
+              <a:buFont typeface="Wingdings" panose="05000000000000000000" pitchFamily="2" charset="2"/>
+              <a:buChar char="ü"/>
+            </a:pPr>
+            <a:r>
+              <a:rPr lang="en-IN" sz="2800" dirty="0"/>
+              <a:t>Gyms and Fitness </a:t>
+            </a:r>
+            <a:r>
+              <a:rPr lang="en-IN" sz="2800" dirty="0" err="1"/>
+              <a:t>centers</a:t>
+            </a:r>
+            <a:r>
+              <a:rPr lang="en-IN" sz="2800" dirty="0"/>
+              <a:t> </a:t>
+            </a:r>
+          </a:p>
+          <a:p>
+            <a:pPr lvl="2"/>
+            <a:r>
+              <a:rPr lang="en-US" sz="1900" dirty="0"/>
+              <a:t>Manage member subscriptions tracking, attendance,  direct communication</a:t>
+            </a:r>
+            <a:endParaRPr lang="en-IN" sz="1900" dirty="0"/>
+          </a:p>
+          <a:p>
+            <a:pPr lvl="1">
+              <a:buFont typeface="Wingdings" panose="05000000000000000000" pitchFamily="2" charset="2"/>
+              <a:buChar char="ü"/>
+            </a:pPr>
+            <a:r>
+              <a:rPr lang="en-IN" sz="2800" dirty="0"/>
+              <a:t>Healthcare Clinics</a:t>
+            </a:r>
+          </a:p>
+          <a:p>
+            <a:pPr lvl="2"/>
+            <a:r>
+              <a:rPr lang="en-IN" dirty="0"/>
+              <a:t>A</a:t>
+            </a:r>
+            <a:r>
+              <a:rPr lang="en-US" dirty="0" err="1"/>
+              <a:t>ppointments</a:t>
+            </a:r>
+            <a:r>
+              <a:rPr lang="en-US" dirty="0"/>
+              <a:t>, health plans, reminders.</a:t>
+            </a:r>
+            <a:endParaRPr lang="en-IN" dirty="0"/>
+          </a:p>
+          <a:p>
+            <a:pPr lvl="1">
+              <a:buFont typeface="Wingdings" panose="05000000000000000000" pitchFamily="2" charset="2"/>
+              <a:buChar char="ü"/>
+            </a:pPr>
+            <a:r>
+              <a:rPr lang="en-IN" sz="2800" dirty="0"/>
+              <a:t>Educational Institutions</a:t>
+            </a:r>
+          </a:p>
+          <a:p>
+            <a:pPr lvl="2"/>
+            <a:r>
+              <a:rPr lang="en-US" dirty="0"/>
+              <a:t>student enrollments, track course subscriptions, and communication</a:t>
+            </a:r>
+            <a:r>
+              <a:rPr lang="en-US" sz="1600" dirty="0"/>
+              <a:t>.</a:t>
+            </a:r>
+            <a:endParaRPr lang="en-IN" sz="1600" dirty="0"/>
+          </a:p>
+          <a:p>
+            <a:pPr lvl="1"/>
+            <a:endParaRPr lang="en-IN" dirty="0"/>
+          </a:p>
+          <a:p>
+            <a:pPr marL="457200" lvl="1" indent="0">
+              <a:buNone/>
+            </a:pPr>
+            <a:r>
+              <a:rPr lang="en-IN" sz="2800" dirty="0"/>
+              <a:t>…etc</a:t>
+            </a:r>
+          </a:p>
+          <a:p>
+            <a:pPr marL="914400" lvl="1" indent="-457200">
+              <a:buFont typeface="+mj-lt"/>
+              <a:buAutoNum type="arabicPeriod"/>
+            </a:pPr>
+            <a:endParaRPr lang="en-IN" sz="1800" dirty="0">
+              <a:solidFill>
+                <a:srgbClr val="C00000"/>
+              </a:solidFill>
+            </a:endParaRPr>
+          </a:p>
+          <a:p>
+            <a:pPr marL="0" indent="0">
+              <a:buNone/>
+            </a:pPr>
+            <a:endParaRPr lang="en-IN" dirty="0">
+              <a:solidFill>
+                <a:srgbClr val="C00000"/>
+              </a:solidFill>
+            </a:endParaRPr>
+          </a:p>
+        </p:txBody>
+      </p:sp>
+      <p:pic>
+        <p:nvPicPr>
+          <p:cNvPr id="15" name="Picture 14">
+            <a:extLst>
+              <a:ext uri="{FF2B5EF4-FFF2-40B4-BE49-F238E27FC236}">
+                <a16:creationId xmlns:a16="http://schemas.microsoft.com/office/drawing/2014/main" id="{F8604D84-378B-4064-85F7-B7EE1F5DAFA1}"/>
+              </a:ext>
+            </a:extLst>
+          </p:cNvPr>
+          <p:cNvPicPr>
+            <a:picLocks noChangeAspect="1"/>
+          </p:cNvPicPr>
+          <p:nvPr/>
+        </p:nvPicPr>
+        <p:blipFill>
+          <a:blip r:embed="rId3">
+            <a:extLst>
+              <a:ext uri="{28A0092B-C50C-407E-A947-70E740481C1C}">
+                <a14:useLocalDpi xmlns:a14="http://schemas.microsoft.com/office/drawing/2010/main" val="0"/>
+              </a:ext>
+            </a:extLst>
+          </a:blip>
+          <a:stretch>
+            <a:fillRect/>
+          </a:stretch>
+        </p:blipFill>
+        <p:spPr>
+          <a:xfrm>
+            <a:off x="7823529" y="1285367"/>
+            <a:ext cx="2444804" cy="1629869"/>
+          </a:xfrm>
+          <a:prstGeom prst="rect">
+            <a:avLst/>
+          </a:prstGeom>
+          <a:ln>
+            <a:noFill/>
+          </a:ln>
+          <a:effectLst>
+            <a:softEdge rad="112500"/>
+          </a:effectLst>
+        </p:spPr>
+      </p:pic>
+      <p:pic>
+        <p:nvPicPr>
+          <p:cNvPr id="17" name="Picture 16">
+            <a:extLst>
+              <a:ext uri="{FF2B5EF4-FFF2-40B4-BE49-F238E27FC236}">
+                <a16:creationId xmlns:a16="http://schemas.microsoft.com/office/drawing/2014/main" id="{20E28390-7501-403D-B829-D5BC196DA47F}"/>
+              </a:ext>
+            </a:extLst>
+          </p:cNvPr>
+          <p:cNvPicPr>
+            <a:picLocks noChangeAspect="1"/>
+          </p:cNvPicPr>
+          <p:nvPr/>
+        </p:nvPicPr>
+        <p:blipFill>
+          <a:blip r:embed="rId4">
+            <a:extLst>
+              <a:ext uri="{28A0092B-C50C-407E-A947-70E740481C1C}">
+                <a14:useLocalDpi xmlns:a14="http://schemas.microsoft.com/office/drawing/2010/main" val="0"/>
+              </a:ext>
+            </a:extLst>
+          </a:blip>
+          <a:stretch>
+            <a:fillRect/>
+          </a:stretch>
+        </p:blipFill>
+        <p:spPr>
+          <a:xfrm>
+            <a:off x="10322869" y="2278966"/>
+            <a:ext cx="1456627" cy="1456627"/>
+          </a:xfrm>
+          <a:prstGeom prst="rect">
+            <a:avLst/>
+          </a:prstGeom>
+          <a:ln>
+            <a:noFill/>
+          </a:ln>
+          <a:effectLst>
+            <a:softEdge rad="112500"/>
+          </a:effectLst>
+        </p:spPr>
+      </p:pic>
+      <p:pic>
+        <p:nvPicPr>
+          <p:cNvPr id="19" name="Picture 18">
+            <a:extLst>
+              <a:ext uri="{FF2B5EF4-FFF2-40B4-BE49-F238E27FC236}">
+                <a16:creationId xmlns:a16="http://schemas.microsoft.com/office/drawing/2014/main" id="{C3ED0894-A79D-49CD-A120-A278FC5C11DF}"/>
+              </a:ext>
+            </a:extLst>
+          </p:cNvPr>
+          <p:cNvPicPr>
+            <a:picLocks noChangeAspect="1"/>
+          </p:cNvPicPr>
+          <p:nvPr/>
+        </p:nvPicPr>
+        <p:blipFill>
+          <a:blip r:embed="rId5">
+            <a:extLst>
+              <a:ext uri="{28A0092B-C50C-407E-A947-70E740481C1C}">
+                <a14:useLocalDpi xmlns:a14="http://schemas.microsoft.com/office/drawing/2010/main" val="0"/>
+              </a:ext>
+            </a:extLst>
+          </a:blip>
+          <a:stretch>
+            <a:fillRect/>
+          </a:stretch>
+        </p:blipFill>
+        <p:spPr>
+          <a:xfrm>
+            <a:off x="7823529" y="4014356"/>
+            <a:ext cx="3777202" cy="1983031"/>
+          </a:xfrm>
+          <a:prstGeom prst="rect">
+            <a:avLst/>
+          </a:prstGeom>
+          <a:ln>
+            <a:noFill/>
+          </a:ln>
+          <a:effectLst>
+            <a:softEdge rad="112500"/>
+          </a:effectLst>
+        </p:spPr>
+      </p:pic>
+    </p:spTree>
+    <p:extLst>
+      <p:ext uri="{BB962C8B-B14F-4D97-AF65-F5344CB8AC3E}">
+        <p14:creationId xmlns:p14="http://schemas.microsoft.com/office/powerpoint/2010/main" val="4269703301"/>
+      </p:ext>
+    </p:extLst>
+  </p:cSld>
+  <p:clrMapOvr>
+    <a:overrideClrMapping bg1="lt1" tx1="dk1" bg2="lt2" tx2="dk2" accent1="accent1" accent2="accent2" accent3="accent3" accent4="accent4" accent5="accent5" accent6="accent6" hlink="hlink" folHlink="folHlink"/>
+  </p:clrMapOvr>
+</p:sld>
+</file>
+
+<file path=ppt/slides/slide7.xml><?xml version="1.0" encoding="utf-8"?>
+<p:sld xmlns:a="http://schemas.openxmlformats.org/drawingml/2006/main" xmlns:r="http://schemas.openxmlformats.org/officeDocument/2006/relationships" xmlns:p="http://schemas.openxmlformats.org/presentationml/2006/main">
+  <p:cSld>
+    <p:spTree>
+      <p:nvGrpSpPr>
+        <p:cNvPr id="1" name=""/>
+        <p:cNvGrpSpPr/>
+        <p:nvPr/>
+      </p:nvGrpSpPr>
+      <p:grpSpPr>
+        <a:xfrm>
+          <a:off x="0" y="0"/>
+          <a:ext cx="0" cy="0"/>
+          <a:chOff x="0" y="0"/>
+          <a:chExt cx="0" cy="0"/>
+        </a:xfrm>
+      </p:grpSpPr>
+      <p:sp>
+        <p:nvSpPr>
+          <p:cNvPr id="2" name="Title 1">
+            <a:extLst>
+              <a:ext uri="{FF2B5EF4-FFF2-40B4-BE49-F238E27FC236}">
+                <a16:creationId xmlns:a16="http://schemas.microsoft.com/office/drawing/2014/main" id="{A590A318-7262-1601-7CB8-7DF85E6D77DC}"/>
+              </a:ext>
+            </a:extLst>
+          </p:cNvPr>
+          <p:cNvSpPr>
+            <a:spLocks noGrp="1"/>
+          </p:cNvSpPr>
+          <p:nvPr>
+            <p:ph type="title"/>
+          </p:nvPr>
+        </p:nvSpPr>
+        <p:spPr/>
+        <p:txBody>
+          <a:bodyPr>
+            <a:normAutofit/>
+          </a:bodyPr>
+          <a:lstStyle/>
+          <a:p>
+            <a:r>
+              <a:rPr lang="en-US" sz="4000" b="1" dirty="0">
+                <a:solidFill>
+                  <a:schemeClr val="accent1">
+                    <a:lumMod val="60000"/>
+                    <a:lumOff val="40000"/>
+                  </a:schemeClr>
+                </a:solidFill>
+                <a:effectLst>
+                  <a:outerShdw blurRad="38100" dist="38100" dir="2700000" algn="tl">
+                    <a:srgbClr val="000000">
+                      <a:alpha val="43137"/>
+                    </a:srgbClr>
+                  </a:outerShdw>
+                </a:effectLst>
+                <a:latin typeface="Arial Black" panose="020B0A04020102020204" pitchFamily="34" charset="0"/>
+                <a:ea typeface="+mn-ea"/>
+                <a:cs typeface="+mn-cs"/>
+              </a:rPr>
+              <a:t>P</a:t>
+            </a:r>
+            <a:r>
+              <a:rPr lang="en-IN" sz="4000" b="1" dirty="0" err="1">
+                <a:solidFill>
+                  <a:schemeClr val="accent1">
+                    <a:lumMod val="60000"/>
+                    <a:lumOff val="40000"/>
+                  </a:schemeClr>
+                </a:solidFill>
+                <a:effectLst>
+                  <a:outerShdw blurRad="38100" dist="38100" dir="2700000" algn="tl">
+                    <a:srgbClr val="000000">
+                      <a:alpha val="43137"/>
+                    </a:srgbClr>
+                  </a:outerShdw>
+                </a:effectLst>
+                <a:latin typeface="Arial Black" panose="020B0A04020102020204" pitchFamily="34" charset="0"/>
+                <a:ea typeface="+mn-ea"/>
+                <a:cs typeface="+mn-cs"/>
+              </a:rPr>
+              <a:t>roject</a:t>
+            </a:r>
+            <a:r>
+              <a:rPr lang="en-IN" sz="4000" b="1" dirty="0">
+                <a:solidFill>
+                  <a:schemeClr val="accent1">
+                    <a:lumMod val="60000"/>
+                    <a:lumOff val="40000"/>
+                  </a:schemeClr>
+                </a:solidFill>
+                <a:effectLst>
+                  <a:outerShdw blurRad="38100" dist="38100" dir="2700000" algn="tl">
+                    <a:srgbClr val="000000">
+                      <a:alpha val="43137"/>
+                    </a:srgbClr>
+                  </a:outerShdw>
+                </a:effectLst>
+                <a:latin typeface="Arial Black" panose="020B0A04020102020204" pitchFamily="34" charset="0"/>
+                <a:ea typeface="+mn-ea"/>
+                <a:cs typeface="+mn-cs"/>
+              </a:rPr>
+              <a:t> </a:t>
+            </a:r>
+            <a:r>
+              <a:rPr lang="en-IN" sz="4000" b="1" dirty="0" err="1">
+                <a:solidFill>
+                  <a:schemeClr val="accent1">
+                    <a:lumMod val="60000"/>
+                    <a:lumOff val="40000"/>
+                  </a:schemeClr>
+                </a:solidFill>
+                <a:effectLst>
+                  <a:outerShdw blurRad="38100" dist="38100" dir="2700000" algn="tl">
+                    <a:srgbClr val="000000">
+                      <a:alpha val="43137"/>
+                    </a:srgbClr>
+                  </a:outerShdw>
+                </a:effectLst>
+                <a:latin typeface="Arial Black" panose="020B0A04020102020204" pitchFamily="34" charset="0"/>
+                <a:ea typeface="+mn-ea"/>
+                <a:cs typeface="+mn-cs"/>
+              </a:rPr>
+              <a:t>Contribuiton</a:t>
+            </a:r>
+            <a:endParaRPr lang="en-IN" sz="4000" b="1" dirty="0">
+              <a:solidFill>
+                <a:schemeClr val="accent1">
+                  <a:lumMod val="60000"/>
+                  <a:lumOff val="40000"/>
+                </a:schemeClr>
+              </a:solidFill>
+              <a:effectLst>
+                <a:outerShdw blurRad="38100" dist="38100" dir="2700000" algn="tl">
+                  <a:srgbClr val="000000">
+                    <a:alpha val="43137"/>
+                  </a:srgbClr>
+                </a:outerShdw>
+              </a:effectLst>
+              <a:latin typeface="Arial Black" panose="020B0A04020102020204" pitchFamily="34" charset="0"/>
+              <a:ea typeface="+mn-ea"/>
+              <a:cs typeface="+mn-cs"/>
+            </a:endParaRPr>
+          </a:p>
+        </p:txBody>
+      </p:sp>
+      <p:sp>
+        <p:nvSpPr>
+          <p:cNvPr id="3" name="Content Placeholder 2">
+            <a:extLst>
+              <a:ext uri="{FF2B5EF4-FFF2-40B4-BE49-F238E27FC236}">
+                <a16:creationId xmlns:a16="http://schemas.microsoft.com/office/drawing/2014/main" id="{90AA5080-CE76-D1DF-858C-E3EB05B9A34E}"/>
+              </a:ext>
+            </a:extLst>
+          </p:cNvPr>
+          <p:cNvSpPr>
+            <a:spLocks noGrp="1"/>
+          </p:cNvSpPr>
+          <p:nvPr>
+            <p:ph idx="1"/>
+          </p:nvPr>
+        </p:nvSpPr>
+        <p:spPr>
+          <a:xfrm>
+            <a:off x="681446" y="1976718"/>
+            <a:ext cx="11353800" cy="4213308"/>
+          </a:xfrm>
+        </p:spPr>
+        <p:txBody>
+          <a:bodyPr>
+            <a:noAutofit/>
+          </a:bodyPr>
+          <a:lstStyle/>
+          <a:p>
+            <a:pPr marL="0" indent="0">
+              <a:buNone/>
+            </a:pPr>
+            <a:r>
+              <a:rPr lang="en-US" b="1" dirty="0"/>
+              <a:t>Unified Platform: </a:t>
+            </a:r>
+            <a:r>
+              <a:rPr lang="en-US" dirty="0"/>
+              <a:t>Combines CRM, subscription management, and messaging in one system.</a:t>
+            </a:r>
+          </a:p>
+          <a:p>
+            <a:pPr marL="0" indent="0">
+              <a:buNone/>
+            </a:pPr>
+            <a:r>
+              <a:rPr lang="en-US" b="1" dirty="0"/>
+              <a:t>Real-Time Communication: </a:t>
+            </a:r>
+            <a:r>
+              <a:rPr lang="en-US" dirty="0"/>
+              <a:t>Enables quick responses to customers, improving satisfaction.</a:t>
+            </a:r>
+          </a:p>
+          <a:p>
+            <a:pPr marL="0" indent="0">
+              <a:buNone/>
+            </a:pPr>
+            <a:r>
+              <a:rPr lang="en-US" b="1" dirty="0"/>
+              <a:t>Clear Subscription Tracking: </a:t>
+            </a:r>
+            <a:r>
+              <a:rPr lang="en-US" dirty="0"/>
+              <a:t>Gives customers easy access to subscription details.</a:t>
+            </a:r>
+          </a:p>
+          <a:p>
+            <a:pPr marL="0" indent="0">
+              <a:buNone/>
+            </a:pPr>
+            <a:r>
+              <a:rPr lang="en-US" b="1" dirty="0"/>
+              <a:t>Efficiency: </a:t>
+            </a:r>
+            <a:r>
+              <a:rPr lang="en-US" dirty="0"/>
+              <a:t>Reduces need for multiple tools, saving time for admins.</a:t>
+            </a:r>
+          </a:p>
+          <a:p>
+            <a:pPr marL="0" indent="0">
+              <a:buNone/>
+            </a:pPr>
+            <a:r>
+              <a:rPr lang="en-US" b="1" dirty="0"/>
+              <a:t>Scalability: </a:t>
+            </a:r>
+            <a:r>
+              <a:rPr lang="en-US" dirty="0"/>
+              <a:t>Built to grow with the business.</a:t>
+            </a:r>
+          </a:p>
+        </p:txBody>
+      </p:sp>
+    </p:spTree>
+    <p:extLst>
+      <p:ext uri="{BB962C8B-B14F-4D97-AF65-F5344CB8AC3E}">
+        <p14:creationId xmlns:p14="http://schemas.microsoft.com/office/powerpoint/2010/main" val="3534008184"/>
+      </p:ext>
+    </p:extLst>
+  </p:cSld>
+  <p:clrMapOvr>
+    <a:masterClrMapping/>
+  </p:clrMapOvr>
+</p:sld>
+</file>
+
+<file path=ppt/slides/slide8.xml><?xml version="1.0" encoding="utf-8"?>
+<p:sld xmlns:a="http://schemas.openxmlformats.org/drawingml/2006/main" xmlns:r="http://schemas.openxmlformats.org/officeDocument/2006/relationships" xmlns:p="http://schemas.openxmlformats.org/presentationml/2006/main">
+  <p:cSld>
+    <p:spTree>
+      <p:nvGrpSpPr>
+        <p:cNvPr id="1" name=""/>
+        <p:cNvGrpSpPr/>
+        <p:nvPr/>
+      </p:nvGrpSpPr>
+      <p:grpSpPr>
+        <a:xfrm>
+          <a:off x="0" y="0"/>
+          <a:ext cx="0" cy="0"/>
+          <a:chOff x="0" y="0"/>
+          <a:chExt cx="0" cy="0"/>
+        </a:xfrm>
+      </p:grpSpPr>
+      <p:pic>
+        <p:nvPicPr>
+          <p:cNvPr id="9" name="Picture 8">
+            <a:extLst>
+              <a:ext uri="{FF2B5EF4-FFF2-40B4-BE49-F238E27FC236}">
+                <a16:creationId xmlns:a16="http://schemas.microsoft.com/office/drawing/2014/main" id="{405A547C-3EE5-483D-92F9-DCAC8148CD79}"/>
+              </a:ext>
+            </a:extLst>
+          </p:cNvPr>
+          <p:cNvPicPr>
+            <a:picLocks noChangeAspect="1"/>
+          </p:cNvPicPr>
+          <p:nvPr/>
+        </p:nvPicPr>
+        <p:blipFill>
+          <a:blip r:embed="rId2">
+            <a:extLst>
+              <a:ext uri="{28A0092B-C50C-407E-A947-70E740481C1C}">
+                <a14:useLocalDpi xmlns:a14="http://schemas.microsoft.com/office/drawing/2010/main" val="0"/>
+              </a:ext>
+            </a:extLst>
+          </a:blip>
+          <a:stretch>
+            <a:fillRect/>
+          </a:stretch>
+        </p:blipFill>
+        <p:spPr>
+          <a:xfrm>
+            <a:off x="6154686" y="732415"/>
+            <a:ext cx="5941398" cy="2905220"/>
+          </a:xfrm>
+          <a:prstGeom prst="rect">
+            <a:avLst/>
+          </a:prstGeom>
+          <a:ln>
+            <a:noFill/>
+          </a:ln>
+          <a:effectLst>
+            <a:glow>
+              <a:schemeClr val="accent1">
+                <a:alpha val="61000"/>
+              </a:schemeClr>
+            </a:glow>
+            <a:softEdge rad="112500"/>
+          </a:effectLst>
+        </p:spPr>
+      </p:pic>
+      <p:pic>
+        <p:nvPicPr>
+          <p:cNvPr id="7" name="Picture 6">
+            <a:extLst>
+              <a:ext uri="{FF2B5EF4-FFF2-40B4-BE49-F238E27FC236}">
+                <a16:creationId xmlns:a16="http://schemas.microsoft.com/office/drawing/2014/main" id="{27F14E91-0D75-4794-BF91-D1AE73458139}"/>
+              </a:ext>
+            </a:extLst>
+          </p:cNvPr>
+          <p:cNvPicPr>
+            <a:picLocks noChangeAspect="1"/>
+          </p:cNvPicPr>
+          <p:nvPr/>
+        </p:nvPicPr>
+        <p:blipFill rotWithShape="1">
+          <a:blip r:embed="rId3">
+            <a:extLst>
+              <a:ext uri="{28A0092B-C50C-407E-A947-70E740481C1C}">
+                <a14:useLocalDpi xmlns:a14="http://schemas.microsoft.com/office/drawing/2010/main" val="0"/>
+              </a:ext>
+            </a:extLst>
+          </a:blip>
+          <a:srcRect t="15817" b="33728"/>
+          <a:stretch/>
+        </p:blipFill>
+        <p:spPr>
+          <a:xfrm rot="981706">
+            <a:off x="7503780" y="4215637"/>
+            <a:ext cx="4329512" cy="1571097"/>
+          </a:xfrm>
+          <a:prstGeom prst="rect">
+            <a:avLst/>
+          </a:prstGeom>
+          <a:ln>
+            <a:noFill/>
+          </a:ln>
+          <a:effectLst>
+            <a:softEdge rad="112500"/>
+          </a:effectLst>
+        </p:spPr>
+      </p:pic>
+      <p:sp>
+        <p:nvSpPr>
+          <p:cNvPr id="2" name="Title 1">
+            <a:extLst>
+              <a:ext uri="{FF2B5EF4-FFF2-40B4-BE49-F238E27FC236}">
+                <a16:creationId xmlns:a16="http://schemas.microsoft.com/office/drawing/2014/main" id="{A590A318-7262-1601-7CB8-7DF85E6D77DC}"/>
+              </a:ext>
+            </a:extLst>
+          </p:cNvPr>
+          <p:cNvSpPr>
+            <a:spLocks noGrp="1"/>
+          </p:cNvSpPr>
+          <p:nvPr>
+            <p:ph type="title"/>
+          </p:nvPr>
+        </p:nvSpPr>
+        <p:spPr/>
+        <p:txBody>
+          <a:bodyPr>
+            <a:normAutofit/>
+          </a:bodyPr>
+          <a:lstStyle/>
+          <a:p>
+            <a:r>
+              <a:rPr lang="en-US" sz="4000" b="1" dirty="0">
+                <a:solidFill>
+                  <a:schemeClr val="accent1">
+                    <a:lumMod val="60000"/>
+                    <a:lumOff val="40000"/>
+                  </a:schemeClr>
+                </a:solidFill>
+                <a:effectLst>
+                  <a:outerShdw blurRad="38100" dist="38100" dir="2700000" algn="tl">
+                    <a:srgbClr val="000000">
+                      <a:alpha val="43137"/>
+                    </a:srgbClr>
+                  </a:outerShdw>
+                </a:effectLst>
+                <a:latin typeface="Arial Black" panose="020B0A04020102020204" pitchFamily="34" charset="0"/>
+                <a:ea typeface="+mn-ea"/>
+                <a:cs typeface="+mn-cs"/>
+              </a:rPr>
+              <a:t>Methodology</a:t>
+            </a:r>
+            <a:endParaRPr lang="en-IN" sz="4000" b="1" dirty="0">
+              <a:solidFill>
+                <a:schemeClr val="accent1">
+                  <a:lumMod val="60000"/>
+                  <a:lumOff val="40000"/>
+                </a:schemeClr>
+              </a:solidFill>
+              <a:effectLst>
+                <a:outerShdw blurRad="38100" dist="38100" dir="2700000" algn="tl">
+                  <a:srgbClr val="000000">
+                    <a:alpha val="43137"/>
+                  </a:srgbClr>
+                </a:outerShdw>
+              </a:effectLst>
+              <a:latin typeface="Arial Black" panose="020B0A04020102020204" pitchFamily="34" charset="0"/>
+              <a:ea typeface="+mn-ea"/>
+              <a:cs typeface="+mn-cs"/>
+            </a:endParaRPr>
+          </a:p>
+        </p:txBody>
+      </p:sp>
+      <p:sp>
+        <p:nvSpPr>
+          <p:cNvPr id="3" name="Content Placeholder 2">
+            <a:extLst>
+              <a:ext uri="{FF2B5EF4-FFF2-40B4-BE49-F238E27FC236}">
+                <a16:creationId xmlns:a16="http://schemas.microsoft.com/office/drawing/2014/main" id="{90AA5080-CE76-D1DF-858C-E3EB05B9A34E}"/>
+              </a:ext>
+            </a:extLst>
+          </p:cNvPr>
+          <p:cNvSpPr>
+            <a:spLocks noGrp="1"/>
+          </p:cNvSpPr>
+          <p:nvPr>
+            <p:ph idx="1"/>
+          </p:nvPr>
+        </p:nvSpPr>
+        <p:spPr>
+          <a:xfrm>
+            <a:off x="681447" y="1465729"/>
+            <a:ext cx="7097988" cy="4724297"/>
+          </a:xfrm>
+        </p:spPr>
+        <p:txBody>
+          <a:bodyPr>
+            <a:normAutofit/>
+          </a:bodyPr>
+          <a:lstStyle/>
+          <a:p>
+            <a:pPr marL="0" indent="0">
+              <a:buNone/>
+            </a:pPr>
+            <a:r>
+              <a:rPr lang="en-US" sz="3200" b="1" dirty="0"/>
+              <a:t>System Design:</a:t>
+            </a:r>
+          </a:p>
+          <a:p>
+            <a:r>
+              <a:rPr lang="en-US" dirty="0"/>
+              <a:t>Designed a user-friendly interface with React for the client side.</a:t>
+            </a:r>
+          </a:p>
+          <a:p>
+            <a:r>
+              <a:rPr lang="en-US" dirty="0"/>
+              <a:t>Created a backend with Node.js and Express for handling data requests and updates.</a:t>
+            </a:r>
+          </a:p>
+          <a:p>
+            <a:pPr marL="0" indent="0">
+              <a:buNone/>
+            </a:pPr>
+            <a:r>
+              <a:rPr lang="en-US" sz="3200" b="1" dirty="0"/>
+              <a:t>Database Setup:</a:t>
+            </a:r>
+          </a:p>
+          <a:p>
+            <a:r>
+              <a:rPr lang="en-US" dirty="0"/>
+              <a:t>Used MongoDB to store customer profiles, subscription details, and messages.</a:t>
+            </a:r>
+          </a:p>
+          <a:p>
+            <a:r>
+              <a:rPr lang="en-US" dirty="0"/>
+              <a:t>Organized data to ensure quick access and easy updates.</a:t>
+            </a:r>
+          </a:p>
+        </p:txBody>
+      </p:sp>
+    </p:spTree>
+    <p:extLst>
+      <p:ext uri="{BB962C8B-B14F-4D97-AF65-F5344CB8AC3E}">
+        <p14:creationId xmlns:p14="http://schemas.microsoft.com/office/powerpoint/2010/main" val="521059418"/>
+      </p:ext>
+    </p:extLst>
+  </p:cSld>
+  <p:clrMapOvr>
+    <a:masterClrMapping/>
+  </p:clrMapOvr>
+</p:sld>
+</file>
+
+<file path=ppt/slides/slide9.xml><?xml version="1.0" encoding="utf-8"?>
+<p:sld xmlns:a="http://schemas.openxmlformats.org/drawingml/2006/main" xmlns:r="http://schemas.openxmlformats.org/officeDocument/2006/relationships" xmlns:p="http://schemas.openxmlformats.org/presentationml/2006/main">
+  <p:cSld>
+    <p:spTree>
+      <p:nvGrpSpPr>
+        <p:cNvPr id="1" name=""/>
+        <p:cNvGrpSpPr/>
+        <p:nvPr/>
+      </p:nvGrpSpPr>
+      <p:grpSpPr>
+        <a:xfrm>
+          <a:off x="0" y="0"/>
+          <a:ext cx="0" cy="0"/>
+          <a:chOff x="0" y="0"/>
+          <a:chExt cx="0" cy="0"/>
+        </a:xfrm>
+      </p:grpSpPr>
+      <p:pic>
+        <p:nvPicPr>
+          <p:cNvPr id="5" name="Picture 4">
+            <a:extLst>
+              <a:ext uri="{FF2B5EF4-FFF2-40B4-BE49-F238E27FC236}">
+                <a16:creationId xmlns:a16="http://schemas.microsoft.com/office/drawing/2014/main" id="{7AE8AC1D-7B0F-4A07-9D94-236D8C36C373}"/>
+              </a:ext>
+            </a:extLst>
+          </p:cNvPr>
+          <p:cNvPicPr>
+            <a:picLocks noChangeAspect="1"/>
+          </p:cNvPicPr>
+          <p:nvPr/>
+        </p:nvPicPr>
+        <p:blipFill rotWithShape="1">
+          <a:blip r:embed="rId2">
+            <a:extLst>
+              <a:ext uri="{28A0092B-C50C-407E-A947-70E740481C1C}">
+                <a14:useLocalDpi xmlns:a14="http://schemas.microsoft.com/office/drawing/2010/main" val="0"/>
+              </a:ext>
+            </a:extLst>
+          </a:blip>
+          <a:srcRect r="7010"/>
+          <a:stretch/>
+        </p:blipFill>
+        <p:spPr>
+          <a:xfrm>
+            <a:off x="6096000" y="1690688"/>
+            <a:ext cx="5945945" cy="3634264"/>
+          </a:xfrm>
+          <a:prstGeom prst="rect">
+            <a:avLst/>
+          </a:prstGeom>
+          <a:ln>
+            <a:noFill/>
+          </a:ln>
+          <a:effectLst>
+            <a:softEdge rad="112500"/>
+          </a:effectLst>
+        </p:spPr>
+      </p:pic>
+      <p:sp>
+        <p:nvSpPr>
+          <p:cNvPr id="2" name="Title 1">
+            <a:extLst>
+              <a:ext uri="{FF2B5EF4-FFF2-40B4-BE49-F238E27FC236}">
+                <a16:creationId xmlns:a16="http://schemas.microsoft.com/office/drawing/2014/main" id="{A590A318-7262-1601-7CB8-7DF85E6D77DC}"/>
+              </a:ext>
+            </a:extLst>
+          </p:cNvPr>
+          <p:cNvSpPr>
+            <a:spLocks noGrp="1"/>
+          </p:cNvSpPr>
+          <p:nvPr>
+            <p:ph type="title"/>
+          </p:nvPr>
+        </p:nvSpPr>
+        <p:spPr/>
+        <p:txBody>
+          <a:bodyPr>
+            <a:normAutofit/>
+          </a:bodyPr>
+          <a:lstStyle/>
+          <a:p>
+            <a:r>
+              <a:rPr lang="en-US" sz="4000" b="1" dirty="0">
+                <a:solidFill>
+                  <a:schemeClr val="accent1">
+                    <a:lumMod val="60000"/>
+                    <a:lumOff val="40000"/>
+                  </a:schemeClr>
+                </a:solidFill>
+                <a:effectLst>
+                  <a:outerShdw blurRad="38100" dist="38100" dir="2700000" algn="tl">
+                    <a:srgbClr val="000000">
+                      <a:alpha val="43137"/>
+                    </a:srgbClr>
+                  </a:outerShdw>
+                </a:effectLst>
+                <a:latin typeface="Arial Black" panose="020B0A04020102020204" pitchFamily="34" charset="0"/>
+                <a:ea typeface="+mn-ea"/>
+                <a:cs typeface="+mn-cs"/>
+              </a:rPr>
+              <a:t>Methodology</a:t>
+            </a:r>
+            <a:endParaRPr lang="en-IN" sz="4000" b="1" dirty="0">
+              <a:solidFill>
+                <a:schemeClr val="accent1">
+                  <a:lumMod val="60000"/>
+                  <a:lumOff val="40000"/>
+                </a:schemeClr>
+              </a:solidFill>
+              <a:effectLst>
+                <a:outerShdw blurRad="38100" dist="38100" dir="2700000" algn="tl">
+                  <a:srgbClr val="000000">
+                    <a:alpha val="43137"/>
+                  </a:srgbClr>
+                </a:outerShdw>
+              </a:effectLst>
+              <a:latin typeface="Arial Black" panose="020B0A04020102020204" pitchFamily="34" charset="0"/>
+              <a:ea typeface="+mn-ea"/>
+              <a:cs typeface="+mn-cs"/>
+            </a:endParaRPr>
+          </a:p>
+        </p:txBody>
+      </p:sp>
+      <p:sp>
+        <p:nvSpPr>
+          <p:cNvPr id="3" name="Content Placeholder 2">
+            <a:extLst>
+              <a:ext uri="{FF2B5EF4-FFF2-40B4-BE49-F238E27FC236}">
+                <a16:creationId xmlns:a16="http://schemas.microsoft.com/office/drawing/2014/main" id="{90AA5080-CE76-D1DF-858C-E3EB05B9A34E}"/>
+              </a:ext>
+            </a:extLst>
+          </p:cNvPr>
+          <p:cNvSpPr>
+            <a:spLocks noGrp="1"/>
+          </p:cNvSpPr>
+          <p:nvPr>
+            <p:ph idx="1"/>
+          </p:nvPr>
+        </p:nvSpPr>
+        <p:spPr>
+          <a:xfrm>
+            <a:off x="681446" y="1838688"/>
+            <a:ext cx="8476622" cy="4351338"/>
+          </a:xfrm>
+        </p:spPr>
+        <p:txBody>
+          <a:bodyPr>
+            <a:normAutofit/>
+          </a:bodyPr>
+          <a:lstStyle/>
+          <a:p>
+            <a:pPr marL="0" indent="0">
+              <a:buNone/>
+            </a:pPr>
+            <a:r>
+              <a:rPr lang="en-US" sz="3200" b="1" dirty="0"/>
+              <a:t>Real-Time Messaging:</a:t>
+            </a:r>
+          </a:p>
+          <a:p>
+            <a:r>
+              <a:rPr lang="en-US" dirty="0"/>
+              <a:t>Integrated socket.io to support live chat between admins and customers.</a:t>
+            </a:r>
+          </a:p>
+          <a:p>
+            <a:endParaRPr lang="en-US" dirty="0"/>
+          </a:p>
+          <a:p>
+            <a:pPr marL="0" indent="0">
+              <a:buNone/>
+            </a:pPr>
+            <a:r>
+              <a:rPr lang="en-US" sz="3200" b="1" dirty="0"/>
+              <a:t>Testing and Feedback:</a:t>
+            </a:r>
+          </a:p>
+          <a:p>
+            <a:r>
+              <a:rPr lang="en-US" dirty="0"/>
+              <a:t>Tested each feature individually and as part of the whole system.</a:t>
+            </a:r>
+          </a:p>
+          <a:p>
+            <a:r>
+              <a:rPr lang="en-US" dirty="0"/>
+              <a:t>Gathered user feedback to improve functionality and make the system easy to use.</a:t>
+            </a:r>
+            <a:endParaRPr lang="en-IN" dirty="0">
+              <a:solidFill>
+                <a:srgbClr val="C00000"/>
+              </a:solidFill>
+            </a:endParaRPr>
+          </a:p>
+        </p:txBody>
+      </p:sp>
+    </p:spTree>
+    <p:extLst>
+      <p:ext uri="{BB962C8B-B14F-4D97-AF65-F5344CB8AC3E}">
+        <p14:creationId xmlns:p14="http://schemas.microsoft.com/office/powerpoint/2010/main" val="1136366235"/>
       </p:ext>
     </p:extLst>
   </p:cSld>
@@ -4412,4 +9984,305 @@
     </a:ext>
   </a:extLst>
 </a:theme>
+</file>
+
+<file path=ppt/theme/themeOverride1.xml><?xml version="1.0" encoding="utf-8"?>
+<a:themeOverride xmlns:a="http://schemas.openxmlformats.org/drawingml/2006/main">
+  <a:clrScheme name="Office">
+    <a:dk1>
+      <a:sysClr val="windowText" lastClr="000000"/>
+    </a:dk1>
+    <a:lt1>
+      <a:sysClr val="window" lastClr="FFFFFF"/>
+    </a:lt1>
+    <a:dk2>
+      <a:srgbClr val="44546A"/>
+    </a:dk2>
+    <a:lt2>
+      <a:srgbClr val="E7E6E6"/>
+    </a:lt2>
+    <a:accent1>
+      <a:srgbClr val="4472C4"/>
+    </a:accent1>
+    <a:accent2>
+      <a:srgbClr val="ED7D31"/>
+    </a:accent2>
+    <a:accent3>
+      <a:srgbClr val="A5A5A5"/>
+    </a:accent3>
+    <a:accent4>
+      <a:srgbClr val="FFC000"/>
+    </a:accent4>
+    <a:accent5>
+      <a:srgbClr val="5B9BD5"/>
+    </a:accent5>
+    <a:accent6>
+      <a:srgbClr val="70AD47"/>
+    </a:accent6>
+    <a:hlink>
+      <a:srgbClr val="0563C1"/>
+    </a:hlink>
+    <a:folHlink>
+      <a:srgbClr val="954F72"/>
+    </a:folHlink>
+  </a:clrScheme>
+</a:themeOverride>
+</file>
+
+<file path=ppt/theme/themeOverride2.xml><?xml version="1.0" encoding="utf-8"?>
+<a:themeOverride xmlns:a="http://schemas.openxmlformats.org/drawingml/2006/main">
+  <a:clrScheme name="Office">
+    <a:dk1>
+      <a:sysClr val="windowText" lastClr="000000"/>
+    </a:dk1>
+    <a:lt1>
+      <a:sysClr val="window" lastClr="FFFFFF"/>
+    </a:lt1>
+    <a:dk2>
+      <a:srgbClr val="44546A"/>
+    </a:dk2>
+    <a:lt2>
+      <a:srgbClr val="E7E6E6"/>
+    </a:lt2>
+    <a:accent1>
+      <a:srgbClr val="4472C4"/>
+    </a:accent1>
+    <a:accent2>
+      <a:srgbClr val="ED7D31"/>
+    </a:accent2>
+    <a:accent3>
+      <a:srgbClr val="A5A5A5"/>
+    </a:accent3>
+    <a:accent4>
+      <a:srgbClr val="FFC000"/>
+    </a:accent4>
+    <a:accent5>
+      <a:srgbClr val="5B9BD5"/>
+    </a:accent5>
+    <a:accent6>
+      <a:srgbClr val="70AD47"/>
+    </a:accent6>
+    <a:hlink>
+      <a:srgbClr val="0563C1"/>
+    </a:hlink>
+    <a:folHlink>
+      <a:srgbClr val="954F72"/>
+    </a:folHlink>
+  </a:clrScheme>
+</a:themeOverride>
+</file>
+
+<file path=ppt/theme/themeOverride3.xml><?xml version="1.0" encoding="utf-8"?>
+<a:themeOverride xmlns:a="http://schemas.openxmlformats.org/drawingml/2006/main">
+  <a:clrScheme name="Office">
+    <a:dk1>
+      <a:sysClr val="windowText" lastClr="000000"/>
+    </a:dk1>
+    <a:lt1>
+      <a:sysClr val="window" lastClr="FFFFFF"/>
+    </a:lt1>
+    <a:dk2>
+      <a:srgbClr val="44546A"/>
+    </a:dk2>
+    <a:lt2>
+      <a:srgbClr val="E7E6E6"/>
+    </a:lt2>
+    <a:accent1>
+      <a:srgbClr val="4472C4"/>
+    </a:accent1>
+    <a:accent2>
+      <a:srgbClr val="ED7D31"/>
+    </a:accent2>
+    <a:accent3>
+      <a:srgbClr val="A5A5A5"/>
+    </a:accent3>
+    <a:accent4>
+      <a:srgbClr val="FFC000"/>
+    </a:accent4>
+    <a:accent5>
+      <a:srgbClr val="5B9BD5"/>
+    </a:accent5>
+    <a:accent6>
+      <a:srgbClr val="70AD47"/>
+    </a:accent6>
+    <a:hlink>
+      <a:srgbClr val="0563C1"/>
+    </a:hlink>
+    <a:folHlink>
+      <a:srgbClr val="954F72"/>
+    </a:folHlink>
+  </a:clrScheme>
+</a:themeOverride>
+</file>
+
+<file path=ppt/theme/themeOverride4.xml><?xml version="1.0" encoding="utf-8"?>
+<a:themeOverride xmlns:a="http://schemas.openxmlformats.org/drawingml/2006/main">
+  <a:clrScheme name="Office">
+    <a:dk1>
+      <a:sysClr val="windowText" lastClr="000000"/>
+    </a:dk1>
+    <a:lt1>
+      <a:sysClr val="window" lastClr="FFFFFF"/>
+    </a:lt1>
+    <a:dk2>
+      <a:srgbClr val="44546A"/>
+    </a:dk2>
+    <a:lt2>
+      <a:srgbClr val="E7E6E6"/>
+    </a:lt2>
+    <a:accent1>
+      <a:srgbClr val="4472C4"/>
+    </a:accent1>
+    <a:accent2>
+      <a:srgbClr val="ED7D31"/>
+    </a:accent2>
+    <a:accent3>
+      <a:srgbClr val="A5A5A5"/>
+    </a:accent3>
+    <a:accent4>
+      <a:srgbClr val="FFC000"/>
+    </a:accent4>
+    <a:accent5>
+      <a:srgbClr val="5B9BD5"/>
+    </a:accent5>
+    <a:accent6>
+      <a:srgbClr val="70AD47"/>
+    </a:accent6>
+    <a:hlink>
+      <a:srgbClr val="0563C1"/>
+    </a:hlink>
+    <a:folHlink>
+      <a:srgbClr val="954F72"/>
+    </a:folHlink>
+  </a:clrScheme>
+</a:themeOverride>
+</file>
+
+<file path=ppt/theme/themeOverride5.xml><?xml version="1.0" encoding="utf-8"?>
+<a:themeOverride xmlns:a="http://schemas.openxmlformats.org/drawingml/2006/main">
+  <a:clrScheme name="Office">
+    <a:dk1>
+      <a:sysClr val="windowText" lastClr="000000"/>
+    </a:dk1>
+    <a:lt1>
+      <a:sysClr val="window" lastClr="FFFFFF"/>
+    </a:lt1>
+    <a:dk2>
+      <a:srgbClr val="44546A"/>
+    </a:dk2>
+    <a:lt2>
+      <a:srgbClr val="E7E6E6"/>
+    </a:lt2>
+    <a:accent1>
+      <a:srgbClr val="4472C4"/>
+    </a:accent1>
+    <a:accent2>
+      <a:srgbClr val="ED7D31"/>
+    </a:accent2>
+    <a:accent3>
+      <a:srgbClr val="A5A5A5"/>
+    </a:accent3>
+    <a:accent4>
+      <a:srgbClr val="FFC000"/>
+    </a:accent4>
+    <a:accent5>
+      <a:srgbClr val="5B9BD5"/>
+    </a:accent5>
+    <a:accent6>
+      <a:srgbClr val="70AD47"/>
+    </a:accent6>
+    <a:hlink>
+      <a:srgbClr val="0563C1"/>
+    </a:hlink>
+    <a:folHlink>
+      <a:srgbClr val="954F72"/>
+    </a:folHlink>
+  </a:clrScheme>
+</a:themeOverride>
+</file>
+
+<file path=ppt/theme/themeOverride6.xml><?xml version="1.0" encoding="utf-8"?>
+<a:themeOverride xmlns:a="http://schemas.openxmlformats.org/drawingml/2006/main">
+  <a:clrScheme name="Office">
+    <a:dk1>
+      <a:sysClr val="windowText" lastClr="000000"/>
+    </a:dk1>
+    <a:lt1>
+      <a:sysClr val="window" lastClr="FFFFFF"/>
+    </a:lt1>
+    <a:dk2>
+      <a:srgbClr val="44546A"/>
+    </a:dk2>
+    <a:lt2>
+      <a:srgbClr val="E7E6E6"/>
+    </a:lt2>
+    <a:accent1>
+      <a:srgbClr val="4472C4"/>
+    </a:accent1>
+    <a:accent2>
+      <a:srgbClr val="ED7D31"/>
+    </a:accent2>
+    <a:accent3>
+      <a:srgbClr val="A5A5A5"/>
+    </a:accent3>
+    <a:accent4>
+      <a:srgbClr val="FFC000"/>
+    </a:accent4>
+    <a:accent5>
+      <a:srgbClr val="5B9BD5"/>
+    </a:accent5>
+    <a:accent6>
+      <a:srgbClr val="70AD47"/>
+    </a:accent6>
+    <a:hlink>
+      <a:srgbClr val="0563C1"/>
+    </a:hlink>
+    <a:folHlink>
+      <a:srgbClr val="954F72"/>
+    </a:folHlink>
+  </a:clrScheme>
+</a:themeOverride>
+</file>
+
+<file path=ppt/theme/themeOverride7.xml><?xml version="1.0" encoding="utf-8"?>
+<a:themeOverride xmlns:a="http://schemas.openxmlformats.org/drawingml/2006/main">
+  <a:clrScheme name="Office">
+    <a:dk1>
+      <a:sysClr val="windowText" lastClr="000000"/>
+    </a:dk1>
+    <a:lt1>
+      <a:sysClr val="window" lastClr="FFFFFF"/>
+    </a:lt1>
+    <a:dk2>
+      <a:srgbClr val="44546A"/>
+    </a:dk2>
+    <a:lt2>
+      <a:srgbClr val="E7E6E6"/>
+    </a:lt2>
+    <a:accent1>
+      <a:srgbClr val="4472C4"/>
+    </a:accent1>
+    <a:accent2>
+      <a:srgbClr val="ED7D31"/>
+    </a:accent2>
+    <a:accent3>
+      <a:srgbClr val="A5A5A5"/>
+    </a:accent3>
+    <a:accent4>
+      <a:srgbClr val="FFC000"/>
+    </a:accent4>
+    <a:accent5>
+      <a:srgbClr val="5B9BD5"/>
+    </a:accent5>
+    <a:accent6>
+      <a:srgbClr val="70AD47"/>
+    </a:accent6>
+    <a:hlink>
+      <a:srgbClr val="0563C1"/>
+    </a:hlink>
+    <a:folHlink>
+      <a:srgbClr val="954F72"/>
+    </a:folHlink>
+  </a:clrScheme>
+</a:themeOverride>
 </file>